--- a/Dokumentation/Back End.pptx
+++ b/Dokumentation/Back End.pptx
@@ -4,9 +4,25 @@
   <p:sldMasterIdLst>
     <p:sldMasterId id="2147483648" r:id="rId1"/>
   </p:sldMasterIdLst>
+  <p:notesMasterIdLst>
+    <p:notesMasterId r:id="rId14"/>
+  </p:notesMasterIdLst>
+  <p:handoutMasterIdLst>
+    <p:handoutMasterId r:id="rId15"/>
+  </p:handoutMasterIdLst>
   <p:sldIdLst>
     <p:sldId id="256" r:id="rId2"/>
     <p:sldId id="257" r:id="rId3"/>
+    <p:sldId id="258" r:id="rId4"/>
+    <p:sldId id="259" r:id="rId5"/>
+    <p:sldId id="262" r:id="rId6"/>
+    <p:sldId id="263" r:id="rId7"/>
+    <p:sldId id="267" r:id="rId8"/>
+    <p:sldId id="265" r:id="rId9"/>
+    <p:sldId id="268" r:id="rId10"/>
+    <p:sldId id="264" r:id="rId11"/>
+    <p:sldId id="266" r:id="rId12"/>
+    <p:sldId id="269" r:id="rId13"/>
   </p:sldIdLst>
   <p:sldSz cx="9144000" cy="6858000" type="screen4x3"/>
   <p:notesSz cx="6858000" cy="9144000"/>
@@ -108,6 +124,523 @@
 </p:presentation>
 </file>
 
+<file path=ppt/handoutMasters/handoutMaster1.xml><?xml version="1.0" encoding="utf-8"?>
+<p:handoutMaster xmlns:a="http://schemas.openxmlformats.org/drawingml/2006/main" xmlns:r="http://schemas.openxmlformats.org/officeDocument/2006/relationships" xmlns:p="http://schemas.openxmlformats.org/presentationml/2006/main">
+  <p:cSld>
+    <p:bg>
+      <p:bgRef idx="1001">
+        <a:schemeClr val="bg1"/>
+      </p:bgRef>
+    </p:bg>
+    <p:spTree>
+      <p:nvGrpSpPr>
+        <p:cNvPr id="1" name=""/>
+        <p:cNvGrpSpPr/>
+        <p:nvPr/>
+      </p:nvGrpSpPr>
+      <p:grpSpPr>
+        <a:xfrm>
+          <a:off x="0" y="0"/>
+          <a:ext cx="0" cy="0"/>
+          <a:chOff x="0" y="0"/>
+          <a:chExt cx="0" cy="0"/>
+        </a:xfrm>
+      </p:grpSpPr>
+      <p:sp>
+        <p:nvSpPr>
+          <p:cNvPr id="2" name="Überschriftenplatzhalter 1"/>
+          <p:cNvSpPr>
+            <a:spLocks noGrp="1"/>
+          </p:cNvSpPr>
+          <p:nvPr>
+            <p:ph type="hdr" sz="quarter"/>
+          </p:nvPr>
+        </p:nvSpPr>
+        <p:spPr>
+          <a:xfrm>
+            <a:off x="0" y="0"/>
+            <a:ext cx="2971800" cy="457200"/>
+          </a:xfrm>
+          <a:prstGeom prst="rect">
+            <a:avLst/>
+          </a:prstGeom>
+        </p:spPr>
+        <p:txBody>
+          <a:bodyPr vert="horz" lIns="91440" tIns="45720" rIns="91440" bIns="45720" rtlCol="0"/>
+          <a:lstStyle>
+            <a:lvl1pPr algn="l">
+              <a:defRPr sz="1200"/>
+            </a:lvl1pPr>
+          </a:lstStyle>
+          <a:p>
+            <a:endParaRPr lang="de-DE"/>
+          </a:p>
+        </p:txBody>
+      </p:sp>
+      <p:sp>
+        <p:nvSpPr>
+          <p:cNvPr id="3" name="Datumsplatzhalter 2"/>
+          <p:cNvSpPr>
+            <a:spLocks noGrp="1"/>
+          </p:cNvSpPr>
+          <p:nvPr>
+            <p:ph type="dt" sz="quarter" idx="1"/>
+          </p:nvPr>
+        </p:nvSpPr>
+        <p:spPr>
+          <a:xfrm>
+            <a:off x="3884613" y="0"/>
+            <a:ext cx="2971800" cy="457200"/>
+          </a:xfrm>
+          <a:prstGeom prst="rect">
+            <a:avLst/>
+          </a:prstGeom>
+        </p:spPr>
+        <p:txBody>
+          <a:bodyPr vert="horz" lIns="91440" tIns="45720" rIns="91440" bIns="45720" rtlCol="0"/>
+          <a:lstStyle>
+            <a:lvl1pPr algn="r">
+              <a:defRPr sz="1200"/>
+            </a:lvl1pPr>
+          </a:lstStyle>
+          <a:p>
+            <a:fld id="{33F124CA-B914-F340-A109-E5531EDBFE7B}" type="datetimeFigureOut">
+              <a:rPr lang="de-DE" smtClean="0"/>
+              <a:t>22/10/13</a:t>
+            </a:fld>
+            <a:endParaRPr lang="de-DE"/>
+          </a:p>
+        </p:txBody>
+      </p:sp>
+      <p:sp>
+        <p:nvSpPr>
+          <p:cNvPr id="4" name="Fußzeilenplatzhalter 3"/>
+          <p:cNvSpPr>
+            <a:spLocks noGrp="1"/>
+          </p:cNvSpPr>
+          <p:nvPr>
+            <p:ph type="ftr" sz="quarter" idx="2"/>
+          </p:nvPr>
+        </p:nvSpPr>
+        <p:spPr>
+          <a:xfrm>
+            <a:off x="0" y="8685213"/>
+            <a:ext cx="2971800" cy="457200"/>
+          </a:xfrm>
+          <a:prstGeom prst="rect">
+            <a:avLst/>
+          </a:prstGeom>
+        </p:spPr>
+        <p:txBody>
+          <a:bodyPr vert="horz" lIns="91440" tIns="45720" rIns="91440" bIns="45720" rtlCol="0" anchor="b"/>
+          <a:lstStyle>
+            <a:lvl1pPr algn="l">
+              <a:defRPr sz="1200"/>
+            </a:lvl1pPr>
+          </a:lstStyle>
+          <a:p>
+            <a:endParaRPr lang="de-DE"/>
+          </a:p>
+        </p:txBody>
+      </p:sp>
+      <p:sp>
+        <p:nvSpPr>
+          <p:cNvPr id="5" name="Foliennummernplatzhalter 4"/>
+          <p:cNvSpPr>
+            <a:spLocks noGrp="1"/>
+          </p:cNvSpPr>
+          <p:nvPr>
+            <p:ph type="sldNum" sz="quarter" idx="3"/>
+          </p:nvPr>
+        </p:nvSpPr>
+        <p:spPr>
+          <a:xfrm>
+            <a:off x="3884613" y="8685213"/>
+            <a:ext cx="2971800" cy="457200"/>
+          </a:xfrm>
+          <a:prstGeom prst="rect">
+            <a:avLst/>
+          </a:prstGeom>
+        </p:spPr>
+        <p:txBody>
+          <a:bodyPr vert="horz" lIns="91440" tIns="45720" rIns="91440" bIns="45720" rtlCol="0" anchor="b"/>
+          <a:lstStyle>
+            <a:lvl1pPr algn="r">
+              <a:defRPr sz="1200"/>
+            </a:lvl1pPr>
+          </a:lstStyle>
+          <a:p>
+            <a:fld id="{C00AFA2F-730A-8440-80D8-B49B408F519E}" type="slidenum">
+              <a:rPr lang="de-DE" smtClean="0"/>
+              <a:t>‹Nr.›</a:t>
+            </a:fld>
+            <a:endParaRPr lang="de-DE"/>
+          </a:p>
+        </p:txBody>
+      </p:sp>
+    </p:spTree>
+    <p:extLst>
+      <p:ext uri="{BB962C8B-B14F-4D97-AF65-F5344CB8AC3E}">
+        <p14:creationId xmlns:p14="http://schemas.microsoft.com/office/powerpoint/2010/main" val="3850412662"/>
+      </p:ext>
+    </p:extLst>
+  </p:cSld>
+  <p:clrMap bg1="lt1" tx1="dk1" bg2="lt2" tx2="dk2" accent1="accent1" accent2="accent2" accent3="accent3" accent4="accent4" accent5="accent5" accent6="accent6" hlink="hlink" folHlink="folHlink"/>
+  <p:hf hdr="0" ftr="0" dt="0"/>
+</p:handoutMaster>
+</file>
+
+<file path=ppt/notesMasters/notesMaster1.xml><?xml version="1.0" encoding="utf-8"?>
+<p:notesMaster xmlns:a="http://schemas.openxmlformats.org/drawingml/2006/main" xmlns:r="http://schemas.openxmlformats.org/officeDocument/2006/relationships" xmlns:p="http://schemas.openxmlformats.org/presentationml/2006/main">
+  <p:cSld>
+    <p:bg>
+      <p:bgRef idx="1001">
+        <a:schemeClr val="bg1"/>
+      </p:bgRef>
+    </p:bg>
+    <p:spTree>
+      <p:nvGrpSpPr>
+        <p:cNvPr id="1" name=""/>
+        <p:cNvGrpSpPr/>
+        <p:nvPr/>
+      </p:nvGrpSpPr>
+      <p:grpSpPr>
+        <a:xfrm>
+          <a:off x="0" y="0"/>
+          <a:ext cx="0" cy="0"/>
+          <a:chOff x="0" y="0"/>
+          <a:chExt cx="0" cy="0"/>
+        </a:xfrm>
+      </p:grpSpPr>
+      <p:sp>
+        <p:nvSpPr>
+          <p:cNvPr id="2" name="Überschriftenplatzhalter 1"/>
+          <p:cNvSpPr>
+            <a:spLocks noGrp="1"/>
+          </p:cNvSpPr>
+          <p:nvPr>
+            <p:ph type="hdr" sz="quarter"/>
+          </p:nvPr>
+        </p:nvSpPr>
+        <p:spPr>
+          <a:xfrm>
+            <a:off x="0" y="0"/>
+            <a:ext cx="2971800" cy="457200"/>
+          </a:xfrm>
+          <a:prstGeom prst="rect">
+            <a:avLst/>
+          </a:prstGeom>
+        </p:spPr>
+        <p:txBody>
+          <a:bodyPr vert="horz" lIns="91440" tIns="45720" rIns="91440" bIns="45720" rtlCol="0"/>
+          <a:lstStyle>
+            <a:lvl1pPr algn="l">
+              <a:defRPr sz="1200"/>
+            </a:lvl1pPr>
+          </a:lstStyle>
+          <a:p>
+            <a:endParaRPr lang="de-DE"/>
+          </a:p>
+        </p:txBody>
+      </p:sp>
+      <p:sp>
+        <p:nvSpPr>
+          <p:cNvPr id="3" name="Datumsplatzhalter 2"/>
+          <p:cNvSpPr>
+            <a:spLocks noGrp="1"/>
+          </p:cNvSpPr>
+          <p:nvPr>
+            <p:ph type="dt" idx="1"/>
+          </p:nvPr>
+        </p:nvSpPr>
+        <p:spPr>
+          <a:xfrm>
+            <a:off x="3884613" y="0"/>
+            <a:ext cx="2971800" cy="457200"/>
+          </a:xfrm>
+          <a:prstGeom prst="rect">
+            <a:avLst/>
+          </a:prstGeom>
+        </p:spPr>
+        <p:txBody>
+          <a:bodyPr vert="horz" lIns="91440" tIns="45720" rIns="91440" bIns="45720" rtlCol="0"/>
+          <a:lstStyle>
+            <a:lvl1pPr algn="r">
+              <a:defRPr sz="1200"/>
+            </a:lvl1pPr>
+          </a:lstStyle>
+          <a:p>
+            <a:fld id="{1F044181-0ADD-D848-826A-A7744A795D5C}" type="datetimeFigureOut">
+              <a:rPr lang="de-DE" smtClean="0"/>
+              <a:t>22/10/13</a:t>
+            </a:fld>
+            <a:endParaRPr lang="de-DE"/>
+          </a:p>
+        </p:txBody>
+      </p:sp>
+      <p:sp>
+        <p:nvSpPr>
+          <p:cNvPr id="4" name="Folienbildplatzhalter 3"/>
+          <p:cNvSpPr>
+            <a:spLocks noGrp="1" noRot="1" noChangeAspect="1"/>
+          </p:cNvSpPr>
+          <p:nvPr>
+            <p:ph type="sldImg" idx="2"/>
+          </p:nvPr>
+        </p:nvSpPr>
+        <p:spPr>
+          <a:xfrm>
+            <a:off x="1143000" y="685800"/>
+            <a:ext cx="4572000" cy="3429000"/>
+          </a:xfrm>
+          <a:prstGeom prst="rect">
+            <a:avLst/>
+          </a:prstGeom>
+          <a:noFill/>
+          <a:ln w="12700">
+            <a:solidFill>
+              <a:prstClr val="black"/>
+            </a:solidFill>
+          </a:ln>
+        </p:spPr>
+        <p:txBody>
+          <a:bodyPr vert="horz" lIns="91440" tIns="45720" rIns="91440" bIns="45720" rtlCol="0" anchor="ctr"/>
+          <a:lstStyle/>
+          <a:p>
+            <a:endParaRPr lang="de-DE"/>
+          </a:p>
+        </p:txBody>
+      </p:sp>
+      <p:sp>
+        <p:nvSpPr>
+          <p:cNvPr id="5" name="Notizenplatzhalter 4"/>
+          <p:cNvSpPr>
+            <a:spLocks noGrp="1"/>
+          </p:cNvSpPr>
+          <p:nvPr>
+            <p:ph type="body" sz="quarter" idx="3"/>
+          </p:nvPr>
+        </p:nvSpPr>
+        <p:spPr>
+          <a:xfrm>
+            <a:off x="685800" y="4343400"/>
+            <a:ext cx="5486400" cy="4114800"/>
+          </a:xfrm>
+          <a:prstGeom prst="rect">
+            <a:avLst/>
+          </a:prstGeom>
+        </p:spPr>
+        <p:txBody>
+          <a:bodyPr vert="horz" lIns="91440" tIns="45720" rIns="91440" bIns="45720" rtlCol="0"/>
+          <a:lstStyle/>
+          <a:p>
+            <a:pPr lvl="0"/>
+            <a:r>
+              <a:rPr lang="de-AT" smtClean="0"/>
+              <a:t>Mastertextformat bearbeiten</a:t>
+            </a:r>
+          </a:p>
+          <a:p>
+            <a:pPr lvl="1"/>
+            <a:r>
+              <a:rPr lang="de-AT" smtClean="0"/>
+              <a:t>Zweite Ebene</a:t>
+            </a:r>
+          </a:p>
+          <a:p>
+            <a:pPr lvl="2"/>
+            <a:r>
+              <a:rPr lang="de-AT" smtClean="0"/>
+              <a:t>Dritte Ebene</a:t>
+            </a:r>
+          </a:p>
+          <a:p>
+            <a:pPr lvl="3"/>
+            <a:r>
+              <a:rPr lang="de-AT" smtClean="0"/>
+              <a:t>Vierte Ebene</a:t>
+            </a:r>
+          </a:p>
+          <a:p>
+            <a:pPr lvl="4"/>
+            <a:r>
+              <a:rPr lang="de-AT" smtClean="0"/>
+              <a:t>Fünfte Ebene</a:t>
+            </a:r>
+            <a:endParaRPr lang="de-DE"/>
+          </a:p>
+        </p:txBody>
+      </p:sp>
+      <p:sp>
+        <p:nvSpPr>
+          <p:cNvPr id="6" name="Fußzeilenplatzhalter 5"/>
+          <p:cNvSpPr>
+            <a:spLocks noGrp="1"/>
+          </p:cNvSpPr>
+          <p:nvPr>
+            <p:ph type="ftr" sz="quarter" idx="4"/>
+          </p:nvPr>
+        </p:nvSpPr>
+        <p:spPr>
+          <a:xfrm>
+            <a:off x="0" y="8685213"/>
+            <a:ext cx="2971800" cy="457200"/>
+          </a:xfrm>
+          <a:prstGeom prst="rect">
+            <a:avLst/>
+          </a:prstGeom>
+        </p:spPr>
+        <p:txBody>
+          <a:bodyPr vert="horz" lIns="91440" tIns="45720" rIns="91440" bIns="45720" rtlCol="0" anchor="b"/>
+          <a:lstStyle>
+            <a:lvl1pPr algn="l">
+              <a:defRPr sz="1200"/>
+            </a:lvl1pPr>
+          </a:lstStyle>
+          <a:p>
+            <a:endParaRPr lang="de-DE"/>
+          </a:p>
+        </p:txBody>
+      </p:sp>
+      <p:sp>
+        <p:nvSpPr>
+          <p:cNvPr id="7" name="Foliennummernplatzhalter 6"/>
+          <p:cNvSpPr>
+            <a:spLocks noGrp="1"/>
+          </p:cNvSpPr>
+          <p:nvPr>
+            <p:ph type="sldNum" sz="quarter" idx="5"/>
+          </p:nvPr>
+        </p:nvSpPr>
+        <p:spPr>
+          <a:xfrm>
+            <a:off x="3884613" y="8685213"/>
+            <a:ext cx="2971800" cy="457200"/>
+          </a:xfrm>
+          <a:prstGeom prst="rect">
+            <a:avLst/>
+          </a:prstGeom>
+        </p:spPr>
+        <p:txBody>
+          <a:bodyPr vert="horz" lIns="91440" tIns="45720" rIns="91440" bIns="45720" rtlCol="0" anchor="b"/>
+          <a:lstStyle>
+            <a:lvl1pPr algn="r">
+              <a:defRPr sz="1200"/>
+            </a:lvl1pPr>
+          </a:lstStyle>
+          <a:p>
+            <a:fld id="{CA421859-3707-9249-AB66-70F1A6117DE5}" type="slidenum">
+              <a:rPr lang="de-DE" smtClean="0"/>
+              <a:t>‹Nr.›</a:t>
+            </a:fld>
+            <a:endParaRPr lang="de-DE"/>
+          </a:p>
+        </p:txBody>
+      </p:sp>
+    </p:spTree>
+    <p:extLst>
+      <p:ext uri="{BB962C8B-B14F-4D97-AF65-F5344CB8AC3E}">
+        <p14:creationId xmlns:p14="http://schemas.microsoft.com/office/powerpoint/2010/main" val="1445112859"/>
+      </p:ext>
+    </p:extLst>
+  </p:cSld>
+  <p:clrMap bg1="lt1" tx1="dk1" bg2="lt2" tx2="dk2" accent1="accent1" accent2="accent2" accent3="accent3" accent4="accent4" accent5="accent5" accent6="accent6" hlink="hlink" folHlink="folHlink"/>
+  <p:hf hdr="0" ftr="0" dt="0"/>
+  <p:notesStyle>
+    <a:lvl1pPr marL="0" algn="l" defTabSz="457200" rtl="0" eaLnBrk="1" latinLnBrk="0" hangingPunct="1">
+      <a:defRPr sz="1200" kern="1200">
+        <a:solidFill>
+          <a:schemeClr val="tx1"/>
+        </a:solidFill>
+        <a:latin typeface="+mn-lt"/>
+        <a:ea typeface="+mn-ea"/>
+        <a:cs typeface="+mn-cs"/>
+      </a:defRPr>
+    </a:lvl1pPr>
+    <a:lvl2pPr marL="457200" algn="l" defTabSz="457200" rtl="0" eaLnBrk="1" latinLnBrk="0" hangingPunct="1">
+      <a:defRPr sz="1200" kern="1200">
+        <a:solidFill>
+          <a:schemeClr val="tx1"/>
+        </a:solidFill>
+        <a:latin typeface="+mn-lt"/>
+        <a:ea typeface="+mn-ea"/>
+        <a:cs typeface="+mn-cs"/>
+      </a:defRPr>
+    </a:lvl2pPr>
+    <a:lvl3pPr marL="914400" algn="l" defTabSz="457200" rtl="0" eaLnBrk="1" latinLnBrk="0" hangingPunct="1">
+      <a:defRPr sz="1200" kern="1200">
+        <a:solidFill>
+          <a:schemeClr val="tx1"/>
+        </a:solidFill>
+        <a:latin typeface="+mn-lt"/>
+        <a:ea typeface="+mn-ea"/>
+        <a:cs typeface="+mn-cs"/>
+      </a:defRPr>
+    </a:lvl3pPr>
+    <a:lvl4pPr marL="1371600" algn="l" defTabSz="457200" rtl="0" eaLnBrk="1" latinLnBrk="0" hangingPunct="1">
+      <a:defRPr sz="1200" kern="1200">
+        <a:solidFill>
+          <a:schemeClr val="tx1"/>
+        </a:solidFill>
+        <a:latin typeface="+mn-lt"/>
+        <a:ea typeface="+mn-ea"/>
+        <a:cs typeface="+mn-cs"/>
+      </a:defRPr>
+    </a:lvl4pPr>
+    <a:lvl5pPr marL="1828800" algn="l" defTabSz="457200" rtl="0" eaLnBrk="1" latinLnBrk="0" hangingPunct="1">
+      <a:defRPr sz="1200" kern="1200">
+        <a:solidFill>
+          <a:schemeClr val="tx1"/>
+        </a:solidFill>
+        <a:latin typeface="+mn-lt"/>
+        <a:ea typeface="+mn-ea"/>
+        <a:cs typeface="+mn-cs"/>
+      </a:defRPr>
+    </a:lvl5pPr>
+    <a:lvl6pPr marL="2286000" algn="l" defTabSz="457200" rtl="0" eaLnBrk="1" latinLnBrk="0" hangingPunct="1">
+      <a:defRPr sz="1200" kern="1200">
+        <a:solidFill>
+          <a:schemeClr val="tx1"/>
+        </a:solidFill>
+        <a:latin typeface="+mn-lt"/>
+        <a:ea typeface="+mn-ea"/>
+        <a:cs typeface="+mn-cs"/>
+      </a:defRPr>
+    </a:lvl6pPr>
+    <a:lvl7pPr marL="2743200" algn="l" defTabSz="457200" rtl="0" eaLnBrk="1" latinLnBrk="0" hangingPunct="1">
+      <a:defRPr sz="1200" kern="1200">
+        <a:solidFill>
+          <a:schemeClr val="tx1"/>
+        </a:solidFill>
+        <a:latin typeface="+mn-lt"/>
+        <a:ea typeface="+mn-ea"/>
+        <a:cs typeface="+mn-cs"/>
+      </a:defRPr>
+    </a:lvl7pPr>
+    <a:lvl8pPr marL="3200400" algn="l" defTabSz="457200" rtl="0" eaLnBrk="1" latinLnBrk="0" hangingPunct="1">
+      <a:defRPr sz="1200" kern="1200">
+        <a:solidFill>
+          <a:schemeClr val="tx1"/>
+        </a:solidFill>
+        <a:latin typeface="+mn-lt"/>
+        <a:ea typeface="+mn-ea"/>
+        <a:cs typeface="+mn-cs"/>
+      </a:defRPr>
+    </a:lvl8pPr>
+    <a:lvl9pPr marL="3657600" algn="l" defTabSz="457200" rtl="0" eaLnBrk="1" latinLnBrk="0" hangingPunct="1">
+      <a:defRPr sz="1200" kern="1200">
+        <a:solidFill>
+          <a:schemeClr val="tx1"/>
+        </a:solidFill>
+        <a:latin typeface="+mn-lt"/>
+        <a:ea typeface="+mn-ea"/>
+        <a:cs typeface="+mn-cs"/>
+      </a:defRPr>
+    </a:lvl9pPr>
+  </p:notesStyle>
+</p:notesMaster>
+</file>
+
 <file path=ppt/slideLayouts/slideLayout1.xml><?xml version="1.0" encoding="utf-8"?>
 <p:sldLayout xmlns:a="http://schemas.openxmlformats.org/drawingml/2006/main" xmlns:r="http://schemas.openxmlformats.org/officeDocument/2006/relationships" xmlns:p="http://schemas.openxmlformats.org/presentationml/2006/main" type="title" preserve="1">
   <p:cSld name="Titelfolie">
@@ -287,29 +820,33 @@
           <a:bodyPr/>
           <a:lstStyle/>
           <a:p>
-            <a:fld id="{76C945B1-94F4-8348-99BC-F37FB2A234F5}" type="datetimeFigureOut">
+            <a:fld id="{03705AC5-A19C-8F4A-8847-368AED4628EF}" type="datetime1">
+              <a:rPr lang="en-US" smtClean="0"/>
+              <a:t>22/10/13</a:t>
+            </a:fld>
+            <a:endParaRPr lang="de-DE"/>
+          </a:p>
+        </p:txBody>
+      </p:sp>
+      <p:sp>
+        <p:nvSpPr>
+          <p:cNvPr id="5" name="Fußzeilenplatzhalter 4"/>
+          <p:cNvSpPr>
+            <a:spLocks noGrp="1"/>
+          </p:cNvSpPr>
+          <p:nvPr>
+            <p:ph type="ftr" sz="quarter" idx="11"/>
+          </p:nvPr>
+        </p:nvSpPr>
+        <p:spPr/>
+        <p:txBody>
+          <a:bodyPr/>
+          <a:lstStyle/>
+          <a:p>
+            <a:r>
               <a:rPr lang="de-DE" smtClean="0"/>
-              <a:t>20/10/13</a:t>
-            </a:fld>
-            <a:endParaRPr lang="de-DE"/>
-          </a:p>
-        </p:txBody>
-      </p:sp>
-      <p:sp>
-        <p:nvSpPr>
-          <p:cNvPr id="5" name="Fußzeilenplatzhalter 4"/>
-          <p:cNvSpPr>
-            <a:spLocks noGrp="1"/>
-          </p:cNvSpPr>
-          <p:nvPr>
-            <p:ph type="ftr" sz="quarter" idx="11"/>
-          </p:nvPr>
-        </p:nvSpPr>
-        <p:spPr/>
-        <p:txBody>
-          <a:bodyPr/>
-          <a:lstStyle/>
-          <a:p>
+              <a:t>Aquatic Space - Back End</a:t>
+            </a:r>
             <a:endParaRPr lang="de-DE"/>
           </a:p>
         </p:txBody>
@@ -457,29 +994,33 @@
           <a:bodyPr/>
           <a:lstStyle/>
           <a:p>
-            <a:fld id="{76C945B1-94F4-8348-99BC-F37FB2A234F5}" type="datetimeFigureOut">
+            <a:fld id="{8D69D4D6-CCA3-944B-B9B0-C5D2AE8842BE}" type="datetime1">
+              <a:rPr lang="en-US" smtClean="0"/>
+              <a:t>22/10/13</a:t>
+            </a:fld>
+            <a:endParaRPr lang="de-DE"/>
+          </a:p>
+        </p:txBody>
+      </p:sp>
+      <p:sp>
+        <p:nvSpPr>
+          <p:cNvPr id="5" name="Fußzeilenplatzhalter 4"/>
+          <p:cNvSpPr>
+            <a:spLocks noGrp="1"/>
+          </p:cNvSpPr>
+          <p:nvPr>
+            <p:ph type="ftr" sz="quarter" idx="11"/>
+          </p:nvPr>
+        </p:nvSpPr>
+        <p:spPr/>
+        <p:txBody>
+          <a:bodyPr/>
+          <a:lstStyle/>
+          <a:p>
+            <a:r>
               <a:rPr lang="de-DE" smtClean="0"/>
-              <a:t>20/10/13</a:t>
-            </a:fld>
-            <a:endParaRPr lang="de-DE"/>
-          </a:p>
-        </p:txBody>
-      </p:sp>
-      <p:sp>
-        <p:nvSpPr>
-          <p:cNvPr id="5" name="Fußzeilenplatzhalter 4"/>
-          <p:cNvSpPr>
-            <a:spLocks noGrp="1"/>
-          </p:cNvSpPr>
-          <p:nvPr>
-            <p:ph type="ftr" sz="quarter" idx="11"/>
-          </p:nvPr>
-        </p:nvSpPr>
-        <p:spPr/>
-        <p:txBody>
-          <a:bodyPr/>
-          <a:lstStyle/>
-          <a:p>
+              <a:t>Aquatic Space - Back End</a:t>
+            </a:r>
             <a:endParaRPr lang="de-DE"/>
           </a:p>
         </p:txBody>
@@ -637,29 +1178,33 @@
           <a:bodyPr/>
           <a:lstStyle/>
           <a:p>
-            <a:fld id="{76C945B1-94F4-8348-99BC-F37FB2A234F5}" type="datetimeFigureOut">
+            <a:fld id="{A9423939-50B2-2A47-9BDE-BA876C40CB93}" type="datetime1">
+              <a:rPr lang="en-US" smtClean="0"/>
+              <a:t>22/10/13</a:t>
+            </a:fld>
+            <a:endParaRPr lang="de-DE"/>
+          </a:p>
+        </p:txBody>
+      </p:sp>
+      <p:sp>
+        <p:nvSpPr>
+          <p:cNvPr id="5" name="Fußzeilenplatzhalter 4"/>
+          <p:cNvSpPr>
+            <a:spLocks noGrp="1"/>
+          </p:cNvSpPr>
+          <p:nvPr>
+            <p:ph type="ftr" sz="quarter" idx="11"/>
+          </p:nvPr>
+        </p:nvSpPr>
+        <p:spPr/>
+        <p:txBody>
+          <a:bodyPr/>
+          <a:lstStyle/>
+          <a:p>
+            <a:r>
               <a:rPr lang="de-DE" smtClean="0"/>
-              <a:t>20/10/13</a:t>
-            </a:fld>
-            <a:endParaRPr lang="de-DE"/>
-          </a:p>
-        </p:txBody>
-      </p:sp>
-      <p:sp>
-        <p:nvSpPr>
-          <p:cNvPr id="5" name="Fußzeilenplatzhalter 4"/>
-          <p:cNvSpPr>
-            <a:spLocks noGrp="1"/>
-          </p:cNvSpPr>
-          <p:nvPr>
-            <p:ph type="ftr" sz="quarter" idx="11"/>
-          </p:nvPr>
-        </p:nvSpPr>
-        <p:spPr/>
-        <p:txBody>
-          <a:bodyPr/>
-          <a:lstStyle/>
-          <a:p>
+              <a:t>Aquatic Space - Back End</a:t>
+            </a:r>
             <a:endParaRPr lang="de-DE"/>
           </a:p>
         </p:txBody>
@@ -807,29 +1352,33 @@
           <a:bodyPr/>
           <a:lstStyle/>
           <a:p>
-            <a:fld id="{76C945B1-94F4-8348-99BC-F37FB2A234F5}" type="datetimeFigureOut">
+            <a:fld id="{B54C1B48-3F9B-1C40-8516-F06ECAB12DA3}" type="datetime1">
+              <a:rPr lang="en-US" smtClean="0"/>
+              <a:t>22/10/13</a:t>
+            </a:fld>
+            <a:endParaRPr lang="de-DE"/>
+          </a:p>
+        </p:txBody>
+      </p:sp>
+      <p:sp>
+        <p:nvSpPr>
+          <p:cNvPr id="5" name="Fußzeilenplatzhalter 4"/>
+          <p:cNvSpPr>
+            <a:spLocks noGrp="1"/>
+          </p:cNvSpPr>
+          <p:nvPr>
+            <p:ph type="ftr" sz="quarter" idx="11"/>
+          </p:nvPr>
+        </p:nvSpPr>
+        <p:spPr/>
+        <p:txBody>
+          <a:bodyPr/>
+          <a:lstStyle/>
+          <a:p>
+            <a:r>
               <a:rPr lang="de-DE" smtClean="0"/>
-              <a:t>20/10/13</a:t>
-            </a:fld>
-            <a:endParaRPr lang="de-DE"/>
-          </a:p>
-        </p:txBody>
-      </p:sp>
-      <p:sp>
-        <p:nvSpPr>
-          <p:cNvPr id="5" name="Fußzeilenplatzhalter 4"/>
-          <p:cNvSpPr>
-            <a:spLocks noGrp="1"/>
-          </p:cNvSpPr>
-          <p:nvPr>
-            <p:ph type="ftr" sz="quarter" idx="11"/>
-          </p:nvPr>
-        </p:nvSpPr>
-        <p:spPr/>
-        <p:txBody>
-          <a:bodyPr/>
-          <a:lstStyle/>
-          <a:p>
+              <a:t>Aquatic Space - Back End</a:t>
+            </a:r>
             <a:endParaRPr lang="de-DE"/>
           </a:p>
         </p:txBody>
@@ -1053,29 +1602,33 @@
           <a:bodyPr/>
           <a:lstStyle/>
           <a:p>
-            <a:fld id="{76C945B1-94F4-8348-99BC-F37FB2A234F5}" type="datetimeFigureOut">
+            <a:fld id="{36C3DBB7-E33A-814B-B85A-4792887613D1}" type="datetime1">
+              <a:rPr lang="en-US" smtClean="0"/>
+              <a:t>22/10/13</a:t>
+            </a:fld>
+            <a:endParaRPr lang="de-DE"/>
+          </a:p>
+        </p:txBody>
+      </p:sp>
+      <p:sp>
+        <p:nvSpPr>
+          <p:cNvPr id="5" name="Fußzeilenplatzhalter 4"/>
+          <p:cNvSpPr>
+            <a:spLocks noGrp="1"/>
+          </p:cNvSpPr>
+          <p:nvPr>
+            <p:ph type="ftr" sz="quarter" idx="11"/>
+          </p:nvPr>
+        </p:nvSpPr>
+        <p:spPr/>
+        <p:txBody>
+          <a:bodyPr/>
+          <a:lstStyle/>
+          <a:p>
+            <a:r>
               <a:rPr lang="de-DE" smtClean="0"/>
-              <a:t>20/10/13</a:t>
-            </a:fld>
-            <a:endParaRPr lang="de-DE"/>
-          </a:p>
-        </p:txBody>
-      </p:sp>
-      <p:sp>
-        <p:nvSpPr>
-          <p:cNvPr id="5" name="Fußzeilenplatzhalter 4"/>
-          <p:cNvSpPr>
-            <a:spLocks noGrp="1"/>
-          </p:cNvSpPr>
-          <p:nvPr>
-            <p:ph type="ftr" sz="quarter" idx="11"/>
-          </p:nvPr>
-        </p:nvSpPr>
-        <p:spPr/>
-        <p:txBody>
-          <a:bodyPr/>
-          <a:lstStyle/>
-          <a:p>
+              <a:t>Aquatic Space - Back End</a:t>
+            </a:r>
             <a:endParaRPr lang="de-DE"/>
           </a:p>
         </p:txBody>
@@ -1341,29 +1894,33 @@
           <a:bodyPr/>
           <a:lstStyle/>
           <a:p>
-            <a:fld id="{76C945B1-94F4-8348-99BC-F37FB2A234F5}" type="datetimeFigureOut">
+            <a:fld id="{65CC0F5B-549C-2B4F-8CF7-E94518D3615E}" type="datetime1">
+              <a:rPr lang="en-US" smtClean="0"/>
+              <a:t>22/10/13</a:t>
+            </a:fld>
+            <a:endParaRPr lang="de-DE"/>
+          </a:p>
+        </p:txBody>
+      </p:sp>
+      <p:sp>
+        <p:nvSpPr>
+          <p:cNvPr id="6" name="Fußzeilenplatzhalter 5"/>
+          <p:cNvSpPr>
+            <a:spLocks noGrp="1"/>
+          </p:cNvSpPr>
+          <p:nvPr>
+            <p:ph type="ftr" sz="quarter" idx="11"/>
+          </p:nvPr>
+        </p:nvSpPr>
+        <p:spPr/>
+        <p:txBody>
+          <a:bodyPr/>
+          <a:lstStyle/>
+          <a:p>
+            <a:r>
               <a:rPr lang="de-DE" smtClean="0"/>
-              <a:t>20/10/13</a:t>
-            </a:fld>
-            <a:endParaRPr lang="de-DE"/>
-          </a:p>
-        </p:txBody>
-      </p:sp>
-      <p:sp>
-        <p:nvSpPr>
-          <p:cNvPr id="6" name="Fußzeilenplatzhalter 5"/>
-          <p:cNvSpPr>
-            <a:spLocks noGrp="1"/>
-          </p:cNvSpPr>
-          <p:nvPr>
-            <p:ph type="ftr" sz="quarter" idx="11"/>
-          </p:nvPr>
-        </p:nvSpPr>
-        <p:spPr/>
-        <p:txBody>
-          <a:bodyPr/>
-          <a:lstStyle/>
-          <a:p>
+              <a:t>Aquatic Space - Back End</a:t>
+            </a:r>
             <a:endParaRPr lang="de-DE"/>
           </a:p>
         </p:txBody>
@@ -1763,29 +2320,33 @@
           <a:bodyPr/>
           <a:lstStyle/>
           <a:p>
-            <a:fld id="{76C945B1-94F4-8348-99BC-F37FB2A234F5}" type="datetimeFigureOut">
+            <a:fld id="{445C7767-5940-754C-9925-7413CC08C9F8}" type="datetime1">
+              <a:rPr lang="en-US" smtClean="0"/>
+              <a:t>22/10/13</a:t>
+            </a:fld>
+            <a:endParaRPr lang="de-DE"/>
+          </a:p>
+        </p:txBody>
+      </p:sp>
+      <p:sp>
+        <p:nvSpPr>
+          <p:cNvPr id="8" name="Fußzeilenplatzhalter 7"/>
+          <p:cNvSpPr>
+            <a:spLocks noGrp="1"/>
+          </p:cNvSpPr>
+          <p:nvPr>
+            <p:ph type="ftr" sz="quarter" idx="11"/>
+          </p:nvPr>
+        </p:nvSpPr>
+        <p:spPr/>
+        <p:txBody>
+          <a:bodyPr/>
+          <a:lstStyle/>
+          <a:p>
+            <a:r>
               <a:rPr lang="de-DE" smtClean="0"/>
-              <a:t>20/10/13</a:t>
-            </a:fld>
-            <a:endParaRPr lang="de-DE"/>
-          </a:p>
-        </p:txBody>
-      </p:sp>
-      <p:sp>
-        <p:nvSpPr>
-          <p:cNvPr id="8" name="Fußzeilenplatzhalter 7"/>
-          <p:cNvSpPr>
-            <a:spLocks noGrp="1"/>
-          </p:cNvSpPr>
-          <p:nvPr>
-            <p:ph type="ftr" sz="quarter" idx="11"/>
-          </p:nvPr>
-        </p:nvSpPr>
-        <p:spPr/>
-        <p:txBody>
-          <a:bodyPr/>
-          <a:lstStyle/>
-          <a:p>
+              <a:t>Aquatic Space - Back End</a:t>
+            </a:r>
             <a:endParaRPr lang="de-DE"/>
           </a:p>
         </p:txBody>
@@ -1881,29 +2442,33 @@
           <a:bodyPr/>
           <a:lstStyle/>
           <a:p>
-            <a:fld id="{76C945B1-94F4-8348-99BC-F37FB2A234F5}" type="datetimeFigureOut">
+            <a:fld id="{3DB1C466-6B9C-634C-89EA-6BE2E70DFFC9}" type="datetime1">
+              <a:rPr lang="en-US" smtClean="0"/>
+              <a:t>22/10/13</a:t>
+            </a:fld>
+            <a:endParaRPr lang="de-DE"/>
+          </a:p>
+        </p:txBody>
+      </p:sp>
+      <p:sp>
+        <p:nvSpPr>
+          <p:cNvPr id="4" name="Fußzeilenplatzhalter 3"/>
+          <p:cNvSpPr>
+            <a:spLocks noGrp="1"/>
+          </p:cNvSpPr>
+          <p:nvPr>
+            <p:ph type="ftr" sz="quarter" idx="11"/>
+          </p:nvPr>
+        </p:nvSpPr>
+        <p:spPr/>
+        <p:txBody>
+          <a:bodyPr/>
+          <a:lstStyle/>
+          <a:p>
+            <a:r>
               <a:rPr lang="de-DE" smtClean="0"/>
-              <a:t>20/10/13</a:t>
-            </a:fld>
-            <a:endParaRPr lang="de-DE"/>
-          </a:p>
-        </p:txBody>
-      </p:sp>
-      <p:sp>
-        <p:nvSpPr>
-          <p:cNvPr id="4" name="Fußzeilenplatzhalter 3"/>
-          <p:cNvSpPr>
-            <a:spLocks noGrp="1"/>
-          </p:cNvSpPr>
-          <p:nvPr>
-            <p:ph type="ftr" sz="quarter" idx="11"/>
-          </p:nvPr>
-        </p:nvSpPr>
-        <p:spPr/>
-        <p:txBody>
-          <a:bodyPr/>
-          <a:lstStyle/>
-          <a:p>
+              <a:t>Aquatic Space - Back End</a:t>
+            </a:r>
             <a:endParaRPr lang="de-DE"/>
           </a:p>
         </p:txBody>
@@ -1976,29 +2541,33 @@
           <a:bodyPr/>
           <a:lstStyle/>
           <a:p>
-            <a:fld id="{76C945B1-94F4-8348-99BC-F37FB2A234F5}" type="datetimeFigureOut">
+            <a:fld id="{A54D34DD-1964-B44A-86EF-0290DFB02D2A}" type="datetime1">
+              <a:rPr lang="en-US" smtClean="0"/>
+              <a:t>22/10/13</a:t>
+            </a:fld>
+            <a:endParaRPr lang="de-DE"/>
+          </a:p>
+        </p:txBody>
+      </p:sp>
+      <p:sp>
+        <p:nvSpPr>
+          <p:cNvPr id="3" name="Fußzeilenplatzhalter 2"/>
+          <p:cNvSpPr>
+            <a:spLocks noGrp="1"/>
+          </p:cNvSpPr>
+          <p:nvPr>
+            <p:ph type="ftr" sz="quarter" idx="11"/>
+          </p:nvPr>
+        </p:nvSpPr>
+        <p:spPr/>
+        <p:txBody>
+          <a:bodyPr/>
+          <a:lstStyle/>
+          <a:p>
+            <a:r>
               <a:rPr lang="de-DE" smtClean="0"/>
-              <a:t>20/10/13</a:t>
-            </a:fld>
-            <a:endParaRPr lang="de-DE"/>
-          </a:p>
-        </p:txBody>
-      </p:sp>
-      <p:sp>
-        <p:nvSpPr>
-          <p:cNvPr id="3" name="Fußzeilenplatzhalter 2"/>
-          <p:cNvSpPr>
-            <a:spLocks noGrp="1"/>
-          </p:cNvSpPr>
-          <p:nvPr>
-            <p:ph type="ftr" sz="quarter" idx="11"/>
-          </p:nvPr>
-        </p:nvSpPr>
-        <p:spPr/>
-        <p:txBody>
-          <a:bodyPr/>
-          <a:lstStyle/>
-          <a:p>
+              <a:t>Aquatic Space - Back End</a:t>
+            </a:r>
             <a:endParaRPr lang="de-DE"/>
           </a:p>
         </p:txBody>
@@ -2253,29 +2822,33 @@
           <a:bodyPr/>
           <a:lstStyle/>
           <a:p>
-            <a:fld id="{76C945B1-94F4-8348-99BC-F37FB2A234F5}" type="datetimeFigureOut">
+            <a:fld id="{2D6F8105-FA6B-7741-BEA0-22A7A51280B8}" type="datetime1">
+              <a:rPr lang="en-US" smtClean="0"/>
+              <a:t>22/10/13</a:t>
+            </a:fld>
+            <a:endParaRPr lang="de-DE"/>
+          </a:p>
+        </p:txBody>
+      </p:sp>
+      <p:sp>
+        <p:nvSpPr>
+          <p:cNvPr id="6" name="Fußzeilenplatzhalter 5"/>
+          <p:cNvSpPr>
+            <a:spLocks noGrp="1"/>
+          </p:cNvSpPr>
+          <p:nvPr>
+            <p:ph type="ftr" sz="quarter" idx="11"/>
+          </p:nvPr>
+        </p:nvSpPr>
+        <p:spPr/>
+        <p:txBody>
+          <a:bodyPr/>
+          <a:lstStyle/>
+          <a:p>
+            <a:r>
               <a:rPr lang="de-DE" smtClean="0"/>
-              <a:t>20/10/13</a:t>
-            </a:fld>
-            <a:endParaRPr lang="de-DE"/>
-          </a:p>
-        </p:txBody>
-      </p:sp>
-      <p:sp>
-        <p:nvSpPr>
-          <p:cNvPr id="6" name="Fußzeilenplatzhalter 5"/>
-          <p:cNvSpPr>
-            <a:spLocks noGrp="1"/>
-          </p:cNvSpPr>
-          <p:nvPr>
-            <p:ph type="ftr" sz="quarter" idx="11"/>
-          </p:nvPr>
-        </p:nvSpPr>
-        <p:spPr/>
-        <p:txBody>
-          <a:bodyPr/>
-          <a:lstStyle/>
-          <a:p>
+              <a:t>Aquatic Space - Back End</a:t>
+            </a:r>
             <a:endParaRPr lang="de-DE"/>
           </a:p>
         </p:txBody>
@@ -2506,29 +3079,33 @@
           <a:bodyPr/>
           <a:lstStyle/>
           <a:p>
-            <a:fld id="{76C945B1-94F4-8348-99BC-F37FB2A234F5}" type="datetimeFigureOut">
+            <a:fld id="{A03BE7BD-543F-0448-924F-CE9E00F7CCF1}" type="datetime1">
+              <a:rPr lang="en-US" smtClean="0"/>
+              <a:t>22/10/13</a:t>
+            </a:fld>
+            <a:endParaRPr lang="de-DE"/>
+          </a:p>
+        </p:txBody>
+      </p:sp>
+      <p:sp>
+        <p:nvSpPr>
+          <p:cNvPr id="6" name="Fußzeilenplatzhalter 5"/>
+          <p:cNvSpPr>
+            <a:spLocks noGrp="1"/>
+          </p:cNvSpPr>
+          <p:nvPr>
+            <p:ph type="ftr" sz="quarter" idx="11"/>
+          </p:nvPr>
+        </p:nvSpPr>
+        <p:spPr/>
+        <p:txBody>
+          <a:bodyPr/>
+          <a:lstStyle/>
+          <a:p>
+            <a:r>
               <a:rPr lang="de-DE" smtClean="0"/>
-              <a:t>20/10/13</a:t>
-            </a:fld>
-            <a:endParaRPr lang="de-DE"/>
-          </a:p>
-        </p:txBody>
-      </p:sp>
-      <p:sp>
-        <p:nvSpPr>
-          <p:cNvPr id="6" name="Fußzeilenplatzhalter 5"/>
-          <p:cNvSpPr>
-            <a:spLocks noGrp="1"/>
-          </p:cNvSpPr>
-          <p:nvPr>
-            <p:ph type="ftr" sz="quarter" idx="11"/>
-          </p:nvPr>
-        </p:nvSpPr>
-        <p:spPr/>
-        <p:txBody>
-          <a:bodyPr/>
-          <a:lstStyle/>
-          <a:p>
+              <a:t>Aquatic Space - Back End</a:t>
+            </a:r>
             <a:endParaRPr lang="de-DE"/>
           </a:p>
         </p:txBody>
@@ -2719,9 +3296,9 @@
             </a:lvl1pPr>
           </a:lstStyle>
           <a:p>
-            <a:fld id="{76C945B1-94F4-8348-99BC-F37FB2A234F5}" type="datetimeFigureOut">
-              <a:rPr lang="de-DE" smtClean="0"/>
-              <a:t>20/10/13</a:t>
+            <a:fld id="{88545085-6269-0C4B-BCEC-96F885BD1360}" type="datetime1">
+              <a:rPr lang="en-US" smtClean="0"/>
+              <a:t>22/10/13</a:t>
             </a:fld>
             <a:endParaRPr lang="de-DE"/>
           </a:p>
@@ -2760,6 +3337,10 @@
             </a:lvl1pPr>
           </a:lstStyle>
           <a:p>
+            <a:r>
+              <a:rPr lang="de-DE" smtClean="0"/>
+              <a:t>Aquatic Space - Back End</a:t>
+            </a:r>
             <a:endParaRPr lang="de-DE"/>
           </a:p>
         </p:txBody>
@@ -2826,6 +3407,7 @@
     <p:sldLayoutId id="2147483658" r:id="rId10"/>
     <p:sldLayoutId id="2147483659" r:id="rId11"/>
   </p:sldLayoutIdLst>
+  <p:hf hdr="0" dt="0"/>
   <p:txStyles>
     <p:titleStyle>
       <a:lvl1pPr algn="ctr" defTabSz="457200" rtl="0" eaLnBrk="1" latinLnBrk="0" hangingPunct="1">
@@ -3140,13 +3722,55 @@
           <a:p>
             <a:r>
               <a:rPr lang="de-DE" dirty="0" smtClean="0"/>
-              <a:t>David </a:t>
-            </a:r>
-            <a:r>
-              <a:rPr lang="de-DE" dirty="0" err="1" smtClean="0"/>
-              <a:t>Pertiller</a:t>
+              <a:t>Evaluierung</a:t>
             </a:r>
             <a:endParaRPr lang="de-DE" dirty="0"/>
+          </a:p>
+        </p:txBody>
+      </p:sp>
+      <p:sp>
+        <p:nvSpPr>
+          <p:cNvPr id="4" name="Fußzeilenplatzhalter 3"/>
+          <p:cNvSpPr>
+            <a:spLocks noGrp="1"/>
+          </p:cNvSpPr>
+          <p:nvPr>
+            <p:ph type="ftr" sz="quarter" idx="11"/>
+          </p:nvPr>
+        </p:nvSpPr>
+        <p:spPr/>
+        <p:txBody>
+          <a:bodyPr/>
+          <a:lstStyle/>
+          <a:p>
+            <a:r>
+              <a:rPr lang="de-DE" smtClean="0"/>
+              <a:t>Aquatic Space - Back End</a:t>
+            </a:r>
+            <a:endParaRPr lang="de-DE"/>
+          </a:p>
+        </p:txBody>
+      </p:sp>
+      <p:sp>
+        <p:nvSpPr>
+          <p:cNvPr id="5" name="Foliennummernplatzhalter 4"/>
+          <p:cNvSpPr>
+            <a:spLocks noGrp="1"/>
+          </p:cNvSpPr>
+          <p:nvPr>
+            <p:ph type="sldNum" sz="quarter" idx="12"/>
+          </p:nvPr>
+        </p:nvSpPr>
+        <p:spPr/>
+        <p:txBody>
+          <a:bodyPr/>
+          <a:lstStyle/>
+          <a:p>
+            <a:fld id="{2E18F249-BDE3-A64A-9BF3-08DB2E7D85BD}" type="slidenum">
+              <a:rPr lang="de-DE" smtClean="0"/>
+              <a:t>1</a:t>
+            </a:fld>
+            <a:endParaRPr lang="de-DE"/>
           </a:p>
         </p:txBody>
       </p:sp>
@@ -3154,6 +3778,1039 @@
     <p:extLst>
       <p:ext uri="{BB962C8B-B14F-4D97-AF65-F5344CB8AC3E}">
         <p14:creationId xmlns:p14="http://schemas.microsoft.com/office/powerpoint/2010/main" val="844274862"/>
+      </p:ext>
+    </p:extLst>
+  </p:cSld>
+  <p:clrMapOvr>
+    <a:masterClrMapping/>
+  </p:clrMapOvr>
+</p:sld>
+</file>
+
+<file path=ppt/slides/slide10.xml><?xml version="1.0" encoding="utf-8"?>
+<p:sld xmlns:a="http://schemas.openxmlformats.org/drawingml/2006/main" xmlns:r="http://schemas.openxmlformats.org/officeDocument/2006/relationships" xmlns:p="http://schemas.openxmlformats.org/presentationml/2006/main">
+  <p:cSld>
+    <p:spTree>
+      <p:nvGrpSpPr>
+        <p:cNvPr id="1" name=""/>
+        <p:cNvGrpSpPr/>
+        <p:nvPr/>
+      </p:nvGrpSpPr>
+      <p:grpSpPr>
+        <a:xfrm>
+          <a:off x="0" y="0"/>
+          <a:ext cx="0" cy="0"/>
+          <a:chOff x="0" y="0"/>
+          <a:chExt cx="0" cy="0"/>
+        </a:xfrm>
+      </p:grpSpPr>
+      <p:sp>
+        <p:nvSpPr>
+          <p:cNvPr id="2" name="Titel 1"/>
+          <p:cNvSpPr>
+            <a:spLocks noGrp="1"/>
+          </p:cNvSpPr>
+          <p:nvPr>
+            <p:ph type="title"/>
+          </p:nvPr>
+        </p:nvSpPr>
+        <p:spPr/>
+        <p:txBody>
+          <a:bodyPr/>
+          <a:lstStyle/>
+          <a:p>
+            <a:r>
+              <a:rPr lang="de-DE" dirty="0" smtClean="0"/>
+              <a:t>Cross </a:t>
+            </a:r>
+            <a:r>
+              <a:rPr lang="de-DE" dirty="0" err="1" smtClean="0"/>
+              <a:t>Notifications</a:t>
+            </a:r>
+            <a:r>
+              <a:rPr lang="de-DE" dirty="0" smtClean="0"/>
+              <a:t> in </a:t>
+            </a:r>
+            <a:r>
+              <a:rPr lang="de-DE" dirty="0" err="1" smtClean="0"/>
+              <a:t>Unity</a:t>
+            </a:r>
+            <a:endParaRPr lang="de-DE" dirty="0"/>
+          </a:p>
+        </p:txBody>
+      </p:sp>
+      <p:sp>
+        <p:nvSpPr>
+          <p:cNvPr id="3" name="Inhaltsplatzhalter 2"/>
+          <p:cNvSpPr>
+            <a:spLocks noGrp="1"/>
+          </p:cNvSpPr>
+          <p:nvPr>
+            <p:ph idx="1"/>
+          </p:nvPr>
+        </p:nvSpPr>
+        <p:spPr/>
+        <p:txBody>
+          <a:bodyPr>
+            <a:normAutofit/>
+          </a:bodyPr>
+          <a:lstStyle/>
+          <a:p>
+            <a:r>
+              <a:rPr lang="de-DE" dirty="0" err="1" smtClean="0"/>
+              <a:t>PhoneGap</a:t>
+            </a:r>
+            <a:endParaRPr lang="de-DE" dirty="0" smtClean="0"/>
+          </a:p>
+          <a:p>
+            <a:pPr lvl="1"/>
+            <a:r>
+              <a:rPr lang="de-DE" dirty="0" smtClean="0"/>
+              <a:t>Pro:</a:t>
+            </a:r>
+          </a:p>
+          <a:p>
+            <a:pPr lvl="2"/>
+            <a:r>
+              <a:rPr lang="de-DE" dirty="0" smtClean="0"/>
+              <a:t>Hilfreich für Cross-</a:t>
+            </a:r>
+            <a:r>
+              <a:rPr lang="de-DE" dirty="0" err="1" smtClean="0"/>
+              <a:t>Platform</a:t>
+            </a:r>
+            <a:r>
+              <a:rPr lang="de-DE" dirty="0" smtClean="0"/>
+              <a:t> </a:t>
+            </a:r>
+            <a:r>
+              <a:rPr lang="de-DE" dirty="0" err="1" smtClean="0"/>
+              <a:t>Parents</a:t>
+            </a:r>
+            <a:r>
+              <a:rPr lang="de-DE" dirty="0" smtClean="0"/>
+              <a:t>-App</a:t>
+            </a:r>
+          </a:p>
+          <a:p>
+            <a:pPr lvl="1"/>
+            <a:r>
+              <a:rPr lang="de-DE" dirty="0" smtClean="0"/>
+              <a:t>Con:</a:t>
+            </a:r>
+          </a:p>
+          <a:p>
+            <a:pPr lvl="2"/>
+            <a:r>
+              <a:rPr lang="de-DE" dirty="0" smtClean="0"/>
+              <a:t>Push </a:t>
+            </a:r>
+            <a:r>
+              <a:rPr lang="de-DE" dirty="0" err="1" smtClean="0"/>
+              <a:t>Notifications</a:t>
+            </a:r>
+            <a:r>
+              <a:rPr lang="de-DE" dirty="0" smtClean="0"/>
+              <a:t> nur durch </a:t>
+            </a:r>
+            <a:r>
+              <a:rPr lang="de-DE" dirty="0" err="1" smtClean="0"/>
+              <a:t>Plugins</a:t>
+            </a:r>
+            <a:r>
+              <a:rPr lang="de-DE" dirty="0" smtClean="0"/>
+              <a:t> </a:t>
+            </a:r>
+            <a:r>
+              <a:rPr lang="de-DE" dirty="0" err="1" smtClean="0"/>
+              <a:t>einbindbar</a:t>
+            </a:r>
+            <a:endParaRPr lang="de-DE" dirty="0" smtClean="0"/>
+          </a:p>
+          <a:p>
+            <a:pPr lvl="2"/>
+            <a:r>
+              <a:rPr lang="de-DE" dirty="0" smtClean="0"/>
+              <a:t>Schönere Alternative: </a:t>
+            </a:r>
+            <a:r>
+              <a:rPr lang="de-DE" dirty="0" err="1" smtClean="0"/>
+              <a:t>Xamarin</a:t>
+            </a:r>
+            <a:r>
+              <a:rPr lang="de-DE" dirty="0" smtClean="0"/>
+              <a:t> + </a:t>
+            </a:r>
+            <a:r>
+              <a:rPr lang="de-DE" dirty="0" smtClean="0"/>
+              <a:t>Parse </a:t>
+            </a:r>
+            <a:r>
+              <a:rPr lang="de-DE" dirty="0" smtClean="0"/>
+              <a:t>SDK</a:t>
+            </a:r>
+          </a:p>
+        </p:txBody>
+      </p:sp>
+      <p:pic>
+        <p:nvPicPr>
+          <p:cNvPr id="5" name="Bild 4"/>
+          <p:cNvPicPr>
+            <a:picLocks noChangeAspect="1"/>
+          </p:cNvPicPr>
+          <p:nvPr/>
+        </p:nvPicPr>
+        <p:blipFill>
+          <a:blip r:embed="rId2"/>
+          <a:stretch>
+            <a:fillRect/>
+          </a:stretch>
+        </p:blipFill>
+        <p:spPr>
+          <a:xfrm>
+            <a:off x="3021453" y="1244135"/>
+            <a:ext cx="1344577" cy="1344577"/>
+          </a:xfrm>
+          <a:prstGeom prst="rect">
+            <a:avLst/>
+          </a:prstGeom>
+        </p:spPr>
+      </p:pic>
+      <p:sp>
+        <p:nvSpPr>
+          <p:cNvPr id="6" name="Fußzeilenplatzhalter 5"/>
+          <p:cNvSpPr>
+            <a:spLocks noGrp="1"/>
+          </p:cNvSpPr>
+          <p:nvPr>
+            <p:ph type="ftr" sz="quarter" idx="11"/>
+          </p:nvPr>
+        </p:nvSpPr>
+        <p:spPr/>
+        <p:txBody>
+          <a:bodyPr/>
+          <a:lstStyle/>
+          <a:p>
+            <a:r>
+              <a:rPr lang="de-DE" smtClean="0"/>
+              <a:t>Aquatic Space - Back End</a:t>
+            </a:r>
+            <a:endParaRPr lang="de-DE"/>
+          </a:p>
+        </p:txBody>
+      </p:sp>
+      <p:sp>
+        <p:nvSpPr>
+          <p:cNvPr id="7" name="Foliennummernplatzhalter 6"/>
+          <p:cNvSpPr>
+            <a:spLocks noGrp="1"/>
+          </p:cNvSpPr>
+          <p:nvPr>
+            <p:ph type="sldNum" sz="quarter" idx="12"/>
+          </p:nvPr>
+        </p:nvSpPr>
+        <p:spPr/>
+        <p:txBody>
+          <a:bodyPr/>
+          <a:lstStyle/>
+          <a:p>
+            <a:fld id="{2E18F249-BDE3-A64A-9BF3-08DB2E7D85BD}" type="slidenum">
+              <a:rPr lang="de-DE" smtClean="0"/>
+              <a:t>10</a:t>
+            </a:fld>
+            <a:endParaRPr lang="de-DE"/>
+          </a:p>
+        </p:txBody>
+      </p:sp>
+    </p:spTree>
+    <p:extLst>
+      <p:ext uri="{BB962C8B-B14F-4D97-AF65-F5344CB8AC3E}">
+        <p14:creationId xmlns:p14="http://schemas.microsoft.com/office/powerpoint/2010/main" val="857423768"/>
+      </p:ext>
+    </p:extLst>
+  </p:cSld>
+  <p:clrMapOvr>
+    <a:masterClrMapping/>
+  </p:clrMapOvr>
+</p:sld>
+</file>
+
+<file path=ppt/slides/slide11.xml><?xml version="1.0" encoding="utf-8"?>
+<p:sld xmlns:a="http://schemas.openxmlformats.org/drawingml/2006/main" xmlns:r="http://schemas.openxmlformats.org/officeDocument/2006/relationships" xmlns:p="http://schemas.openxmlformats.org/presentationml/2006/main">
+  <p:cSld>
+    <p:spTree>
+      <p:nvGrpSpPr>
+        <p:cNvPr id="1" name=""/>
+        <p:cNvGrpSpPr/>
+        <p:nvPr/>
+      </p:nvGrpSpPr>
+      <p:grpSpPr>
+        <a:xfrm>
+          <a:off x="0" y="0"/>
+          <a:ext cx="0" cy="0"/>
+          <a:chOff x="0" y="0"/>
+          <a:chExt cx="0" cy="0"/>
+        </a:xfrm>
+      </p:grpSpPr>
+      <p:sp>
+        <p:nvSpPr>
+          <p:cNvPr id="2" name="Titel 1"/>
+          <p:cNvSpPr>
+            <a:spLocks noGrp="1"/>
+          </p:cNvSpPr>
+          <p:nvPr>
+            <p:ph type="title"/>
+          </p:nvPr>
+        </p:nvSpPr>
+        <p:spPr/>
+        <p:txBody>
+          <a:bodyPr/>
+          <a:lstStyle/>
+          <a:p>
+            <a:r>
+              <a:rPr lang="de-DE" dirty="0" smtClean="0"/>
+              <a:t>Cross </a:t>
+            </a:r>
+            <a:r>
+              <a:rPr lang="de-DE" dirty="0" err="1" smtClean="0"/>
+              <a:t>Notifications</a:t>
+            </a:r>
+            <a:r>
+              <a:rPr lang="de-DE" dirty="0" smtClean="0"/>
+              <a:t> in </a:t>
+            </a:r>
+            <a:r>
+              <a:rPr lang="de-DE" dirty="0" err="1" smtClean="0"/>
+              <a:t>Unity</a:t>
+            </a:r>
+            <a:endParaRPr lang="de-DE" dirty="0"/>
+          </a:p>
+        </p:txBody>
+      </p:sp>
+      <p:sp>
+        <p:nvSpPr>
+          <p:cNvPr id="3" name="Inhaltsplatzhalter 2"/>
+          <p:cNvSpPr>
+            <a:spLocks noGrp="1"/>
+          </p:cNvSpPr>
+          <p:nvPr>
+            <p:ph idx="1"/>
+          </p:nvPr>
+        </p:nvSpPr>
+        <p:spPr/>
+        <p:txBody>
+          <a:bodyPr>
+            <a:normAutofit/>
+          </a:bodyPr>
+          <a:lstStyle/>
+          <a:p>
+            <a:r>
+              <a:rPr lang="de-DE" dirty="0" err="1" smtClean="0"/>
+              <a:t>Xamarin</a:t>
+            </a:r>
+            <a:endParaRPr lang="de-DE" dirty="0" smtClean="0"/>
+          </a:p>
+          <a:p>
+            <a:pPr lvl="1"/>
+            <a:r>
+              <a:rPr lang="de-DE" dirty="0" smtClean="0"/>
+              <a:t>Pro:</a:t>
+            </a:r>
+          </a:p>
+          <a:p>
+            <a:pPr lvl="2"/>
+            <a:r>
+              <a:rPr lang="de-DE" dirty="0" smtClean="0"/>
+              <a:t>Hilfreich für Cross-</a:t>
+            </a:r>
+            <a:r>
+              <a:rPr lang="de-DE" dirty="0" err="1" smtClean="0"/>
+              <a:t>Platform</a:t>
+            </a:r>
+            <a:r>
+              <a:rPr lang="de-DE" dirty="0" smtClean="0"/>
+              <a:t> </a:t>
+            </a:r>
+            <a:r>
+              <a:rPr lang="de-DE" dirty="0" err="1" smtClean="0"/>
+              <a:t>Parents</a:t>
+            </a:r>
+            <a:r>
+              <a:rPr lang="de-DE" dirty="0" smtClean="0"/>
+              <a:t>-App</a:t>
+            </a:r>
+          </a:p>
+          <a:p>
+            <a:pPr lvl="2"/>
+            <a:r>
+              <a:rPr lang="de-DE" dirty="0" smtClean="0"/>
+              <a:t>Parse </a:t>
+            </a:r>
+            <a:r>
+              <a:rPr lang="de-DE" dirty="0" smtClean="0"/>
+              <a:t>SDK für Push </a:t>
+            </a:r>
+            <a:r>
+              <a:rPr lang="de-DE" dirty="0" err="1" smtClean="0"/>
+              <a:t>Notifications</a:t>
+            </a:r>
+            <a:endParaRPr lang="de-DE" dirty="0" smtClean="0"/>
+          </a:p>
+          <a:p>
+            <a:pPr lvl="2"/>
+            <a:r>
+              <a:rPr lang="de-DE" dirty="0" smtClean="0"/>
+              <a:t>Kostenlose Version verwendbar</a:t>
+            </a:r>
+          </a:p>
+          <a:p>
+            <a:pPr lvl="1"/>
+            <a:r>
+              <a:rPr lang="de-DE" dirty="0" smtClean="0"/>
+              <a:t>Con:</a:t>
+            </a:r>
+          </a:p>
+          <a:p>
+            <a:pPr lvl="2"/>
+            <a:r>
+              <a:rPr lang="de-DE" dirty="0" smtClean="0"/>
+              <a:t>Cross-</a:t>
+            </a:r>
+            <a:r>
+              <a:rPr lang="de-DE" dirty="0" err="1" smtClean="0"/>
+              <a:t>Platform</a:t>
+            </a:r>
+            <a:r>
+              <a:rPr lang="de-DE" dirty="0" smtClean="0"/>
+              <a:t> Projekt schwierig aufzusetzen</a:t>
+            </a:r>
+          </a:p>
+          <a:p>
+            <a:pPr lvl="2"/>
+            <a:endParaRPr lang="de-DE" dirty="0" smtClean="0"/>
+          </a:p>
+        </p:txBody>
+      </p:sp>
+      <p:sp>
+        <p:nvSpPr>
+          <p:cNvPr id="6" name="Fußzeilenplatzhalter 5"/>
+          <p:cNvSpPr>
+            <a:spLocks noGrp="1"/>
+          </p:cNvSpPr>
+          <p:nvPr>
+            <p:ph type="ftr" sz="quarter" idx="11"/>
+          </p:nvPr>
+        </p:nvSpPr>
+        <p:spPr/>
+        <p:txBody>
+          <a:bodyPr/>
+          <a:lstStyle/>
+          <a:p>
+            <a:r>
+              <a:rPr lang="de-DE" smtClean="0"/>
+              <a:t>Aquatic Space - Back End</a:t>
+            </a:r>
+            <a:endParaRPr lang="de-DE"/>
+          </a:p>
+        </p:txBody>
+      </p:sp>
+      <p:sp>
+        <p:nvSpPr>
+          <p:cNvPr id="7" name="Foliennummernplatzhalter 6"/>
+          <p:cNvSpPr>
+            <a:spLocks noGrp="1"/>
+          </p:cNvSpPr>
+          <p:nvPr>
+            <p:ph type="sldNum" sz="quarter" idx="12"/>
+          </p:nvPr>
+        </p:nvSpPr>
+        <p:spPr/>
+        <p:txBody>
+          <a:bodyPr/>
+          <a:lstStyle/>
+          <a:p>
+            <a:fld id="{2E18F249-BDE3-A64A-9BF3-08DB2E7D85BD}" type="slidenum">
+              <a:rPr lang="de-DE" smtClean="0"/>
+              <a:t>11</a:t>
+            </a:fld>
+            <a:endParaRPr lang="de-DE"/>
+          </a:p>
+        </p:txBody>
+      </p:sp>
+      <p:pic>
+        <p:nvPicPr>
+          <p:cNvPr id="4" name="Bild 3"/>
+          <p:cNvPicPr>
+            <a:picLocks noChangeAspect="1"/>
+          </p:cNvPicPr>
+          <p:nvPr/>
+        </p:nvPicPr>
+        <p:blipFill>
+          <a:blip r:embed="rId2"/>
+          <a:stretch>
+            <a:fillRect/>
+          </a:stretch>
+        </p:blipFill>
+        <p:spPr>
+          <a:xfrm>
+            <a:off x="2704207" y="1417638"/>
+            <a:ext cx="1053098" cy="1053098"/>
+          </a:xfrm>
+          <a:prstGeom prst="rect">
+            <a:avLst/>
+          </a:prstGeom>
+        </p:spPr>
+      </p:pic>
+      <p:sp>
+        <p:nvSpPr>
+          <p:cNvPr id="8" name="Textfeld 7"/>
+          <p:cNvSpPr txBox="1"/>
+          <p:nvPr/>
+        </p:nvSpPr>
+        <p:spPr>
+          <a:xfrm>
+            <a:off x="457200" y="5164126"/>
+            <a:ext cx="8085946" cy="646331"/>
+          </a:xfrm>
+          <a:prstGeom prst="rect">
+            <a:avLst/>
+          </a:prstGeom>
+          <a:noFill/>
+        </p:spPr>
+        <p:txBody>
+          <a:bodyPr wrap="square" rtlCol="0">
+            <a:spAutoFit/>
+          </a:bodyPr>
+          <a:lstStyle/>
+          <a:p>
+            <a:r>
+              <a:rPr lang="de-DE" sz="3600" b="1" dirty="0" smtClean="0">
+                <a:ln w="12700">
+                  <a:solidFill>
+                    <a:schemeClr val="tx2">
+                      <a:satMod val="155000"/>
+                    </a:schemeClr>
+                  </a:solidFill>
+                  <a:prstDash val="solid"/>
+                </a:ln>
+                <a:solidFill>
+                  <a:schemeClr val="bg2">
+                    <a:tint val="85000"/>
+                    <a:satMod val="155000"/>
+                  </a:schemeClr>
+                </a:solidFill>
+                <a:effectLst>
+                  <a:outerShdw blurRad="41275" dist="20320" dir="1800000" algn="tl" rotWithShape="0">
+                    <a:srgbClr val="000000">
+                      <a:alpha val="40000"/>
+                    </a:srgbClr>
+                  </a:outerShdw>
+                </a:effectLst>
+              </a:rPr>
+              <a:t>1. Wahl für Entwicklung der </a:t>
+            </a:r>
+            <a:r>
+              <a:rPr lang="de-DE" sz="3600" b="1" dirty="0" err="1" smtClean="0">
+                <a:ln w="12700">
+                  <a:solidFill>
+                    <a:schemeClr val="tx2">
+                      <a:satMod val="155000"/>
+                    </a:schemeClr>
+                  </a:solidFill>
+                  <a:prstDash val="solid"/>
+                </a:ln>
+                <a:solidFill>
+                  <a:schemeClr val="bg2">
+                    <a:tint val="85000"/>
+                    <a:satMod val="155000"/>
+                  </a:schemeClr>
+                </a:solidFill>
+                <a:effectLst>
+                  <a:outerShdw blurRad="41275" dist="20320" dir="1800000" algn="tl" rotWithShape="0">
+                    <a:srgbClr val="000000">
+                      <a:alpha val="40000"/>
+                    </a:srgbClr>
+                  </a:outerShdw>
+                </a:effectLst>
+              </a:rPr>
+              <a:t>Parents</a:t>
+            </a:r>
+            <a:r>
+              <a:rPr lang="de-DE" sz="3600" b="1" dirty="0" smtClean="0">
+                <a:ln w="12700">
+                  <a:solidFill>
+                    <a:schemeClr val="tx2">
+                      <a:satMod val="155000"/>
+                    </a:schemeClr>
+                  </a:solidFill>
+                  <a:prstDash val="solid"/>
+                </a:ln>
+                <a:solidFill>
+                  <a:schemeClr val="bg2">
+                    <a:tint val="85000"/>
+                    <a:satMod val="155000"/>
+                  </a:schemeClr>
+                </a:solidFill>
+                <a:effectLst>
+                  <a:outerShdw blurRad="41275" dist="20320" dir="1800000" algn="tl" rotWithShape="0">
+                    <a:srgbClr val="000000">
+                      <a:alpha val="40000"/>
+                    </a:srgbClr>
+                  </a:outerShdw>
+                </a:effectLst>
+              </a:rPr>
+              <a:t>-App</a:t>
+            </a:r>
+            <a:endParaRPr lang="de-DE" sz="3600" b="1" dirty="0">
+              <a:ln w="12700">
+                <a:solidFill>
+                  <a:schemeClr val="tx2">
+                    <a:satMod val="155000"/>
+                  </a:schemeClr>
+                </a:solidFill>
+                <a:prstDash val="solid"/>
+              </a:ln>
+              <a:solidFill>
+                <a:schemeClr val="bg2">
+                  <a:tint val="85000"/>
+                  <a:satMod val="155000"/>
+                </a:schemeClr>
+              </a:solidFill>
+              <a:effectLst>
+                <a:outerShdw blurRad="41275" dist="20320" dir="1800000" algn="tl" rotWithShape="0">
+                  <a:srgbClr val="000000">
+                    <a:alpha val="40000"/>
+                  </a:srgbClr>
+                </a:outerShdw>
+              </a:effectLst>
+            </a:endParaRPr>
+          </a:p>
+        </p:txBody>
+      </p:sp>
+    </p:spTree>
+    <p:extLst>
+      <p:ext uri="{BB962C8B-B14F-4D97-AF65-F5344CB8AC3E}">
+        <p14:creationId xmlns:p14="http://schemas.microsoft.com/office/powerpoint/2010/main" val="3256619057"/>
+      </p:ext>
+    </p:extLst>
+  </p:cSld>
+  <p:clrMapOvr>
+    <a:masterClrMapping/>
+  </p:clrMapOvr>
+</p:sld>
+</file>
+
+<file path=ppt/slides/slide12.xml><?xml version="1.0" encoding="utf-8"?>
+<p:sld xmlns:a="http://schemas.openxmlformats.org/drawingml/2006/main" xmlns:r="http://schemas.openxmlformats.org/officeDocument/2006/relationships" xmlns:p="http://schemas.openxmlformats.org/presentationml/2006/main">
+  <p:cSld>
+    <p:spTree>
+      <p:nvGrpSpPr>
+        <p:cNvPr id="1" name=""/>
+        <p:cNvGrpSpPr/>
+        <p:nvPr/>
+      </p:nvGrpSpPr>
+      <p:grpSpPr>
+        <a:xfrm>
+          <a:off x="0" y="0"/>
+          <a:ext cx="0" cy="0"/>
+          <a:chOff x="0" y="0"/>
+          <a:chExt cx="0" cy="0"/>
+        </a:xfrm>
+      </p:grpSpPr>
+      <p:sp>
+        <p:nvSpPr>
+          <p:cNvPr id="2" name="Titel 1"/>
+          <p:cNvSpPr>
+            <a:spLocks noGrp="1"/>
+          </p:cNvSpPr>
+          <p:nvPr>
+            <p:ph type="title"/>
+          </p:nvPr>
+        </p:nvSpPr>
+        <p:spPr/>
+        <p:txBody>
+          <a:bodyPr/>
+          <a:lstStyle/>
+          <a:p>
+            <a:r>
+              <a:rPr lang="de-DE" dirty="0" smtClean="0"/>
+              <a:t>Cross </a:t>
+            </a:r>
+            <a:r>
+              <a:rPr lang="de-DE" dirty="0" err="1" smtClean="0"/>
+              <a:t>Notifications</a:t>
+            </a:r>
+            <a:r>
+              <a:rPr lang="de-DE" dirty="0" smtClean="0"/>
+              <a:t> in </a:t>
+            </a:r>
+            <a:r>
+              <a:rPr lang="de-DE" dirty="0" err="1" smtClean="0"/>
+              <a:t>Unity</a:t>
+            </a:r>
+            <a:endParaRPr lang="de-DE" dirty="0"/>
+          </a:p>
+        </p:txBody>
+      </p:sp>
+      <p:sp>
+        <p:nvSpPr>
+          <p:cNvPr id="3" name="Inhaltsplatzhalter 2"/>
+          <p:cNvSpPr>
+            <a:spLocks noGrp="1"/>
+          </p:cNvSpPr>
+          <p:nvPr>
+            <p:ph idx="1"/>
+          </p:nvPr>
+        </p:nvSpPr>
+        <p:spPr/>
+        <p:txBody>
+          <a:bodyPr>
+            <a:normAutofit/>
+          </a:bodyPr>
+          <a:lstStyle/>
+          <a:p>
+            <a:r>
+              <a:rPr lang="de-DE" dirty="0" smtClean="0"/>
+              <a:t>Hydra</a:t>
+            </a:r>
+            <a:endParaRPr lang="de-DE" dirty="0" smtClean="0"/>
+          </a:p>
+          <a:p>
+            <a:pPr lvl="1"/>
+            <a:r>
+              <a:rPr lang="de-DE" dirty="0" smtClean="0"/>
+              <a:t>Pro:</a:t>
+            </a:r>
+          </a:p>
+          <a:p>
+            <a:pPr lvl="2"/>
+            <a:r>
+              <a:rPr lang="de-DE" dirty="0" err="1" smtClean="0"/>
+              <a:t>Unity</a:t>
+            </a:r>
+            <a:r>
+              <a:rPr lang="de-DE" dirty="0" smtClean="0"/>
+              <a:t> SDK für </a:t>
+            </a:r>
+            <a:r>
+              <a:rPr lang="de-DE" dirty="0" err="1" smtClean="0"/>
+              <a:t>iOS</a:t>
+            </a:r>
+            <a:r>
+              <a:rPr lang="de-DE" dirty="0" smtClean="0"/>
+              <a:t> &amp; </a:t>
+            </a:r>
+            <a:r>
+              <a:rPr lang="de-DE" dirty="0" err="1" smtClean="0"/>
+              <a:t>Android</a:t>
+            </a:r>
+            <a:endParaRPr lang="de-DE" dirty="0" smtClean="0"/>
+          </a:p>
+          <a:p>
+            <a:pPr lvl="2"/>
+            <a:r>
+              <a:rPr lang="de-DE" dirty="0" smtClean="0"/>
+              <a:t>Push-</a:t>
+            </a:r>
+            <a:r>
+              <a:rPr lang="de-DE" dirty="0" err="1" smtClean="0"/>
+              <a:t>Notifications</a:t>
+            </a:r>
+            <a:r>
+              <a:rPr lang="de-DE" dirty="0" smtClean="0"/>
+              <a:t>, Broadcasts,</a:t>
+            </a:r>
+          </a:p>
+          <a:p>
+            <a:pPr lvl="2"/>
+            <a:r>
+              <a:rPr lang="de-DE" dirty="0" smtClean="0"/>
+              <a:t>Match-Making</a:t>
+            </a:r>
+          </a:p>
+          <a:p>
+            <a:pPr lvl="2"/>
+            <a:r>
+              <a:rPr lang="de-DE" dirty="0" err="1" smtClean="0"/>
+              <a:t>Stats</a:t>
+            </a:r>
+            <a:r>
+              <a:rPr lang="de-DE" dirty="0" smtClean="0"/>
+              <a:t>, </a:t>
+            </a:r>
+            <a:r>
+              <a:rPr lang="de-DE" dirty="0" err="1" smtClean="0"/>
+              <a:t>Leaderboard</a:t>
+            </a:r>
+            <a:r>
+              <a:rPr lang="de-DE" dirty="0" smtClean="0"/>
+              <a:t>, </a:t>
+            </a:r>
+            <a:r>
+              <a:rPr lang="de-DE" dirty="0" err="1" smtClean="0"/>
+              <a:t>Achievements</a:t>
+            </a:r>
+            <a:endParaRPr lang="de-DE" dirty="0" smtClean="0"/>
+          </a:p>
+          <a:p>
+            <a:pPr lvl="1"/>
+            <a:r>
+              <a:rPr lang="de-DE" dirty="0" smtClean="0"/>
+              <a:t>Con</a:t>
+            </a:r>
+            <a:r>
+              <a:rPr lang="de-DE" dirty="0" smtClean="0"/>
+              <a:t>:</a:t>
+            </a:r>
+          </a:p>
+          <a:p>
+            <a:pPr lvl="2"/>
+            <a:r>
+              <a:rPr lang="de-DE" dirty="0" smtClean="0"/>
+              <a:t>Push-</a:t>
+            </a:r>
+            <a:r>
+              <a:rPr lang="de-DE" dirty="0" err="1" smtClean="0"/>
+              <a:t>Notifications</a:t>
+            </a:r>
+            <a:r>
+              <a:rPr lang="de-DE" dirty="0" smtClean="0"/>
+              <a:t> in API noch nicht gefunden</a:t>
+            </a:r>
+            <a:endParaRPr lang="de-DE" dirty="0" smtClean="0"/>
+          </a:p>
+          <a:p>
+            <a:pPr lvl="2"/>
+            <a:endParaRPr lang="de-DE" dirty="0" smtClean="0"/>
+          </a:p>
+        </p:txBody>
+      </p:sp>
+      <p:sp>
+        <p:nvSpPr>
+          <p:cNvPr id="6" name="Fußzeilenplatzhalter 5"/>
+          <p:cNvSpPr>
+            <a:spLocks noGrp="1"/>
+          </p:cNvSpPr>
+          <p:nvPr>
+            <p:ph type="ftr" sz="quarter" idx="11"/>
+          </p:nvPr>
+        </p:nvSpPr>
+        <p:spPr/>
+        <p:txBody>
+          <a:bodyPr/>
+          <a:lstStyle/>
+          <a:p>
+            <a:r>
+              <a:rPr lang="de-DE" smtClean="0"/>
+              <a:t>Aquatic Space - Back End</a:t>
+            </a:r>
+            <a:endParaRPr lang="de-DE"/>
+          </a:p>
+        </p:txBody>
+      </p:sp>
+      <p:sp>
+        <p:nvSpPr>
+          <p:cNvPr id="7" name="Foliennummernplatzhalter 6"/>
+          <p:cNvSpPr>
+            <a:spLocks noGrp="1"/>
+          </p:cNvSpPr>
+          <p:nvPr>
+            <p:ph type="sldNum" sz="quarter" idx="12"/>
+          </p:nvPr>
+        </p:nvSpPr>
+        <p:spPr/>
+        <p:txBody>
+          <a:bodyPr/>
+          <a:lstStyle/>
+          <a:p>
+            <a:fld id="{2E18F249-BDE3-A64A-9BF3-08DB2E7D85BD}" type="slidenum">
+              <a:rPr lang="de-DE" smtClean="0"/>
+              <a:t>12</a:t>
+            </a:fld>
+            <a:endParaRPr lang="de-DE"/>
+          </a:p>
+        </p:txBody>
+      </p:sp>
+      <p:sp>
+        <p:nvSpPr>
+          <p:cNvPr id="8" name="Textfeld 7"/>
+          <p:cNvSpPr txBox="1"/>
+          <p:nvPr/>
+        </p:nvSpPr>
+        <p:spPr>
+          <a:xfrm>
+            <a:off x="457200" y="5510494"/>
+            <a:ext cx="8085946" cy="954107"/>
+          </a:xfrm>
+          <a:prstGeom prst="rect">
+            <a:avLst/>
+          </a:prstGeom>
+          <a:noFill/>
+        </p:spPr>
+        <p:txBody>
+          <a:bodyPr wrap="square" rtlCol="0">
+            <a:spAutoFit/>
+          </a:bodyPr>
+          <a:lstStyle/>
+          <a:p>
+            <a:r>
+              <a:rPr lang="de-DE" sz="2800" b="1" dirty="0" smtClean="0">
+                <a:ln w="12700">
+                  <a:solidFill>
+                    <a:schemeClr val="tx2">
+                      <a:satMod val="155000"/>
+                    </a:schemeClr>
+                  </a:solidFill>
+                  <a:prstDash val="solid"/>
+                </a:ln>
+                <a:solidFill>
+                  <a:schemeClr val="bg2">
+                    <a:tint val="85000"/>
+                    <a:satMod val="155000"/>
+                  </a:schemeClr>
+                </a:solidFill>
+                <a:effectLst>
+                  <a:outerShdw blurRad="41275" dist="20320" dir="1800000" algn="tl" rotWithShape="0">
+                    <a:srgbClr val="000000">
+                      <a:alpha val="40000"/>
+                    </a:srgbClr>
+                  </a:outerShdw>
+                </a:effectLst>
+              </a:rPr>
+              <a:t>1. Wahl für </a:t>
+            </a:r>
+            <a:r>
+              <a:rPr lang="de-DE" sz="2800" b="1" dirty="0" smtClean="0">
+                <a:ln w="12700">
+                  <a:solidFill>
+                    <a:schemeClr val="tx2">
+                      <a:satMod val="155000"/>
+                    </a:schemeClr>
+                  </a:solidFill>
+                  <a:prstDash val="solid"/>
+                </a:ln>
+                <a:solidFill>
+                  <a:schemeClr val="bg2">
+                    <a:tint val="85000"/>
+                    <a:satMod val="155000"/>
+                  </a:schemeClr>
+                </a:solidFill>
+                <a:effectLst>
+                  <a:outerShdw blurRad="41275" dist="20320" dir="1800000" algn="tl" rotWithShape="0">
+                    <a:srgbClr val="000000">
+                      <a:alpha val="40000"/>
+                    </a:srgbClr>
+                  </a:outerShdw>
+                </a:effectLst>
+              </a:rPr>
+              <a:t>Client-Back-End Handling im Spiel, mit </a:t>
+            </a:r>
+            <a:r>
+              <a:rPr lang="de-DE" sz="2800" b="1" dirty="0" err="1" smtClean="0">
+                <a:ln w="12700">
+                  <a:solidFill>
+                    <a:schemeClr val="tx2">
+                      <a:satMod val="155000"/>
+                    </a:schemeClr>
+                  </a:solidFill>
+                  <a:prstDash val="solid"/>
+                </a:ln>
+                <a:solidFill>
+                  <a:schemeClr val="bg2">
+                    <a:tint val="85000"/>
+                    <a:satMod val="155000"/>
+                  </a:schemeClr>
+                </a:solidFill>
+                <a:effectLst>
+                  <a:outerShdw blurRad="41275" dist="20320" dir="1800000" algn="tl" rotWithShape="0">
+                    <a:srgbClr val="000000">
+                      <a:alpha val="40000"/>
+                    </a:srgbClr>
+                  </a:outerShdw>
+                </a:effectLst>
+              </a:rPr>
+              <a:t>Notifications</a:t>
+            </a:r>
+            <a:r>
+              <a:rPr lang="de-DE" sz="2800" b="1" dirty="0" smtClean="0">
+                <a:ln w="12700">
+                  <a:solidFill>
+                    <a:schemeClr val="tx2">
+                      <a:satMod val="155000"/>
+                    </a:schemeClr>
+                  </a:solidFill>
+                  <a:prstDash val="solid"/>
+                </a:ln>
+                <a:solidFill>
+                  <a:schemeClr val="bg2">
+                    <a:tint val="85000"/>
+                    <a:satMod val="155000"/>
+                  </a:schemeClr>
+                </a:solidFill>
+                <a:effectLst>
+                  <a:outerShdw blurRad="41275" dist="20320" dir="1800000" algn="tl" rotWithShape="0">
+                    <a:srgbClr val="000000">
+                      <a:alpha val="40000"/>
+                    </a:srgbClr>
+                  </a:outerShdw>
+                </a:effectLst>
+              </a:rPr>
+              <a:t> und Match-Making</a:t>
+            </a:r>
+            <a:endParaRPr lang="de-DE" sz="2800" b="1" dirty="0">
+              <a:ln w="12700">
+                <a:solidFill>
+                  <a:schemeClr val="tx2">
+                    <a:satMod val="155000"/>
+                  </a:schemeClr>
+                </a:solidFill>
+                <a:prstDash val="solid"/>
+              </a:ln>
+              <a:solidFill>
+                <a:schemeClr val="bg2">
+                  <a:tint val="85000"/>
+                  <a:satMod val="155000"/>
+                </a:schemeClr>
+              </a:solidFill>
+              <a:effectLst>
+                <a:outerShdw blurRad="41275" dist="20320" dir="1800000" algn="tl" rotWithShape="0">
+                  <a:srgbClr val="000000">
+                    <a:alpha val="40000"/>
+                  </a:srgbClr>
+                </a:outerShdw>
+              </a:effectLst>
+            </a:endParaRPr>
+          </a:p>
+        </p:txBody>
+      </p:sp>
+      <p:pic>
+        <p:nvPicPr>
+          <p:cNvPr id="5" name="Bild 4"/>
+          <p:cNvPicPr>
+            <a:picLocks noChangeAspect="1"/>
+          </p:cNvPicPr>
+          <p:nvPr/>
+        </p:nvPicPr>
+        <p:blipFill>
+          <a:blip r:embed="rId2"/>
+          <a:stretch>
+            <a:fillRect/>
+          </a:stretch>
+        </p:blipFill>
+        <p:spPr>
+          <a:xfrm>
+            <a:off x="2388912" y="1187769"/>
+            <a:ext cx="1977119" cy="1482839"/>
+          </a:xfrm>
+          <a:prstGeom prst="rect">
+            <a:avLst/>
+          </a:prstGeom>
+        </p:spPr>
+      </p:pic>
+    </p:spTree>
+    <p:extLst>
+      <p:ext uri="{BB962C8B-B14F-4D97-AF65-F5344CB8AC3E}">
+        <p14:creationId xmlns:p14="http://schemas.microsoft.com/office/powerpoint/2010/main" val="2291180128"/>
       </p:ext>
     </p:extLst>
   </p:cSld>
@@ -3213,21 +4870,54 @@
             <p:ph idx="1"/>
           </p:nvPr>
         </p:nvSpPr>
-        <p:spPr/>
-        <p:txBody>
-          <a:bodyPr/>
-          <a:lstStyle/>
-          <a:p>
-            <a:r>
-              <a:rPr lang="de-DE" dirty="0" smtClean="0"/>
-              <a:t>Informationsübertragung zu Server für:</a:t>
+        <p:spPr>
+          <a:xfrm>
+            <a:off x="457200" y="1600200"/>
+            <a:ext cx="8229600" cy="4896991"/>
+          </a:xfrm>
+        </p:spPr>
+        <p:txBody>
+          <a:bodyPr>
+            <a:normAutofit fontScale="85000" lnSpcReduction="20000"/>
+          </a:bodyPr>
+          <a:lstStyle/>
+          <a:p>
+            <a:r>
+              <a:rPr lang="de-DE" dirty="0" smtClean="0"/>
+              <a:t>3 Kommunikationsteilnehmer:</a:t>
             </a:r>
           </a:p>
           <a:p>
             <a:pPr lvl="1"/>
             <a:r>
               <a:rPr lang="de-DE" dirty="0" smtClean="0"/>
-              <a:t>Auswertungen und Statistiken</a:t>
+              <a:t>Eltern</a:t>
+            </a:r>
+          </a:p>
+          <a:p>
+            <a:pPr lvl="1"/>
+            <a:r>
+              <a:rPr lang="de-DE" dirty="0" smtClean="0"/>
+              <a:t>Kind</a:t>
+            </a:r>
+          </a:p>
+          <a:p>
+            <a:pPr lvl="1"/>
+            <a:r>
+              <a:rPr lang="de-DE" dirty="0" smtClean="0"/>
+              <a:t>Server</a:t>
+            </a:r>
+          </a:p>
+          <a:p>
+            <a:pPr marL="457200" lvl="1" indent="0">
+              <a:buNone/>
+            </a:pPr>
+            <a:endParaRPr lang="de-DE" dirty="0" smtClean="0"/>
+          </a:p>
+          <a:p>
+            <a:r>
+              <a:rPr lang="de-DE" dirty="0" smtClean="0"/>
+              <a:t>Funktionen:</a:t>
             </a:r>
           </a:p>
           <a:p>
@@ -3255,7 +4945,78 @@
               <a:rPr lang="de-DE" dirty="0" smtClean="0"/>
               <a:t>Senden und empfangen von Belohnungen</a:t>
             </a:r>
+          </a:p>
+          <a:p>
+            <a:pPr lvl="1"/>
+            <a:r>
+              <a:rPr lang="de-DE" dirty="0"/>
+              <a:t>Auswertungen und Statistiken</a:t>
+            </a:r>
+          </a:p>
+          <a:p>
+            <a:pPr lvl="1"/>
             <a:endParaRPr lang="de-DE" dirty="0" smtClean="0"/>
+          </a:p>
+          <a:p>
+            <a:r>
+              <a:rPr lang="de-DE" dirty="0" smtClean="0"/>
+              <a:t>2 App-IDs/</a:t>
+            </a:r>
+            <a:r>
+              <a:rPr lang="de-DE" smtClean="0"/>
+              <a:t>Bundle Identifier </a:t>
+            </a:r>
+            <a:r>
+              <a:rPr lang="de-DE" dirty="0" smtClean="0"/>
+              <a:t>wegen Parent + Child App</a:t>
+            </a:r>
+            <a:endParaRPr lang="de-DE" dirty="0" smtClean="0"/>
+          </a:p>
+        </p:txBody>
+      </p:sp>
+      <p:sp>
+        <p:nvSpPr>
+          <p:cNvPr id="4" name="Fußzeilenplatzhalter 3"/>
+          <p:cNvSpPr>
+            <a:spLocks noGrp="1"/>
+          </p:cNvSpPr>
+          <p:nvPr>
+            <p:ph type="ftr" sz="quarter" idx="11"/>
+          </p:nvPr>
+        </p:nvSpPr>
+        <p:spPr/>
+        <p:txBody>
+          <a:bodyPr/>
+          <a:lstStyle/>
+          <a:p>
+            <a:r>
+              <a:rPr lang="de-DE" smtClean="0"/>
+              <a:t>Aquatic Space - Back End</a:t>
+            </a:r>
+            <a:endParaRPr lang="de-DE"/>
+          </a:p>
+        </p:txBody>
+      </p:sp>
+      <p:sp>
+        <p:nvSpPr>
+          <p:cNvPr id="5" name="Foliennummernplatzhalter 4"/>
+          <p:cNvSpPr>
+            <a:spLocks noGrp="1"/>
+          </p:cNvSpPr>
+          <p:nvPr>
+            <p:ph type="sldNum" sz="quarter" idx="12"/>
+          </p:nvPr>
+        </p:nvSpPr>
+        <p:spPr/>
+        <p:txBody>
+          <a:bodyPr/>
+          <a:lstStyle/>
+          <a:p>
+            <a:fld id="{2E18F249-BDE3-A64A-9BF3-08DB2E7D85BD}" type="slidenum">
+              <a:rPr lang="de-DE" smtClean="0"/>
+              <a:t>2</a:t>
+            </a:fld>
+            <a:endParaRPr lang="de-DE"/>
           </a:p>
         </p:txBody>
       </p:sp>
@@ -3263,6 +5024,1967 @@
     <p:extLst>
       <p:ext uri="{BB962C8B-B14F-4D97-AF65-F5344CB8AC3E}">
         <p14:creationId xmlns:p14="http://schemas.microsoft.com/office/powerpoint/2010/main" val="62112634"/>
+      </p:ext>
+    </p:extLst>
+  </p:cSld>
+  <p:clrMapOvr>
+    <a:masterClrMapping/>
+  </p:clrMapOvr>
+</p:sld>
+</file>
+
+<file path=ppt/slides/slide3.xml><?xml version="1.0" encoding="utf-8"?>
+<p:sld xmlns:a="http://schemas.openxmlformats.org/drawingml/2006/main" xmlns:r="http://schemas.openxmlformats.org/officeDocument/2006/relationships" xmlns:p="http://schemas.openxmlformats.org/presentationml/2006/main">
+  <p:cSld>
+    <p:spTree>
+      <p:nvGrpSpPr>
+        <p:cNvPr id="1" name=""/>
+        <p:cNvGrpSpPr/>
+        <p:nvPr/>
+      </p:nvGrpSpPr>
+      <p:grpSpPr>
+        <a:xfrm>
+          <a:off x="0" y="0"/>
+          <a:ext cx="0" cy="0"/>
+          <a:chOff x="0" y="0"/>
+          <a:chExt cx="0" cy="0"/>
+        </a:xfrm>
+      </p:grpSpPr>
+      <p:sp>
+        <p:nvSpPr>
+          <p:cNvPr id="2" name="Titel 1"/>
+          <p:cNvSpPr>
+            <a:spLocks noGrp="1"/>
+          </p:cNvSpPr>
+          <p:nvPr>
+            <p:ph type="title"/>
+          </p:nvPr>
+        </p:nvSpPr>
+        <p:spPr/>
+        <p:txBody>
+          <a:bodyPr/>
+          <a:lstStyle/>
+          <a:p>
+            <a:r>
+              <a:rPr lang="de-DE" dirty="0" smtClean="0"/>
+              <a:t>Cross </a:t>
+            </a:r>
+            <a:r>
+              <a:rPr lang="de-DE" dirty="0" err="1" smtClean="0"/>
+              <a:t>Notifications</a:t>
+            </a:r>
+            <a:r>
+              <a:rPr lang="de-DE" dirty="0" smtClean="0"/>
+              <a:t> in </a:t>
+            </a:r>
+            <a:r>
+              <a:rPr lang="de-DE" dirty="0" err="1" smtClean="0"/>
+              <a:t>Unity</a:t>
+            </a:r>
+            <a:endParaRPr lang="de-DE" dirty="0"/>
+          </a:p>
+        </p:txBody>
+      </p:sp>
+      <p:sp>
+        <p:nvSpPr>
+          <p:cNvPr id="3" name="Inhaltsplatzhalter 2"/>
+          <p:cNvSpPr>
+            <a:spLocks noGrp="1"/>
+          </p:cNvSpPr>
+          <p:nvPr>
+            <p:ph idx="1"/>
+          </p:nvPr>
+        </p:nvSpPr>
+        <p:spPr/>
+        <p:txBody>
+          <a:bodyPr>
+            <a:normAutofit lnSpcReduction="10000"/>
+          </a:bodyPr>
+          <a:lstStyle/>
+          <a:p>
+            <a:r>
+              <a:rPr lang="de-DE" dirty="0" smtClean="0"/>
+              <a:t>Challenge:</a:t>
+            </a:r>
+          </a:p>
+          <a:p>
+            <a:pPr lvl="1"/>
+            <a:r>
+              <a:rPr lang="de-DE" dirty="0" smtClean="0"/>
+              <a:t>Handling von </a:t>
+            </a:r>
+            <a:r>
+              <a:rPr lang="de-DE" dirty="0" err="1" smtClean="0"/>
+              <a:t>iOS</a:t>
+            </a:r>
+            <a:r>
+              <a:rPr lang="de-DE" dirty="0" smtClean="0"/>
+              <a:t> Push </a:t>
+            </a:r>
+            <a:r>
+              <a:rPr lang="de-DE" dirty="0" err="1" smtClean="0"/>
+              <a:t>Notifications</a:t>
+            </a:r>
+            <a:r>
+              <a:rPr lang="de-DE" dirty="0" smtClean="0"/>
+              <a:t> als auch Google </a:t>
+            </a:r>
+            <a:r>
+              <a:rPr lang="de-DE" dirty="0" err="1" smtClean="0"/>
+              <a:t>Cloud</a:t>
+            </a:r>
+            <a:r>
+              <a:rPr lang="de-DE" dirty="0" smtClean="0"/>
+              <a:t> Messaging (und evtl. andere)</a:t>
+            </a:r>
+          </a:p>
+          <a:p>
+            <a:pPr lvl="1"/>
+            <a:r>
+              <a:rPr lang="de-DE" dirty="0" smtClean="0"/>
+              <a:t>Einfache Integration in </a:t>
+            </a:r>
+            <a:r>
+              <a:rPr lang="de-DE" dirty="0" err="1" smtClean="0"/>
+              <a:t>Unity</a:t>
+            </a:r>
+            <a:endParaRPr lang="de-DE" dirty="0" smtClean="0"/>
+          </a:p>
+          <a:p>
+            <a:pPr lvl="1"/>
+            <a:r>
+              <a:rPr lang="de-DE" dirty="0" err="1" smtClean="0"/>
+              <a:t>Targeting</a:t>
+            </a:r>
+            <a:r>
+              <a:rPr lang="de-DE" dirty="0" smtClean="0"/>
+              <a:t> / Channels</a:t>
+            </a:r>
+          </a:p>
+          <a:p>
+            <a:pPr lvl="2"/>
+            <a:r>
+              <a:rPr lang="de-DE" dirty="0" smtClean="0"/>
+              <a:t>Server -&gt; Child</a:t>
+            </a:r>
+          </a:p>
+          <a:p>
+            <a:pPr lvl="2"/>
+            <a:r>
+              <a:rPr lang="de-DE" dirty="0" smtClean="0"/>
+              <a:t>Server -&gt; Parent</a:t>
+            </a:r>
+          </a:p>
+          <a:p>
+            <a:pPr lvl="2"/>
+            <a:r>
+              <a:rPr lang="de-DE" dirty="0" smtClean="0"/>
+              <a:t>Server -&gt; Child &amp; Parent</a:t>
+            </a:r>
+          </a:p>
+          <a:p>
+            <a:pPr lvl="2"/>
+            <a:r>
+              <a:rPr lang="de-DE" dirty="0" smtClean="0"/>
+              <a:t>Parent -&gt; Child</a:t>
+            </a:r>
+          </a:p>
+          <a:p>
+            <a:pPr lvl="2"/>
+            <a:r>
+              <a:rPr lang="de-DE" dirty="0" smtClean="0"/>
+              <a:t>Child    -&gt; Parent</a:t>
+            </a:r>
+            <a:endParaRPr lang="de-DE" dirty="0"/>
+          </a:p>
+        </p:txBody>
+      </p:sp>
+      <p:sp>
+        <p:nvSpPr>
+          <p:cNvPr id="4" name="Fußzeilenplatzhalter 3"/>
+          <p:cNvSpPr>
+            <a:spLocks noGrp="1"/>
+          </p:cNvSpPr>
+          <p:nvPr>
+            <p:ph type="ftr" sz="quarter" idx="11"/>
+          </p:nvPr>
+        </p:nvSpPr>
+        <p:spPr/>
+        <p:txBody>
+          <a:bodyPr/>
+          <a:lstStyle/>
+          <a:p>
+            <a:r>
+              <a:rPr lang="de-DE" smtClean="0"/>
+              <a:t>Aquatic Space - Back End</a:t>
+            </a:r>
+            <a:endParaRPr lang="de-DE"/>
+          </a:p>
+        </p:txBody>
+      </p:sp>
+      <p:sp>
+        <p:nvSpPr>
+          <p:cNvPr id="5" name="Foliennummernplatzhalter 4"/>
+          <p:cNvSpPr>
+            <a:spLocks noGrp="1"/>
+          </p:cNvSpPr>
+          <p:nvPr>
+            <p:ph type="sldNum" sz="quarter" idx="12"/>
+          </p:nvPr>
+        </p:nvSpPr>
+        <p:spPr/>
+        <p:txBody>
+          <a:bodyPr/>
+          <a:lstStyle/>
+          <a:p>
+            <a:fld id="{2E18F249-BDE3-A64A-9BF3-08DB2E7D85BD}" type="slidenum">
+              <a:rPr lang="de-DE" smtClean="0"/>
+              <a:t>3</a:t>
+            </a:fld>
+            <a:endParaRPr lang="de-DE"/>
+          </a:p>
+        </p:txBody>
+      </p:sp>
+    </p:spTree>
+    <p:extLst>
+      <p:ext uri="{BB962C8B-B14F-4D97-AF65-F5344CB8AC3E}">
+        <p14:creationId xmlns:p14="http://schemas.microsoft.com/office/powerpoint/2010/main" val="1364620449"/>
+      </p:ext>
+    </p:extLst>
+  </p:cSld>
+  <p:clrMapOvr>
+    <a:masterClrMapping/>
+  </p:clrMapOvr>
+</p:sld>
+</file>
+
+<file path=ppt/slides/slide4.xml><?xml version="1.0" encoding="utf-8"?>
+<p:sld xmlns:a="http://schemas.openxmlformats.org/drawingml/2006/main" xmlns:r="http://schemas.openxmlformats.org/officeDocument/2006/relationships" xmlns:p="http://schemas.openxmlformats.org/presentationml/2006/main">
+  <p:cSld>
+    <p:spTree>
+      <p:nvGrpSpPr>
+        <p:cNvPr id="1" name=""/>
+        <p:cNvGrpSpPr/>
+        <p:nvPr/>
+      </p:nvGrpSpPr>
+      <p:grpSpPr>
+        <a:xfrm>
+          <a:off x="0" y="0"/>
+          <a:ext cx="0" cy="0"/>
+          <a:chOff x="0" y="0"/>
+          <a:chExt cx="0" cy="0"/>
+        </a:xfrm>
+      </p:grpSpPr>
+      <p:sp>
+        <p:nvSpPr>
+          <p:cNvPr id="2" name="Titel 1"/>
+          <p:cNvSpPr>
+            <a:spLocks noGrp="1"/>
+          </p:cNvSpPr>
+          <p:nvPr>
+            <p:ph type="title"/>
+          </p:nvPr>
+        </p:nvSpPr>
+        <p:spPr/>
+        <p:txBody>
+          <a:bodyPr/>
+          <a:lstStyle/>
+          <a:p>
+            <a:r>
+              <a:rPr lang="de-DE" dirty="0" smtClean="0"/>
+              <a:t>Cross </a:t>
+            </a:r>
+            <a:r>
+              <a:rPr lang="de-DE" dirty="0" err="1" smtClean="0"/>
+              <a:t>Notifications</a:t>
+            </a:r>
+            <a:r>
+              <a:rPr lang="de-DE" dirty="0" smtClean="0"/>
+              <a:t> in </a:t>
+            </a:r>
+            <a:r>
+              <a:rPr lang="de-DE" dirty="0" err="1" smtClean="0"/>
+              <a:t>Unity</a:t>
+            </a:r>
+            <a:endParaRPr lang="de-DE" dirty="0"/>
+          </a:p>
+        </p:txBody>
+      </p:sp>
+      <p:sp>
+        <p:nvSpPr>
+          <p:cNvPr id="3" name="Inhaltsplatzhalter 2"/>
+          <p:cNvSpPr>
+            <a:spLocks noGrp="1"/>
+          </p:cNvSpPr>
+          <p:nvPr>
+            <p:ph idx="1"/>
+          </p:nvPr>
+        </p:nvSpPr>
+        <p:spPr/>
+        <p:txBody>
+          <a:bodyPr>
+            <a:normAutofit lnSpcReduction="10000"/>
+          </a:bodyPr>
+          <a:lstStyle/>
+          <a:p>
+            <a:r>
+              <a:rPr lang="de-DE" dirty="0" smtClean="0"/>
+              <a:t>Evaluierung von Middleware:</a:t>
+            </a:r>
+          </a:p>
+          <a:p>
+            <a:pPr lvl="1"/>
+            <a:r>
+              <a:rPr lang="de-DE" dirty="0" err="1" smtClean="0"/>
+              <a:t>PushWoosh</a:t>
+            </a:r>
+            <a:endParaRPr lang="de-DE" dirty="0" smtClean="0"/>
+          </a:p>
+          <a:p>
+            <a:pPr lvl="1"/>
+            <a:r>
+              <a:rPr lang="de-DE" dirty="0" smtClean="0"/>
+              <a:t>Parse</a:t>
+            </a:r>
+          </a:p>
+          <a:p>
+            <a:pPr lvl="1"/>
+            <a:r>
+              <a:rPr lang="de-DE" dirty="0"/>
+              <a:t>Urban </a:t>
+            </a:r>
+            <a:r>
+              <a:rPr lang="de-DE" dirty="0" err="1" smtClean="0"/>
+              <a:t>Airship</a:t>
+            </a:r>
+            <a:endParaRPr lang="de-DE" dirty="0" smtClean="0"/>
+          </a:p>
+          <a:p>
+            <a:pPr lvl="1"/>
+            <a:r>
+              <a:rPr lang="de-DE" dirty="0" smtClean="0"/>
+              <a:t>Prime31</a:t>
+            </a:r>
+          </a:p>
+          <a:p>
+            <a:pPr lvl="1"/>
+            <a:r>
+              <a:rPr lang="de-DE" dirty="0" smtClean="0"/>
+              <a:t>Easy Cross-</a:t>
+            </a:r>
+            <a:r>
+              <a:rPr lang="de-DE" dirty="0" err="1" smtClean="0"/>
+              <a:t>Platform</a:t>
+            </a:r>
+            <a:r>
+              <a:rPr lang="de-DE" dirty="0" smtClean="0"/>
+              <a:t> </a:t>
+            </a:r>
+            <a:r>
+              <a:rPr lang="de-DE" dirty="0" err="1" smtClean="0"/>
+              <a:t>Notifications</a:t>
+            </a:r>
+            <a:r>
+              <a:rPr lang="de-DE" dirty="0" smtClean="0"/>
+              <a:t> </a:t>
+            </a:r>
+            <a:r>
+              <a:rPr lang="de-DE" dirty="0" err="1" smtClean="0"/>
+              <a:t>Unity</a:t>
+            </a:r>
+            <a:r>
+              <a:rPr lang="de-DE" dirty="0" smtClean="0"/>
+              <a:t> </a:t>
+            </a:r>
+            <a:r>
+              <a:rPr lang="de-DE" dirty="0" err="1" smtClean="0"/>
+              <a:t>Plugin</a:t>
+            </a:r>
+            <a:endParaRPr lang="de-DE" dirty="0" smtClean="0"/>
+          </a:p>
+          <a:p>
+            <a:pPr lvl="1"/>
+            <a:r>
+              <a:rPr lang="de-DE" dirty="0" err="1" smtClean="0"/>
+              <a:t>Xamarin</a:t>
+            </a:r>
+            <a:endParaRPr lang="de-DE" dirty="0" smtClean="0"/>
+          </a:p>
+          <a:p>
+            <a:pPr lvl="1"/>
+            <a:r>
+              <a:rPr lang="de-DE" dirty="0" err="1" smtClean="0"/>
+              <a:t>PhoneGap</a:t>
+            </a:r>
+            <a:endParaRPr lang="de-DE" dirty="0" smtClean="0"/>
+          </a:p>
+          <a:p>
+            <a:pPr lvl="1"/>
+            <a:r>
+              <a:rPr lang="de-DE" dirty="0" smtClean="0"/>
+              <a:t>Hydra</a:t>
+            </a:r>
+          </a:p>
+        </p:txBody>
+      </p:sp>
+      <p:sp>
+        <p:nvSpPr>
+          <p:cNvPr id="4" name="Fußzeilenplatzhalter 3"/>
+          <p:cNvSpPr>
+            <a:spLocks noGrp="1"/>
+          </p:cNvSpPr>
+          <p:nvPr>
+            <p:ph type="ftr" sz="quarter" idx="11"/>
+          </p:nvPr>
+        </p:nvSpPr>
+        <p:spPr/>
+        <p:txBody>
+          <a:bodyPr/>
+          <a:lstStyle/>
+          <a:p>
+            <a:r>
+              <a:rPr lang="de-DE" smtClean="0"/>
+              <a:t>Aquatic Space - Back End</a:t>
+            </a:r>
+            <a:endParaRPr lang="de-DE"/>
+          </a:p>
+        </p:txBody>
+      </p:sp>
+      <p:sp>
+        <p:nvSpPr>
+          <p:cNvPr id="5" name="Foliennummernplatzhalter 4"/>
+          <p:cNvSpPr>
+            <a:spLocks noGrp="1"/>
+          </p:cNvSpPr>
+          <p:nvPr>
+            <p:ph type="sldNum" sz="quarter" idx="12"/>
+          </p:nvPr>
+        </p:nvSpPr>
+        <p:spPr/>
+        <p:txBody>
+          <a:bodyPr/>
+          <a:lstStyle/>
+          <a:p>
+            <a:fld id="{2E18F249-BDE3-A64A-9BF3-08DB2E7D85BD}" type="slidenum">
+              <a:rPr lang="de-DE" smtClean="0"/>
+              <a:t>4</a:t>
+            </a:fld>
+            <a:endParaRPr lang="de-DE"/>
+          </a:p>
+        </p:txBody>
+      </p:sp>
+    </p:spTree>
+    <p:extLst>
+      <p:ext uri="{BB962C8B-B14F-4D97-AF65-F5344CB8AC3E}">
+        <p14:creationId xmlns:p14="http://schemas.microsoft.com/office/powerpoint/2010/main" val="117858766"/>
+      </p:ext>
+    </p:extLst>
+  </p:cSld>
+  <p:clrMapOvr>
+    <a:masterClrMapping/>
+  </p:clrMapOvr>
+</p:sld>
+</file>
+
+<file path=ppt/slides/slide5.xml><?xml version="1.0" encoding="utf-8"?>
+<p:sld xmlns:a="http://schemas.openxmlformats.org/drawingml/2006/main" xmlns:r="http://schemas.openxmlformats.org/officeDocument/2006/relationships" xmlns:p="http://schemas.openxmlformats.org/presentationml/2006/main">
+  <p:cSld>
+    <p:spTree>
+      <p:nvGrpSpPr>
+        <p:cNvPr id="1" name=""/>
+        <p:cNvGrpSpPr/>
+        <p:nvPr/>
+      </p:nvGrpSpPr>
+      <p:grpSpPr>
+        <a:xfrm>
+          <a:off x="0" y="0"/>
+          <a:ext cx="0" cy="0"/>
+          <a:chOff x="0" y="0"/>
+          <a:chExt cx="0" cy="0"/>
+        </a:xfrm>
+      </p:grpSpPr>
+      <p:sp>
+        <p:nvSpPr>
+          <p:cNvPr id="2" name="Titel 1"/>
+          <p:cNvSpPr>
+            <a:spLocks noGrp="1"/>
+          </p:cNvSpPr>
+          <p:nvPr>
+            <p:ph type="title"/>
+          </p:nvPr>
+        </p:nvSpPr>
+        <p:spPr/>
+        <p:txBody>
+          <a:bodyPr/>
+          <a:lstStyle/>
+          <a:p>
+            <a:r>
+              <a:rPr lang="de-DE" dirty="0" smtClean="0"/>
+              <a:t>Cross </a:t>
+            </a:r>
+            <a:r>
+              <a:rPr lang="de-DE" dirty="0" err="1" smtClean="0"/>
+              <a:t>Notifications</a:t>
+            </a:r>
+            <a:r>
+              <a:rPr lang="de-DE" dirty="0" smtClean="0"/>
+              <a:t> in </a:t>
+            </a:r>
+            <a:r>
+              <a:rPr lang="de-DE" dirty="0" err="1" smtClean="0"/>
+              <a:t>Unity</a:t>
+            </a:r>
+            <a:endParaRPr lang="de-DE" dirty="0"/>
+          </a:p>
+        </p:txBody>
+      </p:sp>
+      <p:sp>
+        <p:nvSpPr>
+          <p:cNvPr id="3" name="Inhaltsplatzhalter 2"/>
+          <p:cNvSpPr>
+            <a:spLocks noGrp="1"/>
+          </p:cNvSpPr>
+          <p:nvPr>
+            <p:ph idx="1"/>
+          </p:nvPr>
+        </p:nvSpPr>
+        <p:spPr/>
+        <p:txBody>
+          <a:bodyPr>
+            <a:normAutofit/>
+          </a:bodyPr>
+          <a:lstStyle/>
+          <a:p>
+            <a:r>
+              <a:rPr lang="de-DE" dirty="0" err="1" smtClean="0"/>
+              <a:t>PushWoosh</a:t>
+            </a:r>
+            <a:endParaRPr lang="de-DE" dirty="0" smtClean="0"/>
+          </a:p>
+          <a:p>
+            <a:pPr lvl="1"/>
+            <a:r>
+              <a:rPr lang="de-DE" dirty="0" smtClean="0"/>
+              <a:t>Pro:</a:t>
+            </a:r>
+          </a:p>
+          <a:p>
+            <a:pPr lvl="2"/>
+            <a:r>
+              <a:rPr lang="de-DE" dirty="0" smtClean="0"/>
+              <a:t>Kostenlose Version verfügbar</a:t>
+            </a:r>
+          </a:p>
+          <a:p>
+            <a:pPr lvl="1"/>
+            <a:r>
+              <a:rPr lang="de-DE" dirty="0" smtClean="0"/>
+              <a:t>Con:</a:t>
+            </a:r>
+          </a:p>
+          <a:p>
+            <a:pPr lvl="2"/>
+            <a:r>
+              <a:rPr lang="de-DE" dirty="0" smtClean="0"/>
+              <a:t>Nur serverseitiges versenden von Messages</a:t>
+            </a:r>
+          </a:p>
+          <a:p>
+            <a:pPr lvl="2"/>
+            <a:r>
+              <a:rPr lang="de-DE" dirty="0" smtClean="0"/>
+              <a:t>Keine Child&lt;-&gt;Parent Kommunikation möglich</a:t>
+            </a:r>
+          </a:p>
+          <a:p>
+            <a:pPr lvl="2"/>
+            <a:r>
+              <a:rPr lang="de-DE" dirty="0" smtClean="0"/>
+              <a:t>Keine </a:t>
+            </a:r>
+            <a:r>
+              <a:rPr lang="de-DE" dirty="0" err="1" smtClean="0"/>
+              <a:t>Unity</a:t>
+            </a:r>
+            <a:r>
+              <a:rPr lang="de-DE" dirty="0" smtClean="0"/>
+              <a:t> Integration</a:t>
+            </a:r>
+          </a:p>
+          <a:p>
+            <a:pPr lvl="2"/>
+            <a:r>
+              <a:rPr lang="de-DE" dirty="0" err="1" smtClean="0"/>
+              <a:t>Targeted</a:t>
+            </a:r>
+            <a:r>
+              <a:rPr lang="de-DE" dirty="0" smtClean="0"/>
+              <a:t> Push </a:t>
+            </a:r>
+            <a:r>
+              <a:rPr lang="de-DE" dirty="0" err="1" smtClean="0"/>
+              <a:t>Notifications</a:t>
+            </a:r>
+            <a:r>
+              <a:rPr lang="de-DE" dirty="0" smtClean="0"/>
+              <a:t> erst ab 40€/Monat</a:t>
+            </a:r>
+          </a:p>
+        </p:txBody>
+      </p:sp>
+      <p:pic>
+        <p:nvPicPr>
+          <p:cNvPr id="5" name="Bild 4"/>
+          <p:cNvPicPr>
+            <a:picLocks noChangeAspect="1"/>
+          </p:cNvPicPr>
+          <p:nvPr/>
+        </p:nvPicPr>
+        <p:blipFill>
+          <a:blip r:embed="rId2"/>
+          <a:stretch>
+            <a:fillRect/>
+          </a:stretch>
+        </p:blipFill>
+        <p:spPr>
+          <a:xfrm>
+            <a:off x="3276600" y="1417638"/>
+            <a:ext cx="1110421" cy="1110421"/>
+          </a:xfrm>
+          <a:prstGeom prst="rect">
+            <a:avLst/>
+          </a:prstGeom>
+        </p:spPr>
+      </p:pic>
+      <p:sp>
+        <p:nvSpPr>
+          <p:cNvPr id="6" name="Fußzeilenplatzhalter 5"/>
+          <p:cNvSpPr>
+            <a:spLocks noGrp="1"/>
+          </p:cNvSpPr>
+          <p:nvPr>
+            <p:ph type="ftr" sz="quarter" idx="11"/>
+          </p:nvPr>
+        </p:nvSpPr>
+        <p:spPr/>
+        <p:txBody>
+          <a:bodyPr/>
+          <a:lstStyle/>
+          <a:p>
+            <a:r>
+              <a:rPr lang="de-DE" smtClean="0"/>
+              <a:t>Aquatic Space - Back End</a:t>
+            </a:r>
+            <a:endParaRPr lang="de-DE"/>
+          </a:p>
+        </p:txBody>
+      </p:sp>
+      <p:sp>
+        <p:nvSpPr>
+          <p:cNvPr id="7" name="Foliennummernplatzhalter 6"/>
+          <p:cNvSpPr>
+            <a:spLocks noGrp="1"/>
+          </p:cNvSpPr>
+          <p:nvPr>
+            <p:ph type="sldNum" sz="quarter" idx="12"/>
+          </p:nvPr>
+        </p:nvSpPr>
+        <p:spPr/>
+        <p:txBody>
+          <a:bodyPr/>
+          <a:lstStyle/>
+          <a:p>
+            <a:fld id="{2E18F249-BDE3-A64A-9BF3-08DB2E7D85BD}" type="slidenum">
+              <a:rPr lang="de-DE" smtClean="0"/>
+              <a:t>5</a:t>
+            </a:fld>
+            <a:endParaRPr lang="de-DE"/>
+          </a:p>
+        </p:txBody>
+      </p:sp>
+      <p:sp>
+        <p:nvSpPr>
+          <p:cNvPr id="8" name="Textfeld 7"/>
+          <p:cNvSpPr txBox="1"/>
+          <p:nvPr/>
+        </p:nvSpPr>
+        <p:spPr>
+          <a:xfrm>
+            <a:off x="457200" y="5959085"/>
+            <a:ext cx="8085946" cy="523220"/>
+          </a:xfrm>
+          <a:prstGeom prst="rect">
+            <a:avLst/>
+          </a:prstGeom>
+          <a:noFill/>
+        </p:spPr>
+        <p:txBody>
+          <a:bodyPr wrap="square" rtlCol="0">
+            <a:spAutoFit/>
+          </a:bodyPr>
+          <a:lstStyle/>
+          <a:p>
+            <a:r>
+              <a:rPr lang="de-DE" sz="2800" b="1" dirty="0" smtClean="0">
+                <a:ln w="12700">
+                  <a:solidFill>
+                    <a:schemeClr val="tx2">
+                      <a:satMod val="155000"/>
+                    </a:schemeClr>
+                  </a:solidFill>
+                  <a:prstDash val="solid"/>
+                </a:ln>
+                <a:solidFill>
+                  <a:schemeClr val="bg2">
+                    <a:tint val="85000"/>
+                    <a:satMod val="155000"/>
+                  </a:schemeClr>
+                </a:solidFill>
+                <a:effectLst>
+                  <a:outerShdw blurRad="41275" dist="20320" dir="1800000" algn="tl" rotWithShape="0">
+                    <a:srgbClr val="000000">
+                      <a:alpha val="40000"/>
+                    </a:srgbClr>
+                  </a:outerShdw>
+                </a:effectLst>
+              </a:rPr>
+              <a:t>-&gt; Bescheidener Server-Dienst für </a:t>
+            </a:r>
+            <a:r>
+              <a:rPr lang="de-DE" sz="2800" b="1" dirty="0" err="1" smtClean="0">
+                <a:ln w="12700">
+                  <a:solidFill>
+                    <a:schemeClr val="tx2">
+                      <a:satMod val="155000"/>
+                    </a:schemeClr>
+                  </a:solidFill>
+                  <a:prstDash val="solid"/>
+                </a:ln>
+                <a:solidFill>
+                  <a:schemeClr val="bg2">
+                    <a:tint val="85000"/>
+                    <a:satMod val="155000"/>
+                  </a:schemeClr>
+                </a:solidFill>
+                <a:effectLst>
+                  <a:outerShdw blurRad="41275" dist="20320" dir="1800000" algn="tl" rotWithShape="0">
+                    <a:srgbClr val="000000">
+                      <a:alpha val="40000"/>
+                    </a:srgbClr>
+                  </a:outerShdw>
+                </a:effectLst>
+              </a:rPr>
+              <a:t>Notifications</a:t>
+            </a:r>
+            <a:endParaRPr lang="de-DE" sz="2800" b="1" dirty="0">
+              <a:ln w="12700">
+                <a:solidFill>
+                  <a:schemeClr val="tx2">
+                    <a:satMod val="155000"/>
+                  </a:schemeClr>
+                </a:solidFill>
+                <a:prstDash val="solid"/>
+              </a:ln>
+              <a:solidFill>
+                <a:schemeClr val="bg2">
+                  <a:tint val="85000"/>
+                  <a:satMod val="155000"/>
+                </a:schemeClr>
+              </a:solidFill>
+              <a:effectLst>
+                <a:outerShdw blurRad="41275" dist="20320" dir="1800000" algn="tl" rotWithShape="0">
+                  <a:srgbClr val="000000">
+                    <a:alpha val="40000"/>
+                  </a:srgbClr>
+                </a:outerShdw>
+              </a:effectLst>
+            </a:endParaRPr>
+          </a:p>
+        </p:txBody>
+      </p:sp>
+    </p:spTree>
+    <p:extLst>
+      <p:ext uri="{BB962C8B-B14F-4D97-AF65-F5344CB8AC3E}">
+        <p14:creationId xmlns:p14="http://schemas.microsoft.com/office/powerpoint/2010/main" val="325446321"/>
+      </p:ext>
+    </p:extLst>
+  </p:cSld>
+  <p:clrMapOvr>
+    <a:masterClrMapping/>
+  </p:clrMapOvr>
+</p:sld>
+</file>
+
+<file path=ppt/slides/slide6.xml><?xml version="1.0" encoding="utf-8"?>
+<p:sld xmlns:a="http://schemas.openxmlformats.org/drawingml/2006/main" xmlns:r="http://schemas.openxmlformats.org/officeDocument/2006/relationships" xmlns:p="http://schemas.openxmlformats.org/presentationml/2006/main">
+  <p:cSld>
+    <p:spTree>
+      <p:nvGrpSpPr>
+        <p:cNvPr id="1" name=""/>
+        <p:cNvGrpSpPr/>
+        <p:nvPr/>
+      </p:nvGrpSpPr>
+      <p:grpSpPr>
+        <a:xfrm>
+          <a:off x="0" y="0"/>
+          <a:ext cx="0" cy="0"/>
+          <a:chOff x="0" y="0"/>
+          <a:chExt cx="0" cy="0"/>
+        </a:xfrm>
+      </p:grpSpPr>
+      <p:sp>
+        <p:nvSpPr>
+          <p:cNvPr id="2" name="Titel 1"/>
+          <p:cNvSpPr>
+            <a:spLocks noGrp="1"/>
+          </p:cNvSpPr>
+          <p:nvPr>
+            <p:ph type="title"/>
+          </p:nvPr>
+        </p:nvSpPr>
+        <p:spPr/>
+        <p:txBody>
+          <a:bodyPr/>
+          <a:lstStyle/>
+          <a:p>
+            <a:r>
+              <a:rPr lang="de-DE" dirty="0" smtClean="0"/>
+              <a:t>Cross </a:t>
+            </a:r>
+            <a:r>
+              <a:rPr lang="de-DE" dirty="0" err="1" smtClean="0"/>
+              <a:t>Notifications</a:t>
+            </a:r>
+            <a:r>
+              <a:rPr lang="de-DE" dirty="0" smtClean="0"/>
+              <a:t> in </a:t>
+            </a:r>
+            <a:r>
+              <a:rPr lang="de-DE" dirty="0" err="1" smtClean="0"/>
+              <a:t>Unity</a:t>
+            </a:r>
+            <a:endParaRPr lang="de-DE" dirty="0"/>
+          </a:p>
+        </p:txBody>
+      </p:sp>
+      <p:sp>
+        <p:nvSpPr>
+          <p:cNvPr id="3" name="Inhaltsplatzhalter 2"/>
+          <p:cNvSpPr>
+            <a:spLocks noGrp="1"/>
+          </p:cNvSpPr>
+          <p:nvPr>
+            <p:ph idx="1"/>
+          </p:nvPr>
+        </p:nvSpPr>
+        <p:spPr/>
+        <p:txBody>
+          <a:bodyPr>
+            <a:normAutofit fontScale="92500" lnSpcReduction="10000"/>
+          </a:bodyPr>
+          <a:lstStyle/>
+          <a:p>
+            <a:r>
+              <a:rPr lang="de-DE" dirty="0" smtClean="0"/>
+              <a:t>Parse</a:t>
+            </a:r>
+          </a:p>
+          <a:p>
+            <a:pPr lvl="1"/>
+            <a:r>
+              <a:rPr lang="de-DE" dirty="0" smtClean="0"/>
+              <a:t>Pro:</a:t>
+            </a:r>
+          </a:p>
+          <a:p>
+            <a:pPr lvl="2"/>
+            <a:r>
+              <a:rPr lang="de-DE" dirty="0" smtClean="0"/>
+              <a:t>Kostenlose Version verfügbar</a:t>
+            </a:r>
+          </a:p>
+          <a:p>
+            <a:pPr lvl="2"/>
+            <a:r>
+              <a:rPr lang="de-DE" dirty="0"/>
+              <a:t>Server als auch Client </a:t>
+            </a:r>
+            <a:r>
+              <a:rPr lang="de-DE" dirty="0" smtClean="0"/>
+              <a:t>Lösung</a:t>
+            </a:r>
+          </a:p>
+          <a:p>
+            <a:pPr lvl="2"/>
+            <a:r>
+              <a:rPr lang="de-DE" dirty="0" smtClean="0"/>
+              <a:t>Neben Push </a:t>
+            </a:r>
+            <a:r>
+              <a:rPr lang="de-DE" dirty="0" err="1" smtClean="0"/>
+              <a:t>Notifications</a:t>
+            </a:r>
+            <a:r>
+              <a:rPr lang="de-DE" dirty="0" smtClean="0"/>
+              <a:t> auch Daten-Übermittlung und </a:t>
+            </a:r>
+            <a:r>
+              <a:rPr lang="de-DE" dirty="0" err="1" smtClean="0"/>
+              <a:t>Analytics</a:t>
+            </a:r>
+            <a:endParaRPr lang="de-DE" dirty="0" smtClean="0"/>
+          </a:p>
+          <a:p>
+            <a:pPr lvl="2"/>
+            <a:r>
+              <a:rPr lang="de-DE" dirty="0" smtClean="0"/>
+              <a:t>.NET SDK mit Task-</a:t>
+            </a:r>
+            <a:r>
+              <a:rPr lang="de-DE" dirty="0" err="1" smtClean="0"/>
+              <a:t>Based</a:t>
+            </a:r>
+            <a:r>
+              <a:rPr lang="de-DE" dirty="0" smtClean="0"/>
+              <a:t> </a:t>
+            </a:r>
+            <a:r>
+              <a:rPr lang="de-DE" dirty="0" err="1" smtClean="0"/>
+              <a:t>Asynchronous</a:t>
+            </a:r>
+            <a:r>
+              <a:rPr lang="de-DE" dirty="0" smtClean="0"/>
+              <a:t> Pattern</a:t>
+            </a:r>
+            <a:endParaRPr lang="de-DE" dirty="0" smtClean="0"/>
+          </a:p>
+          <a:p>
+            <a:pPr lvl="1"/>
+            <a:r>
+              <a:rPr lang="de-DE" dirty="0" smtClean="0"/>
+              <a:t>Con:</a:t>
+            </a:r>
+          </a:p>
+          <a:p>
+            <a:pPr lvl="2"/>
+            <a:r>
+              <a:rPr lang="de-DE" dirty="0" err="1" smtClean="0"/>
+              <a:t>Unity</a:t>
+            </a:r>
+            <a:r>
+              <a:rPr lang="de-DE" dirty="0" smtClean="0"/>
+              <a:t> SDK unterstützt derzeit (noch) keine </a:t>
+            </a:r>
+            <a:r>
+              <a:rPr lang="de-DE" dirty="0" err="1" smtClean="0"/>
+              <a:t>Notifications</a:t>
+            </a:r>
+            <a:r>
+              <a:rPr lang="de-DE" dirty="0" smtClean="0"/>
+              <a:t>!</a:t>
+            </a:r>
+          </a:p>
+          <a:p>
+            <a:pPr lvl="3"/>
+            <a:r>
+              <a:rPr lang="de-DE" dirty="0" smtClean="0"/>
+              <a:t>Keine Bekanntgabe der Roadmap</a:t>
+            </a:r>
+          </a:p>
+          <a:p>
+            <a:pPr lvl="2"/>
+            <a:r>
+              <a:rPr lang="de-DE" dirty="0" smtClean="0"/>
+              <a:t>Server-Unterstützung von </a:t>
+            </a:r>
+            <a:r>
+              <a:rPr lang="de-DE" dirty="0" err="1" smtClean="0"/>
+              <a:t>Targeting</a:t>
+            </a:r>
+            <a:r>
+              <a:rPr lang="de-DE" dirty="0" smtClean="0"/>
+              <a:t> erst ab 199$/Monat</a:t>
+            </a:r>
+          </a:p>
+        </p:txBody>
+      </p:sp>
+      <p:pic>
+        <p:nvPicPr>
+          <p:cNvPr id="4" name="Bild 3"/>
+          <p:cNvPicPr>
+            <a:picLocks noChangeAspect="1"/>
+          </p:cNvPicPr>
+          <p:nvPr/>
+        </p:nvPicPr>
+        <p:blipFill>
+          <a:blip r:embed="rId2"/>
+          <a:stretch>
+            <a:fillRect/>
+          </a:stretch>
+        </p:blipFill>
+        <p:spPr>
+          <a:xfrm>
+            <a:off x="2551552" y="1306304"/>
+            <a:ext cx="1668901" cy="943292"/>
+          </a:xfrm>
+          <a:prstGeom prst="rect">
+            <a:avLst/>
+          </a:prstGeom>
+        </p:spPr>
+      </p:pic>
+      <p:sp>
+        <p:nvSpPr>
+          <p:cNvPr id="6" name="Fußzeilenplatzhalter 5"/>
+          <p:cNvSpPr>
+            <a:spLocks noGrp="1"/>
+          </p:cNvSpPr>
+          <p:nvPr>
+            <p:ph type="ftr" sz="quarter" idx="11"/>
+          </p:nvPr>
+        </p:nvSpPr>
+        <p:spPr/>
+        <p:txBody>
+          <a:bodyPr/>
+          <a:lstStyle/>
+          <a:p>
+            <a:r>
+              <a:rPr lang="de-DE" smtClean="0"/>
+              <a:t>Aquatic Space - Back End</a:t>
+            </a:r>
+            <a:endParaRPr lang="de-DE"/>
+          </a:p>
+        </p:txBody>
+      </p:sp>
+      <p:sp>
+        <p:nvSpPr>
+          <p:cNvPr id="7" name="Foliennummernplatzhalter 6"/>
+          <p:cNvSpPr>
+            <a:spLocks noGrp="1"/>
+          </p:cNvSpPr>
+          <p:nvPr>
+            <p:ph type="sldNum" sz="quarter" idx="12"/>
+          </p:nvPr>
+        </p:nvSpPr>
+        <p:spPr/>
+        <p:txBody>
+          <a:bodyPr/>
+          <a:lstStyle/>
+          <a:p>
+            <a:fld id="{2E18F249-BDE3-A64A-9BF3-08DB2E7D85BD}" type="slidenum">
+              <a:rPr lang="de-DE" smtClean="0"/>
+              <a:t>6</a:t>
+            </a:fld>
+            <a:endParaRPr lang="de-DE"/>
+          </a:p>
+        </p:txBody>
+      </p:sp>
+      <p:sp>
+        <p:nvSpPr>
+          <p:cNvPr id="8" name="Textfeld 7"/>
+          <p:cNvSpPr txBox="1"/>
+          <p:nvPr/>
+        </p:nvSpPr>
+        <p:spPr>
+          <a:xfrm>
+            <a:off x="457200" y="5959085"/>
+            <a:ext cx="8085946" cy="523220"/>
+          </a:xfrm>
+          <a:prstGeom prst="rect">
+            <a:avLst/>
+          </a:prstGeom>
+          <a:noFill/>
+        </p:spPr>
+        <p:txBody>
+          <a:bodyPr wrap="square" rtlCol="0">
+            <a:spAutoFit/>
+          </a:bodyPr>
+          <a:lstStyle/>
+          <a:p>
+            <a:r>
+              <a:rPr lang="de-DE" sz="2800" b="1" dirty="0" smtClean="0">
+                <a:ln w="12700">
+                  <a:solidFill>
+                    <a:schemeClr val="tx2">
+                      <a:satMod val="155000"/>
+                    </a:schemeClr>
+                  </a:solidFill>
+                  <a:prstDash val="solid"/>
+                </a:ln>
+                <a:solidFill>
+                  <a:schemeClr val="bg2">
+                    <a:tint val="85000"/>
+                    <a:satMod val="155000"/>
+                  </a:schemeClr>
+                </a:solidFill>
+                <a:effectLst>
+                  <a:outerShdw blurRad="41275" dist="20320" dir="1800000" algn="tl" rotWithShape="0">
+                    <a:srgbClr val="000000">
+                      <a:alpha val="40000"/>
+                    </a:srgbClr>
+                  </a:outerShdw>
+                </a:effectLst>
+              </a:rPr>
+              <a:t>-&gt; derzeit noch in den Kinderschuhen </a:t>
+            </a:r>
+            <a:r>
+              <a:rPr lang="de-DE" sz="2800" b="1" dirty="0" smtClean="0">
+                <a:ln w="12700">
+                  <a:solidFill>
+                    <a:schemeClr val="tx2">
+                      <a:satMod val="155000"/>
+                    </a:schemeClr>
+                  </a:solidFill>
+                  <a:prstDash val="solid"/>
+                </a:ln>
+                <a:solidFill>
+                  <a:schemeClr val="bg2">
+                    <a:tint val="85000"/>
+                    <a:satMod val="155000"/>
+                  </a:schemeClr>
+                </a:solidFill>
+                <a:effectLst>
+                  <a:outerShdw blurRad="41275" dist="20320" dir="1800000" algn="tl" rotWithShape="0">
+                    <a:srgbClr val="000000">
+                      <a:alpha val="40000"/>
+                    </a:srgbClr>
+                  </a:outerShdw>
+                </a:effectLst>
+                <a:sym typeface="Wingdings"/>
+              </a:rPr>
+              <a:t></a:t>
+            </a:r>
+            <a:endParaRPr lang="de-DE" sz="2800" b="1" dirty="0">
+              <a:ln w="12700">
+                <a:solidFill>
+                  <a:schemeClr val="tx2">
+                    <a:satMod val="155000"/>
+                  </a:schemeClr>
+                </a:solidFill>
+                <a:prstDash val="solid"/>
+              </a:ln>
+              <a:solidFill>
+                <a:schemeClr val="bg2">
+                  <a:tint val="85000"/>
+                  <a:satMod val="155000"/>
+                </a:schemeClr>
+              </a:solidFill>
+              <a:effectLst>
+                <a:outerShdw blurRad="41275" dist="20320" dir="1800000" algn="tl" rotWithShape="0">
+                  <a:srgbClr val="000000">
+                    <a:alpha val="40000"/>
+                  </a:srgbClr>
+                </a:outerShdw>
+              </a:effectLst>
+            </a:endParaRPr>
+          </a:p>
+        </p:txBody>
+      </p:sp>
+    </p:spTree>
+    <p:extLst>
+      <p:ext uri="{BB962C8B-B14F-4D97-AF65-F5344CB8AC3E}">
+        <p14:creationId xmlns:p14="http://schemas.microsoft.com/office/powerpoint/2010/main" val="2585738693"/>
+      </p:ext>
+    </p:extLst>
+  </p:cSld>
+  <p:clrMapOvr>
+    <a:masterClrMapping/>
+  </p:clrMapOvr>
+</p:sld>
+</file>
+
+<file path=ppt/slides/slide7.xml><?xml version="1.0" encoding="utf-8"?>
+<p:sld xmlns:a="http://schemas.openxmlformats.org/drawingml/2006/main" xmlns:r="http://schemas.openxmlformats.org/officeDocument/2006/relationships" xmlns:p="http://schemas.openxmlformats.org/presentationml/2006/main">
+  <p:cSld>
+    <p:spTree>
+      <p:nvGrpSpPr>
+        <p:cNvPr id="1" name=""/>
+        <p:cNvGrpSpPr/>
+        <p:nvPr/>
+      </p:nvGrpSpPr>
+      <p:grpSpPr>
+        <a:xfrm>
+          <a:off x="0" y="0"/>
+          <a:ext cx="0" cy="0"/>
+          <a:chOff x="0" y="0"/>
+          <a:chExt cx="0" cy="0"/>
+        </a:xfrm>
+      </p:grpSpPr>
+      <p:sp>
+        <p:nvSpPr>
+          <p:cNvPr id="2" name="Titel 1"/>
+          <p:cNvSpPr>
+            <a:spLocks noGrp="1"/>
+          </p:cNvSpPr>
+          <p:nvPr>
+            <p:ph type="title"/>
+          </p:nvPr>
+        </p:nvSpPr>
+        <p:spPr/>
+        <p:txBody>
+          <a:bodyPr/>
+          <a:lstStyle/>
+          <a:p>
+            <a:r>
+              <a:rPr lang="de-DE" dirty="0" smtClean="0"/>
+              <a:t>Cross </a:t>
+            </a:r>
+            <a:r>
+              <a:rPr lang="de-DE" dirty="0" err="1" smtClean="0"/>
+              <a:t>Notifications</a:t>
+            </a:r>
+            <a:r>
+              <a:rPr lang="de-DE" dirty="0" smtClean="0"/>
+              <a:t> in </a:t>
+            </a:r>
+            <a:r>
+              <a:rPr lang="de-DE" dirty="0" err="1" smtClean="0"/>
+              <a:t>Unity</a:t>
+            </a:r>
+            <a:endParaRPr lang="de-DE" dirty="0"/>
+          </a:p>
+        </p:txBody>
+      </p:sp>
+      <p:sp>
+        <p:nvSpPr>
+          <p:cNvPr id="3" name="Inhaltsplatzhalter 2"/>
+          <p:cNvSpPr>
+            <a:spLocks noGrp="1"/>
+          </p:cNvSpPr>
+          <p:nvPr>
+            <p:ph idx="1"/>
+          </p:nvPr>
+        </p:nvSpPr>
+        <p:spPr/>
+        <p:txBody>
+          <a:bodyPr>
+            <a:normAutofit/>
+          </a:bodyPr>
+          <a:lstStyle/>
+          <a:p>
+            <a:r>
+              <a:rPr lang="de-DE" dirty="0" smtClean="0"/>
+              <a:t>Urban </a:t>
+            </a:r>
+            <a:r>
+              <a:rPr lang="de-DE" dirty="0" err="1" smtClean="0"/>
+              <a:t>Airship</a:t>
+            </a:r>
+            <a:endParaRPr lang="de-DE" dirty="0" smtClean="0"/>
+          </a:p>
+          <a:p>
+            <a:pPr lvl="1"/>
+            <a:r>
+              <a:rPr lang="de-DE" dirty="0" smtClean="0"/>
+              <a:t>Pro:</a:t>
+            </a:r>
+          </a:p>
+          <a:p>
+            <a:pPr lvl="2"/>
+            <a:r>
+              <a:rPr lang="de-DE" dirty="0" smtClean="0"/>
+              <a:t>Dedizierter Dienst für serverseitiges versenden von </a:t>
+            </a:r>
+            <a:r>
+              <a:rPr lang="de-DE" dirty="0" err="1" smtClean="0"/>
+              <a:t>Notifications</a:t>
+            </a:r>
+            <a:r>
+              <a:rPr lang="de-DE" dirty="0" smtClean="0"/>
+              <a:t> (mit Rich Messaging)</a:t>
+            </a:r>
+          </a:p>
+          <a:p>
+            <a:pPr lvl="2"/>
+            <a:r>
+              <a:rPr lang="de-DE" dirty="0" smtClean="0"/>
+              <a:t>Unterstützung aller gängigen Plattformen</a:t>
+            </a:r>
+          </a:p>
+          <a:p>
+            <a:pPr lvl="2"/>
+            <a:r>
+              <a:rPr lang="de-DE" dirty="0" smtClean="0"/>
+              <a:t>Kostenlose Version verwendbar</a:t>
+            </a:r>
+          </a:p>
+          <a:p>
+            <a:pPr lvl="1"/>
+            <a:r>
+              <a:rPr lang="de-DE" dirty="0" smtClean="0"/>
+              <a:t>Con:</a:t>
+            </a:r>
+          </a:p>
+          <a:p>
+            <a:pPr lvl="2"/>
+            <a:r>
+              <a:rPr lang="de-DE" dirty="0" smtClean="0"/>
+              <a:t>Keine P2P </a:t>
+            </a:r>
+            <a:r>
+              <a:rPr lang="de-DE" dirty="0" err="1" smtClean="0"/>
+              <a:t>Notifications</a:t>
+            </a:r>
+            <a:endParaRPr lang="de-DE" dirty="0" smtClean="0"/>
+          </a:p>
+        </p:txBody>
+      </p:sp>
+      <p:sp>
+        <p:nvSpPr>
+          <p:cNvPr id="6" name="Fußzeilenplatzhalter 5"/>
+          <p:cNvSpPr>
+            <a:spLocks noGrp="1"/>
+          </p:cNvSpPr>
+          <p:nvPr>
+            <p:ph type="ftr" sz="quarter" idx="11"/>
+          </p:nvPr>
+        </p:nvSpPr>
+        <p:spPr/>
+        <p:txBody>
+          <a:bodyPr/>
+          <a:lstStyle/>
+          <a:p>
+            <a:r>
+              <a:rPr lang="de-DE" smtClean="0"/>
+              <a:t>Aquatic Space - Back End</a:t>
+            </a:r>
+            <a:endParaRPr lang="de-DE"/>
+          </a:p>
+        </p:txBody>
+      </p:sp>
+      <p:sp>
+        <p:nvSpPr>
+          <p:cNvPr id="7" name="Foliennummernplatzhalter 6"/>
+          <p:cNvSpPr>
+            <a:spLocks noGrp="1"/>
+          </p:cNvSpPr>
+          <p:nvPr>
+            <p:ph type="sldNum" sz="quarter" idx="12"/>
+          </p:nvPr>
+        </p:nvSpPr>
+        <p:spPr/>
+        <p:txBody>
+          <a:bodyPr/>
+          <a:lstStyle/>
+          <a:p>
+            <a:fld id="{2E18F249-BDE3-A64A-9BF3-08DB2E7D85BD}" type="slidenum">
+              <a:rPr lang="de-DE" smtClean="0"/>
+              <a:t>7</a:t>
+            </a:fld>
+            <a:endParaRPr lang="de-DE"/>
+          </a:p>
+        </p:txBody>
+      </p:sp>
+      <p:pic>
+        <p:nvPicPr>
+          <p:cNvPr id="10" name="Bild 9"/>
+          <p:cNvPicPr>
+            <a:picLocks noChangeAspect="1"/>
+          </p:cNvPicPr>
+          <p:nvPr/>
+        </p:nvPicPr>
+        <p:blipFill>
+          <a:blip r:embed="rId2"/>
+          <a:stretch>
+            <a:fillRect/>
+          </a:stretch>
+        </p:blipFill>
+        <p:spPr>
+          <a:xfrm>
+            <a:off x="3785219" y="1113736"/>
+            <a:ext cx="1556871" cy="1556871"/>
+          </a:xfrm>
+          <a:prstGeom prst="rect">
+            <a:avLst/>
+          </a:prstGeom>
+        </p:spPr>
+      </p:pic>
+      <p:sp>
+        <p:nvSpPr>
+          <p:cNvPr id="11" name="Textfeld 10"/>
+          <p:cNvSpPr txBox="1"/>
+          <p:nvPr/>
+        </p:nvSpPr>
+        <p:spPr>
+          <a:xfrm>
+            <a:off x="457199" y="5898846"/>
+            <a:ext cx="8526747" cy="523220"/>
+          </a:xfrm>
+          <a:prstGeom prst="rect">
+            <a:avLst/>
+          </a:prstGeom>
+          <a:noFill/>
+        </p:spPr>
+        <p:txBody>
+          <a:bodyPr wrap="square" rtlCol="0">
+            <a:spAutoFit/>
+          </a:bodyPr>
+          <a:lstStyle/>
+          <a:p>
+            <a:r>
+              <a:rPr lang="de-DE" sz="2800" b="1" dirty="0" smtClean="0">
+                <a:ln w="12700">
+                  <a:solidFill>
+                    <a:schemeClr val="tx2">
+                      <a:satMod val="155000"/>
+                    </a:schemeClr>
+                  </a:solidFill>
+                  <a:prstDash val="solid"/>
+                </a:ln>
+                <a:solidFill>
+                  <a:schemeClr val="bg2">
+                    <a:tint val="85000"/>
+                    <a:satMod val="155000"/>
+                  </a:schemeClr>
+                </a:solidFill>
+                <a:effectLst>
+                  <a:outerShdw blurRad="41275" dist="20320" dir="1800000" algn="tl" rotWithShape="0">
+                    <a:srgbClr val="000000">
+                      <a:alpha val="40000"/>
+                    </a:srgbClr>
+                  </a:outerShdw>
+                </a:effectLst>
+              </a:rPr>
+              <a:t>1. Wahl zum serverseitigen Versenden von </a:t>
+            </a:r>
+            <a:r>
+              <a:rPr lang="de-DE" sz="2800" b="1" dirty="0" err="1" smtClean="0">
+                <a:ln w="12700">
+                  <a:solidFill>
+                    <a:schemeClr val="tx2">
+                      <a:satMod val="155000"/>
+                    </a:schemeClr>
+                  </a:solidFill>
+                  <a:prstDash val="solid"/>
+                </a:ln>
+                <a:solidFill>
+                  <a:schemeClr val="bg2">
+                    <a:tint val="85000"/>
+                    <a:satMod val="155000"/>
+                  </a:schemeClr>
+                </a:solidFill>
+                <a:effectLst>
+                  <a:outerShdw blurRad="41275" dist="20320" dir="1800000" algn="tl" rotWithShape="0">
+                    <a:srgbClr val="000000">
+                      <a:alpha val="40000"/>
+                    </a:srgbClr>
+                  </a:outerShdw>
+                </a:effectLst>
+              </a:rPr>
+              <a:t>Notifications</a:t>
+            </a:r>
+            <a:endParaRPr lang="de-DE" sz="2800" b="1" dirty="0">
+              <a:ln w="12700">
+                <a:solidFill>
+                  <a:schemeClr val="tx2">
+                    <a:satMod val="155000"/>
+                  </a:schemeClr>
+                </a:solidFill>
+                <a:prstDash val="solid"/>
+              </a:ln>
+              <a:solidFill>
+                <a:schemeClr val="bg2">
+                  <a:tint val="85000"/>
+                  <a:satMod val="155000"/>
+                </a:schemeClr>
+              </a:solidFill>
+              <a:effectLst>
+                <a:outerShdw blurRad="41275" dist="20320" dir="1800000" algn="tl" rotWithShape="0">
+                  <a:srgbClr val="000000">
+                    <a:alpha val="40000"/>
+                  </a:srgbClr>
+                </a:outerShdw>
+              </a:effectLst>
+            </a:endParaRPr>
+          </a:p>
+        </p:txBody>
+      </p:sp>
+    </p:spTree>
+    <p:extLst>
+      <p:ext uri="{BB962C8B-B14F-4D97-AF65-F5344CB8AC3E}">
+        <p14:creationId xmlns:p14="http://schemas.microsoft.com/office/powerpoint/2010/main" val="75426620"/>
+      </p:ext>
+    </p:extLst>
+  </p:cSld>
+  <p:clrMapOvr>
+    <a:masterClrMapping/>
+  </p:clrMapOvr>
+</p:sld>
+</file>
+
+<file path=ppt/slides/slide8.xml><?xml version="1.0" encoding="utf-8"?>
+<p:sld xmlns:a="http://schemas.openxmlformats.org/drawingml/2006/main" xmlns:r="http://schemas.openxmlformats.org/officeDocument/2006/relationships" xmlns:p="http://schemas.openxmlformats.org/presentationml/2006/main">
+  <p:cSld>
+    <p:spTree>
+      <p:nvGrpSpPr>
+        <p:cNvPr id="1" name=""/>
+        <p:cNvGrpSpPr/>
+        <p:nvPr/>
+      </p:nvGrpSpPr>
+      <p:grpSpPr>
+        <a:xfrm>
+          <a:off x="0" y="0"/>
+          <a:ext cx="0" cy="0"/>
+          <a:chOff x="0" y="0"/>
+          <a:chExt cx="0" cy="0"/>
+        </a:xfrm>
+      </p:grpSpPr>
+      <p:sp>
+        <p:nvSpPr>
+          <p:cNvPr id="2" name="Titel 1"/>
+          <p:cNvSpPr>
+            <a:spLocks noGrp="1"/>
+          </p:cNvSpPr>
+          <p:nvPr>
+            <p:ph type="title"/>
+          </p:nvPr>
+        </p:nvSpPr>
+        <p:spPr/>
+        <p:txBody>
+          <a:bodyPr/>
+          <a:lstStyle/>
+          <a:p>
+            <a:r>
+              <a:rPr lang="de-DE" dirty="0" smtClean="0"/>
+              <a:t>Cross </a:t>
+            </a:r>
+            <a:r>
+              <a:rPr lang="de-DE" dirty="0" err="1" smtClean="0"/>
+              <a:t>Notifications</a:t>
+            </a:r>
+            <a:r>
+              <a:rPr lang="de-DE" dirty="0" smtClean="0"/>
+              <a:t> in </a:t>
+            </a:r>
+            <a:r>
+              <a:rPr lang="de-DE" dirty="0" err="1" smtClean="0"/>
+              <a:t>Unity</a:t>
+            </a:r>
+            <a:endParaRPr lang="de-DE" dirty="0"/>
+          </a:p>
+        </p:txBody>
+      </p:sp>
+      <p:sp>
+        <p:nvSpPr>
+          <p:cNvPr id="3" name="Inhaltsplatzhalter 2"/>
+          <p:cNvSpPr>
+            <a:spLocks noGrp="1"/>
+          </p:cNvSpPr>
+          <p:nvPr>
+            <p:ph idx="1"/>
+          </p:nvPr>
+        </p:nvSpPr>
+        <p:spPr/>
+        <p:txBody>
+          <a:bodyPr>
+            <a:normAutofit/>
+          </a:bodyPr>
+          <a:lstStyle/>
+          <a:p>
+            <a:r>
+              <a:rPr lang="de-DE" dirty="0" smtClean="0"/>
+              <a:t>Prime31</a:t>
+            </a:r>
+          </a:p>
+          <a:p>
+            <a:pPr lvl="1"/>
+            <a:r>
+              <a:rPr lang="de-DE" dirty="0" smtClean="0"/>
+              <a:t>Pro:</a:t>
+            </a:r>
+          </a:p>
+          <a:p>
+            <a:pPr lvl="2"/>
+            <a:r>
+              <a:rPr lang="de-DE" dirty="0" err="1" smtClean="0"/>
+              <a:t>iOS</a:t>
+            </a:r>
+            <a:r>
+              <a:rPr lang="de-DE" dirty="0" smtClean="0"/>
+              <a:t> SDK für Push </a:t>
+            </a:r>
+            <a:r>
+              <a:rPr lang="de-DE" dirty="0" err="1" smtClean="0"/>
+              <a:t>Notification</a:t>
+            </a:r>
+            <a:r>
+              <a:rPr lang="de-DE" dirty="0" smtClean="0"/>
+              <a:t> Empfang</a:t>
+            </a:r>
+          </a:p>
+          <a:p>
+            <a:pPr lvl="2"/>
+            <a:r>
+              <a:rPr lang="de-DE" dirty="0" err="1" smtClean="0"/>
+              <a:t>Android</a:t>
+            </a:r>
+            <a:r>
+              <a:rPr lang="de-DE" dirty="0" smtClean="0"/>
+              <a:t> SDK für Push </a:t>
+            </a:r>
+            <a:r>
+              <a:rPr lang="de-DE" dirty="0" err="1" smtClean="0"/>
+              <a:t>Notification</a:t>
+            </a:r>
+            <a:r>
+              <a:rPr lang="de-DE" dirty="0" smtClean="0"/>
+              <a:t> Empfang</a:t>
+            </a:r>
+          </a:p>
+          <a:p>
+            <a:pPr lvl="1"/>
+            <a:r>
+              <a:rPr lang="de-DE" dirty="0" smtClean="0"/>
+              <a:t>Con:</a:t>
+            </a:r>
+          </a:p>
+          <a:p>
+            <a:pPr lvl="2"/>
+            <a:r>
+              <a:rPr lang="de-DE" dirty="0" smtClean="0"/>
+              <a:t>Keine gemeinsame SDK für </a:t>
+            </a:r>
+            <a:r>
+              <a:rPr lang="de-DE" dirty="0" err="1" smtClean="0"/>
+              <a:t>iOS</a:t>
+            </a:r>
+            <a:r>
+              <a:rPr lang="de-DE" dirty="0" smtClean="0"/>
+              <a:t> und </a:t>
+            </a:r>
+            <a:r>
+              <a:rPr lang="de-DE" dirty="0" err="1" smtClean="0"/>
+              <a:t>Android</a:t>
+            </a:r>
+            <a:endParaRPr lang="de-DE" dirty="0" smtClean="0"/>
+          </a:p>
+          <a:p>
+            <a:pPr lvl="2"/>
+            <a:r>
+              <a:rPr lang="de-DE" dirty="0" smtClean="0"/>
+              <a:t>Kauf und Integration für beide </a:t>
+            </a:r>
+            <a:r>
+              <a:rPr lang="de-DE" dirty="0" err="1" smtClean="0"/>
+              <a:t>Notification</a:t>
+            </a:r>
+            <a:r>
+              <a:rPr lang="de-DE" dirty="0" smtClean="0"/>
+              <a:t> Typen nötig</a:t>
+            </a:r>
+          </a:p>
+          <a:p>
+            <a:pPr lvl="2"/>
+            <a:r>
+              <a:rPr lang="de-DE" dirty="0" smtClean="0"/>
+              <a:t>Nur client-seitige Lösung</a:t>
+            </a:r>
+          </a:p>
+          <a:p>
+            <a:pPr lvl="2"/>
+            <a:r>
+              <a:rPr lang="de-DE" dirty="0" smtClean="0"/>
+              <a:t>Keine kostenlose Testversion</a:t>
+            </a:r>
+          </a:p>
+        </p:txBody>
+      </p:sp>
+      <p:sp>
+        <p:nvSpPr>
+          <p:cNvPr id="6" name="Fußzeilenplatzhalter 5"/>
+          <p:cNvSpPr>
+            <a:spLocks noGrp="1"/>
+          </p:cNvSpPr>
+          <p:nvPr>
+            <p:ph type="ftr" sz="quarter" idx="11"/>
+          </p:nvPr>
+        </p:nvSpPr>
+        <p:spPr/>
+        <p:txBody>
+          <a:bodyPr/>
+          <a:lstStyle/>
+          <a:p>
+            <a:r>
+              <a:rPr lang="de-DE" smtClean="0"/>
+              <a:t>Aquatic Space - Back End</a:t>
+            </a:r>
+            <a:endParaRPr lang="de-DE"/>
+          </a:p>
+        </p:txBody>
+      </p:sp>
+      <p:sp>
+        <p:nvSpPr>
+          <p:cNvPr id="7" name="Foliennummernplatzhalter 6"/>
+          <p:cNvSpPr>
+            <a:spLocks noGrp="1"/>
+          </p:cNvSpPr>
+          <p:nvPr>
+            <p:ph type="sldNum" sz="quarter" idx="12"/>
+          </p:nvPr>
+        </p:nvSpPr>
+        <p:spPr/>
+        <p:txBody>
+          <a:bodyPr/>
+          <a:lstStyle/>
+          <a:p>
+            <a:fld id="{2E18F249-BDE3-A64A-9BF3-08DB2E7D85BD}" type="slidenum">
+              <a:rPr lang="de-DE" smtClean="0"/>
+              <a:t>8</a:t>
+            </a:fld>
+            <a:endParaRPr lang="de-DE"/>
+          </a:p>
+        </p:txBody>
+      </p:sp>
+      <p:pic>
+        <p:nvPicPr>
+          <p:cNvPr id="5" name="Bild 4"/>
+          <p:cNvPicPr>
+            <a:picLocks noChangeAspect="1"/>
+          </p:cNvPicPr>
+          <p:nvPr/>
+        </p:nvPicPr>
+        <p:blipFill>
+          <a:blip r:embed="rId2"/>
+          <a:stretch>
+            <a:fillRect/>
+          </a:stretch>
+        </p:blipFill>
+        <p:spPr>
+          <a:xfrm>
+            <a:off x="2467653" y="1145157"/>
+            <a:ext cx="1313093" cy="1313093"/>
+          </a:xfrm>
+          <a:prstGeom prst="rect">
+            <a:avLst/>
+          </a:prstGeom>
+        </p:spPr>
+      </p:pic>
+    </p:spTree>
+    <p:extLst>
+      <p:ext uri="{BB962C8B-B14F-4D97-AF65-F5344CB8AC3E}">
+        <p14:creationId xmlns:p14="http://schemas.microsoft.com/office/powerpoint/2010/main" val="2629037588"/>
+      </p:ext>
+    </p:extLst>
+  </p:cSld>
+  <p:clrMapOvr>
+    <a:masterClrMapping/>
+  </p:clrMapOvr>
+</p:sld>
+</file>
+
+<file path=ppt/slides/slide9.xml><?xml version="1.0" encoding="utf-8"?>
+<p:sld xmlns:a="http://schemas.openxmlformats.org/drawingml/2006/main" xmlns:r="http://schemas.openxmlformats.org/officeDocument/2006/relationships" xmlns:p="http://schemas.openxmlformats.org/presentationml/2006/main">
+  <p:cSld>
+    <p:spTree>
+      <p:nvGrpSpPr>
+        <p:cNvPr id="1" name=""/>
+        <p:cNvGrpSpPr/>
+        <p:nvPr/>
+      </p:nvGrpSpPr>
+      <p:grpSpPr>
+        <a:xfrm>
+          <a:off x="0" y="0"/>
+          <a:ext cx="0" cy="0"/>
+          <a:chOff x="0" y="0"/>
+          <a:chExt cx="0" cy="0"/>
+        </a:xfrm>
+      </p:grpSpPr>
+      <p:sp>
+        <p:nvSpPr>
+          <p:cNvPr id="2" name="Titel 1"/>
+          <p:cNvSpPr>
+            <a:spLocks noGrp="1"/>
+          </p:cNvSpPr>
+          <p:nvPr>
+            <p:ph type="title"/>
+          </p:nvPr>
+        </p:nvSpPr>
+        <p:spPr/>
+        <p:txBody>
+          <a:bodyPr/>
+          <a:lstStyle/>
+          <a:p>
+            <a:r>
+              <a:rPr lang="de-DE" dirty="0" smtClean="0"/>
+              <a:t>Cross </a:t>
+            </a:r>
+            <a:r>
+              <a:rPr lang="de-DE" dirty="0" err="1" smtClean="0"/>
+              <a:t>Notifications</a:t>
+            </a:r>
+            <a:r>
+              <a:rPr lang="de-DE" dirty="0" smtClean="0"/>
+              <a:t> in </a:t>
+            </a:r>
+            <a:r>
+              <a:rPr lang="de-DE" dirty="0" err="1" smtClean="0"/>
+              <a:t>Unity</a:t>
+            </a:r>
+            <a:endParaRPr lang="de-DE" dirty="0"/>
+          </a:p>
+        </p:txBody>
+      </p:sp>
+      <p:sp>
+        <p:nvSpPr>
+          <p:cNvPr id="3" name="Inhaltsplatzhalter 2"/>
+          <p:cNvSpPr>
+            <a:spLocks noGrp="1"/>
+          </p:cNvSpPr>
+          <p:nvPr>
+            <p:ph idx="1"/>
+          </p:nvPr>
+        </p:nvSpPr>
+        <p:spPr/>
+        <p:txBody>
+          <a:bodyPr>
+            <a:normAutofit/>
+          </a:bodyPr>
+          <a:lstStyle/>
+          <a:p>
+            <a:pPr marL="514350" indent="-457200"/>
+            <a:r>
+              <a:rPr lang="de-DE" dirty="0"/>
+              <a:t>Easy Cross-</a:t>
+            </a:r>
+            <a:r>
+              <a:rPr lang="de-DE" dirty="0" err="1"/>
+              <a:t>Platform</a:t>
+            </a:r>
+            <a:r>
+              <a:rPr lang="de-DE" dirty="0"/>
+              <a:t> </a:t>
+            </a:r>
+            <a:r>
+              <a:rPr lang="de-DE" dirty="0" err="1"/>
+              <a:t>Notifications</a:t>
+            </a:r>
+            <a:r>
+              <a:rPr lang="de-DE" dirty="0"/>
+              <a:t> </a:t>
+            </a:r>
+            <a:r>
+              <a:rPr lang="de-DE" dirty="0" err="1" smtClean="0"/>
+              <a:t>Plugin</a:t>
+            </a:r>
+            <a:endParaRPr lang="de-DE" dirty="0"/>
+          </a:p>
+          <a:p>
+            <a:pPr lvl="1"/>
+            <a:r>
+              <a:rPr lang="de-DE" dirty="0" smtClean="0"/>
+              <a:t>Pro:</a:t>
+            </a:r>
+          </a:p>
+          <a:p>
+            <a:pPr lvl="2"/>
+            <a:r>
+              <a:rPr lang="de-DE" dirty="0" smtClean="0"/>
+              <a:t>SDK für </a:t>
+            </a:r>
+            <a:r>
+              <a:rPr lang="de-DE" dirty="0" err="1" smtClean="0"/>
+              <a:t>iOS</a:t>
+            </a:r>
+            <a:r>
+              <a:rPr lang="de-DE" dirty="0" smtClean="0"/>
+              <a:t> &amp; </a:t>
+            </a:r>
+            <a:r>
+              <a:rPr lang="de-DE" dirty="0" err="1" smtClean="0"/>
+              <a:t>Android</a:t>
+            </a:r>
+            <a:r>
+              <a:rPr lang="de-DE" dirty="0" smtClean="0"/>
+              <a:t> Push </a:t>
+            </a:r>
+            <a:r>
+              <a:rPr lang="de-DE" dirty="0" err="1" smtClean="0"/>
+              <a:t>Notification</a:t>
+            </a:r>
+            <a:r>
+              <a:rPr lang="de-DE" dirty="0" smtClean="0"/>
+              <a:t> Empfang</a:t>
+            </a:r>
+          </a:p>
+          <a:p>
+            <a:pPr lvl="2"/>
+            <a:r>
+              <a:rPr lang="de-DE" dirty="0" smtClean="0"/>
+              <a:t>Einmalig 40€</a:t>
+            </a:r>
+          </a:p>
+          <a:p>
+            <a:pPr lvl="1"/>
+            <a:r>
+              <a:rPr lang="de-DE" dirty="0" smtClean="0"/>
+              <a:t>Con:</a:t>
+            </a:r>
+          </a:p>
+          <a:p>
+            <a:pPr lvl="2"/>
+            <a:r>
+              <a:rPr lang="de-DE" dirty="0"/>
+              <a:t>Keine kostenlose Testversion</a:t>
+            </a:r>
+          </a:p>
+          <a:p>
+            <a:pPr lvl="2"/>
+            <a:r>
+              <a:rPr lang="de-DE" dirty="0" smtClean="0"/>
+              <a:t>Nur client-seitige Lösung</a:t>
+            </a:r>
+          </a:p>
+        </p:txBody>
+      </p:sp>
+      <p:sp>
+        <p:nvSpPr>
+          <p:cNvPr id="6" name="Fußzeilenplatzhalter 5"/>
+          <p:cNvSpPr>
+            <a:spLocks noGrp="1"/>
+          </p:cNvSpPr>
+          <p:nvPr>
+            <p:ph type="ftr" sz="quarter" idx="11"/>
+          </p:nvPr>
+        </p:nvSpPr>
+        <p:spPr/>
+        <p:txBody>
+          <a:bodyPr/>
+          <a:lstStyle/>
+          <a:p>
+            <a:r>
+              <a:rPr lang="de-DE" smtClean="0"/>
+              <a:t>Aquatic Space - Back End</a:t>
+            </a:r>
+            <a:endParaRPr lang="de-DE"/>
+          </a:p>
+        </p:txBody>
+      </p:sp>
+      <p:sp>
+        <p:nvSpPr>
+          <p:cNvPr id="7" name="Foliennummernplatzhalter 6"/>
+          <p:cNvSpPr>
+            <a:spLocks noGrp="1"/>
+          </p:cNvSpPr>
+          <p:nvPr>
+            <p:ph type="sldNum" sz="quarter" idx="12"/>
+          </p:nvPr>
+        </p:nvSpPr>
+        <p:spPr/>
+        <p:txBody>
+          <a:bodyPr/>
+          <a:lstStyle/>
+          <a:p>
+            <a:fld id="{2E18F249-BDE3-A64A-9BF3-08DB2E7D85BD}" type="slidenum">
+              <a:rPr lang="de-DE" smtClean="0"/>
+              <a:t>9</a:t>
+            </a:fld>
+            <a:endParaRPr lang="de-DE"/>
+          </a:p>
+        </p:txBody>
+      </p:sp>
+    </p:spTree>
+    <p:extLst>
+      <p:ext uri="{BB962C8B-B14F-4D97-AF65-F5344CB8AC3E}">
+        <p14:creationId xmlns:p14="http://schemas.microsoft.com/office/powerpoint/2010/main" val="1177865438"/>
       </p:ext>
     </p:extLst>
   </p:cSld>
@@ -3590,4 +7312,644 @@
   </a:objectDefaults>
   <a:extraClrSchemeLst/>
 </a:theme>
+</file>
+
+<file path=ppt/theme/theme2.xml><?xml version="1.0" encoding="utf-8"?>
+<a:theme xmlns:a="http://schemas.openxmlformats.org/drawingml/2006/main" name="Office-Design">
+  <a:themeElements>
+    <a:clrScheme name="Office">
+      <a:dk1>
+        <a:sysClr val="windowText" lastClr="000000"/>
+      </a:dk1>
+      <a:lt1>
+        <a:sysClr val="window" lastClr="FFFFFF"/>
+      </a:lt1>
+      <a:dk2>
+        <a:srgbClr val="1F497D"/>
+      </a:dk2>
+      <a:lt2>
+        <a:srgbClr val="EEECE1"/>
+      </a:lt2>
+      <a:accent1>
+        <a:srgbClr val="4F81BD"/>
+      </a:accent1>
+      <a:accent2>
+        <a:srgbClr val="C0504D"/>
+      </a:accent2>
+      <a:accent3>
+        <a:srgbClr val="9BBB59"/>
+      </a:accent3>
+      <a:accent4>
+        <a:srgbClr val="8064A2"/>
+      </a:accent4>
+      <a:accent5>
+        <a:srgbClr val="4BACC6"/>
+      </a:accent5>
+      <a:accent6>
+        <a:srgbClr val="F79646"/>
+      </a:accent6>
+      <a:hlink>
+        <a:srgbClr val="0000FF"/>
+      </a:hlink>
+      <a:folHlink>
+        <a:srgbClr val="800080"/>
+      </a:folHlink>
+    </a:clrScheme>
+    <a:fontScheme name="Office">
+      <a:majorFont>
+        <a:latin typeface="Calibri"/>
+        <a:ea typeface=""/>
+        <a:cs typeface=""/>
+        <a:font script="Jpan" typeface="ＭＳ Ｐゴシック"/>
+        <a:font script="Hang" typeface="맑은 고딕"/>
+        <a:font script="Hans" typeface="宋体"/>
+        <a:font script="Hant" typeface="新細明體"/>
+        <a:font script="Arab" typeface="Times New Roman"/>
+        <a:font script="Hebr" typeface="Times New Roman"/>
+        <a:font script="Thai" typeface="Angsana New"/>
+        <a:font script="Ethi" typeface="Nyala"/>
+        <a:font script="Beng" typeface="Vrinda"/>
+        <a:font script="Gujr" typeface="Shruti"/>
+        <a:font script="Khmr" typeface="MoolBoran"/>
+        <a:font script="Knda" typeface="Tunga"/>
+        <a:font script="Guru" typeface="Raavi"/>
+        <a:font script="Cans" typeface="Euphemia"/>
+        <a:font script="Cher" typeface="Plantagenet Cherokee"/>
+        <a:font script="Yiii" typeface="Microsoft Yi Baiti"/>
+        <a:font script="Tibt" typeface="Microsoft Himalaya"/>
+        <a:font script="Thaa" typeface="MV Boli"/>
+        <a:font script="Deva" typeface="Mangal"/>
+        <a:font script="Telu" typeface="Gautami"/>
+        <a:font script="Taml" typeface="Latha"/>
+        <a:font script="Syrc" typeface="Estrangelo Edessa"/>
+        <a:font script="Orya" typeface="Kalinga"/>
+        <a:font script="Mlym" typeface="Kartika"/>
+        <a:font script="Laoo" typeface="DokChampa"/>
+        <a:font script="Sinh" typeface="Iskoola Pota"/>
+        <a:font script="Mong" typeface="Mongolian Baiti"/>
+        <a:font script="Viet" typeface="Times New Roman"/>
+        <a:font script="Uigh" typeface="Microsoft Uighur"/>
+        <a:font script="Geor" typeface="Sylfaen"/>
+      </a:majorFont>
+      <a:minorFont>
+        <a:latin typeface="Calibri"/>
+        <a:ea typeface=""/>
+        <a:cs typeface=""/>
+        <a:font script="Jpan" typeface="ＭＳ Ｐゴシック"/>
+        <a:font script="Hang" typeface="맑은 고딕"/>
+        <a:font script="Hans" typeface="宋体"/>
+        <a:font script="Hant" typeface="新細明體"/>
+        <a:font script="Arab" typeface="Arial"/>
+        <a:font script="Hebr" typeface="Arial"/>
+        <a:font script="Thai" typeface="Cordia New"/>
+        <a:font script="Ethi" typeface="Nyala"/>
+        <a:font script="Beng" typeface="Vrinda"/>
+        <a:font script="Gujr" typeface="Shruti"/>
+        <a:font script="Khmr" typeface="DaunPenh"/>
+        <a:font script="Knda" typeface="Tunga"/>
+        <a:font script="Guru" typeface="Raavi"/>
+        <a:font script="Cans" typeface="Euphemia"/>
+        <a:font script="Cher" typeface="Plantagenet Cherokee"/>
+        <a:font script="Yiii" typeface="Microsoft Yi Baiti"/>
+        <a:font script="Tibt" typeface="Microsoft Himalaya"/>
+        <a:font script="Thaa" typeface="MV Boli"/>
+        <a:font script="Deva" typeface="Mangal"/>
+        <a:font script="Telu" typeface="Gautami"/>
+        <a:font script="Taml" typeface="Latha"/>
+        <a:font script="Syrc" typeface="Estrangelo Edessa"/>
+        <a:font script="Orya" typeface="Kalinga"/>
+        <a:font script="Mlym" typeface="Kartika"/>
+        <a:font script="Laoo" typeface="DokChampa"/>
+        <a:font script="Sinh" typeface="Iskoola Pota"/>
+        <a:font script="Mong" typeface="Mongolian Baiti"/>
+        <a:font script="Viet" typeface="Arial"/>
+        <a:font script="Uigh" typeface="Microsoft Uighur"/>
+        <a:font script="Geor" typeface="Sylfaen"/>
+      </a:minorFont>
+    </a:fontScheme>
+    <a:fmtScheme name="Office">
+      <a:fillStyleLst>
+        <a:solidFill>
+          <a:schemeClr val="phClr"/>
+        </a:solidFill>
+        <a:gradFill rotWithShape="1">
+          <a:gsLst>
+            <a:gs pos="0">
+              <a:schemeClr val="phClr">
+                <a:tint val="50000"/>
+                <a:satMod val="300000"/>
+              </a:schemeClr>
+            </a:gs>
+            <a:gs pos="35000">
+              <a:schemeClr val="phClr">
+                <a:tint val="37000"/>
+                <a:satMod val="300000"/>
+              </a:schemeClr>
+            </a:gs>
+            <a:gs pos="100000">
+              <a:schemeClr val="phClr">
+                <a:tint val="15000"/>
+                <a:satMod val="350000"/>
+              </a:schemeClr>
+            </a:gs>
+          </a:gsLst>
+          <a:lin ang="16200000" scaled="1"/>
+        </a:gradFill>
+        <a:gradFill rotWithShape="1">
+          <a:gsLst>
+            <a:gs pos="0">
+              <a:schemeClr val="phClr">
+                <a:tint val="100000"/>
+                <a:shade val="100000"/>
+                <a:satMod val="130000"/>
+              </a:schemeClr>
+            </a:gs>
+            <a:gs pos="100000">
+              <a:schemeClr val="phClr">
+                <a:tint val="50000"/>
+                <a:shade val="100000"/>
+                <a:satMod val="350000"/>
+              </a:schemeClr>
+            </a:gs>
+          </a:gsLst>
+          <a:lin ang="16200000" scaled="0"/>
+        </a:gradFill>
+      </a:fillStyleLst>
+      <a:lnStyleLst>
+        <a:ln w="9525" cap="flat" cmpd="sng" algn="ctr">
+          <a:solidFill>
+            <a:schemeClr val="phClr">
+              <a:shade val="95000"/>
+              <a:satMod val="105000"/>
+            </a:schemeClr>
+          </a:solidFill>
+          <a:prstDash val="solid"/>
+        </a:ln>
+        <a:ln w="25400" cap="flat" cmpd="sng" algn="ctr">
+          <a:solidFill>
+            <a:schemeClr val="phClr"/>
+          </a:solidFill>
+          <a:prstDash val="solid"/>
+        </a:ln>
+        <a:ln w="38100" cap="flat" cmpd="sng" algn="ctr">
+          <a:solidFill>
+            <a:schemeClr val="phClr"/>
+          </a:solidFill>
+          <a:prstDash val="solid"/>
+        </a:ln>
+      </a:lnStyleLst>
+      <a:effectStyleLst>
+        <a:effectStyle>
+          <a:effectLst>
+            <a:outerShdw blurRad="40000" dist="20000" dir="5400000" rotWithShape="0">
+              <a:srgbClr val="000000">
+                <a:alpha val="38000"/>
+              </a:srgbClr>
+            </a:outerShdw>
+          </a:effectLst>
+        </a:effectStyle>
+        <a:effectStyle>
+          <a:effectLst>
+            <a:outerShdw blurRad="40000" dist="23000" dir="5400000" rotWithShape="0">
+              <a:srgbClr val="000000">
+                <a:alpha val="35000"/>
+              </a:srgbClr>
+            </a:outerShdw>
+          </a:effectLst>
+        </a:effectStyle>
+        <a:effectStyle>
+          <a:effectLst>
+            <a:outerShdw blurRad="40000" dist="23000" dir="5400000" rotWithShape="0">
+              <a:srgbClr val="000000">
+                <a:alpha val="35000"/>
+              </a:srgbClr>
+            </a:outerShdw>
+          </a:effectLst>
+          <a:scene3d>
+            <a:camera prst="orthographicFront">
+              <a:rot lat="0" lon="0" rev="0"/>
+            </a:camera>
+            <a:lightRig rig="threePt" dir="t">
+              <a:rot lat="0" lon="0" rev="1200000"/>
+            </a:lightRig>
+          </a:scene3d>
+          <a:sp3d>
+            <a:bevelT w="63500" h="25400"/>
+          </a:sp3d>
+        </a:effectStyle>
+      </a:effectStyleLst>
+      <a:bgFillStyleLst>
+        <a:solidFill>
+          <a:schemeClr val="phClr"/>
+        </a:solidFill>
+        <a:gradFill rotWithShape="1">
+          <a:gsLst>
+            <a:gs pos="0">
+              <a:schemeClr val="phClr">
+                <a:tint val="40000"/>
+                <a:satMod val="350000"/>
+              </a:schemeClr>
+            </a:gs>
+            <a:gs pos="40000">
+              <a:schemeClr val="phClr">
+                <a:tint val="45000"/>
+                <a:shade val="99000"/>
+                <a:satMod val="350000"/>
+              </a:schemeClr>
+            </a:gs>
+            <a:gs pos="100000">
+              <a:schemeClr val="phClr">
+                <a:shade val="20000"/>
+                <a:satMod val="255000"/>
+              </a:schemeClr>
+            </a:gs>
+          </a:gsLst>
+          <a:path path="circle">
+            <a:fillToRect l="50000" t="-80000" r="50000" b="180000"/>
+          </a:path>
+        </a:gradFill>
+        <a:gradFill rotWithShape="1">
+          <a:gsLst>
+            <a:gs pos="0">
+              <a:schemeClr val="phClr">
+                <a:tint val="80000"/>
+                <a:satMod val="300000"/>
+              </a:schemeClr>
+            </a:gs>
+            <a:gs pos="100000">
+              <a:schemeClr val="phClr">
+                <a:shade val="30000"/>
+                <a:satMod val="200000"/>
+              </a:schemeClr>
+            </a:gs>
+          </a:gsLst>
+          <a:path path="circle">
+            <a:fillToRect l="50000" t="50000" r="50000" b="50000"/>
+          </a:path>
+        </a:gradFill>
+      </a:bgFillStyleLst>
+    </a:fmtScheme>
+  </a:themeElements>
+  <a:objectDefaults>
+    <a:spDef>
+      <a:spPr/>
+      <a:bodyPr/>
+      <a:lstStyle/>
+      <a:style>
+        <a:lnRef idx="1">
+          <a:schemeClr val="accent1"/>
+        </a:lnRef>
+        <a:fillRef idx="3">
+          <a:schemeClr val="accent1"/>
+        </a:fillRef>
+        <a:effectRef idx="2">
+          <a:schemeClr val="accent1"/>
+        </a:effectRef>
+        <a:fontRef idx="minor">
+          <a:schemeClr val="lt1"/>
+        </a:fontRef>
+      </a:style>
+    </a:spDef>
+    <a:lnDef>
+      <a:spPr/>
+      <a:bodyPr/>
+      <a:lstStyle/>
+      <a:style>
+        <a:lnRef idx="2">
+          <a:schemeClr val="accent1"/>
+        </a:lnRef>
+        <a:fillRef idx="0">
+          <a:schemeClr val="accent1"/>
+        </a:fillRef>
+        <a:effectRef idx="1">
+          <a:schemeClr val="accent1"/>
+        </a:effectRef>
+        <a:fontRef idx="minor">
+          <a:schemeClr val="tx1"/>
+        </a:fontRef>
+      </a:style>
+    </a:lnDef>
+  </a:objectDefaults>
+  <a:extraClrSchemeLst/>
+</a:theme>
+</file>
+
+<file path=ppt/theme/theme3.xml><?xml version="1.0" encoding="utf-8"?>
+<a:theme xmlns:a="http://schemas.openxmlformats.org/drawingml/2006/main" name="Office-Design">
+  <a:themeElements>
+    <a:clrScheme name="Office">
+      <a:dk1>
+        <a:sysClr val="windowText" lastClr="000000"/>
+      </a:dk1>
+      <a:lt1>
+        <a:sysClr val="window" lastClr="FFFFFF"/>
+      </a:lt1>
+      <a:dk2>
+        <a:srgbClr val="1F497D"/>
+      </a:dk2>
+      <a:lt2>
+        <a:srgbClr val="EEECE1"/>
+      </a:lt2>
+      <a:accent1>
+        <a:srgbClr val="4F81BD"/>
+      </a:accent1>
+      <a:accent2>
+        <a:srgbClr val="C0504D"/>
+      </a:accent2>
+      <a:accent3>
+        <a:srgbClr val="9BBB59"/>
+      </a:accent3>
+      <a:accent4>
+        <a:srgbClr val="8064A2"/>
+      </a:accent4>
+      <a:accent5>
+        <a:srgbClr val="4BACC6"/>
+      </a:accent5>
+      <a:accent6>
+        <a:srgbClr val="F79646"/>
+      </a:accent6>
+      <a:hlink>
+        <a:srgbClr val="0000FF"/>
+      </a:hlink>
+      <a:folHlink>
+        <a:srgbClr val="800080"/>
+      </a:folHlink>
+    </a:clrScheme>
+    <a:fontScheme name="Office">
+      <a:majorFont>
+        <a:latin typeface="Calibri"/>
+        <a:ea typeface=""/>
+        <a:cs typeface=""/>
+        <a:font script="Jpan" typeface="ＭＳ Ｐゴシック"/>
+        <a:font script="Hang" typeface="맑은 고딕"/>
+        <a:font script="Hans" typeface="宋体"/>
+        <a:font script="Hant" typeface="新細明體"/>
+        <a:font script="Arab" typeface="Times New Roman"/>
+        <a:font script="Hebr" typeface="Times New Roman"/>
+        <a:font script="Thai" typeface="Angsana New"/>
+        <a:font script="Ethi" typeface="Nyala"/>
+        <a:font script="Beng" typeface="Vrinda"/>
+        <a:font script="Gujr" typeface="Shruti"/>
+        <a:font script="Khmr" typeface="MoolBoran"/>
+        <a:font script="Knda" typeface="Tunga"/>
+        <a:font script="Guru" typeface="Raavi"/>
+        <a:font script="Cans" typeface="Euphemia"/>
+        <a:font script="Cher" typeface="Plantagenet Cherokee"/>
+        <a:font script="Yiii" typeface="Microsoft Yi Baiti"/>
+        <a:font script="Tibt" typeface="Microsoft Himalaya"/>
+        <a:font script="Thaa" typeface="MV Boli"/>
+        <a:font script="Deva" typeface="Mangal"/>
+        <a:font script="Telu" typeface="Gautami"/>
+        <a:font script="Taml" typeface="Latha"/>
+        <a:font script="Syrc" typeface="Estrangelo Edessa"/>
+        <a:font script="Orya" typeface="Kalinga"/>
+        <a:font script="Mlym" typeface="Kartika"/>
+        <a:font script="Laoo" typeface="DokChampa"/>
+        <a:font script="Sinh" typeface="Iskoola Pota"/>
+        <a:font script="Mong" typeface="Mongolian Baiti"/>
+        <a:font script="Viet" typeface="Times New Roman"/>
+        <a:font script="Uigh" typeface="Microsoft Uighur"/>
+        <a:font script="Geor" typeface="Sylfaen"/>
+      </a:majorFont>
+      <a:minorFont>
+        <a:latin typeface="Calibri"/>
+        <a:ea typeface=""/>
+        <a:cs typeface=""/>
+        <a:font script="Jpan" typeface="ＭＳ Ｐゴシック"/>
+        <a:font script="Hang" typeface="맑은 고딕"/>
+        <a:font script="Hans" typeface="宋体"/>
+        <a:font script="Hant" typeface="新細明體"/>
+        <a:font script="Arab" typeface="Arial"/>
+        <a:font script="Hebr" typeface="Arial"/>
+        <a:font script="Thai" typeface="Cordia New"/>
+        <a:font script="Ethi" typeface="Nyala"/>
+        <a:font script="Beng" typeface="Vrinda"/>
+        <a:font script="Gujr" typeface="Shruti"/>
+        <a:font script="Khmr" typeface="DaunPenh"/>
+        <a:font script="Knda" typeface="Tunga"/>
+        <a:font script="Guru" typeface="Raavi"/>
+        <a:font script="Cans" typeface="Euphemia"/>
+        <a:font script="Cher" typeface="Plantagenet Cherokee"/>
+        <a:font script="Yiii" typeface="Microsoft Yi Baiti"/>
+        <a:font script="Tibt" typeface="Microsoft Himalaya"/>
+        <a:font script="Thaa" typeface="MV Boli"/>
+        <a:font script="Deva" typeface="Mangal"/>
+        <a:font script="Telu" typeface="Gautami"/>
+        <a:font script="Taml" typeface="Latha"/>
+        <a:font script="Syrc" typeface="Estrangelo Edessa"/>
+        <a:font script="Orya" typeface="Kalinga"/>
+        <a:font script="Mlym" typeface="Kartika"/>
+        <a:font script="Laoo" typeface="DokChampa"/>
+        <a:font script="Sinh" typeface="Iskoola Pota"/>
+        <a:font script="Mong" typeface="Mongolian Baiti"/>
+        <a:font script="Viet" typeface="Arial"/>
+        <a:font script="Uigh" typeface="Microsoft Uighur"/>
+        <a:font script="Geor" typeface="Sylfaen"/>
+      </a:minorFont>
+    </a:fontScheme>
+    <a:fmtScheme name="Office">
+      <a:fillStyleLst>
+        <a:solidFill>
+          <a:schemeClr val="phClr"/>
+        </a:solidFill>
+        <a:gradFill rotWithShape="1">
+          <a:gsLst>
+            <a:gs pos="0">
+              <a:schemeClr val="phClr">
+                <a:tint val="50000"/>
+                <a:satMod val="300000"/>
+              </a:schemeClr>
+            </a:gs>
+            <a:gs pos="35000">
+              <a:schemeClr val="phClr">
+                <a:tint val="37000"/>
+                <a:satMod val="300000"/>
+              </a:schemeClr>
+            </a:gs>
+            <a:gs pos="100000">
+              <a:schemeClr val="phClr">
+                <a:tint val="15000"/>
+                <a:satMod val="350000"/>
+              </a:schemeClr>
+            </a:gs>
+          </a:gsLst>
+          <a:lin ang="16200000" scaled="1"/>
+        </a:gradFill>
+        <a:gradFill rotWithShape="1">
+          <a:gsLst>
+            <a:gs pos="0">
+              <a:schemeClr val="phClr">
+                <a:tint val="100000"/>
+                <a:shade val="100000"/>
+                <a:satMod val="130000"/>
+              </a:schemeClr>
+            </a:gs>
+            <a:gs pos="100000">
+              <a:schemeClr val="phClr">
+                <a:tint val="50000"/>
+                <a:shade val="100000"/>
+                <a:satMod val="350000"/>
+              </a:schemeClr>
+            </a:gs>
+          </a:gsLst>
+          <a:lin ang="16200000" scaled="0"/>
+        </a:gradFill>
+      </a:fillStyleLst>
+      <a:lnStyleLst>
+        <a:ln w="9525" cap="flat" cmpd="sng" algn="ctr">
+          <a:solidFill>
+            <a:schemeClr val="phClr">
+              <a:shade val="95000"/>
+              <a:satMod val="105000"/>
+            </a:schemeClr>
+          </a:solidFill>
+          <a:prstDash val="solid"/>
+        </a:ln>
+        <a:ln w="25400" cap="flat" cmpd="sng" algn="ctr">
+          <a:solidFill>
+            <a:schemeClr val="phClr"/>
+          </a:solidFill>
+          <a:prstDash val="solid"/>
+        </a:ln>
+        <a:ln w="38100" cap="flat" cmpd="sng" algn="ctr">
+          <a:solidFill>
+            <a:schemeClr val="phClr"/>
+          </a:solidFill>
+          <a:prstDash val="solid"/>
+        </a:ln>
+      </a:lnStyleLst>
+      <a:effectStyleLst>
+        <a:effectStyle>
+          <a:effectLst>
+            <a:outerShdw blurRad="40000" dist="20000" dir="5400000" rotWithShape="0">
+              <a:srgbClr val="000000">
+                <a:alpha val="38000"/>
+              </a:srgbClr>
+            </a:outerShdw>
+          </a:effectLst>
+        </a:effectStyle>
+        <a:effectStyle>
+          <a:effectLst>
+            <a:outerShdw blurRad="40000" dist="23000" dir="5400000" rotWithShape="0">
+              <a:srgbClr val="000000">
+                <a:alpha val="35000"/>
+              </a:srgbClr>
+            </a:outerShdw>
+          </a:effectLst>
+        </a:effectStyle>
+        <a:effectStyle>
+          <a:effectLst>
+            <a:outerShdw blurRad="40000" dist="23000" dir="5400000" rotWithShape="0">
+              <a:srgbClr val="000000">
+                <a:alpha val="35000"/>
+              </a:srgbClr>
+            </a:outerShdw>
+          </a:effectLst>
+          <a:scene3d>
+            <a:camera prst="orthographicFront">
+              <a:rot lat="0" lon="0" rev="0"/>
+            </a:camera>
+            <a:lightRig rig="threePt" dir="t">
+              <a:rot lat="0" lon="0" rev="1200000"/>
+            </a:lightRig>
+          </a:scene3d>
+          <a:sp3d>
+            <a:bevelT w="63500" h="25400"/>
+          </a:sp3d>
+        </a:effectStyle>
+      </a:effectStyleLst>
+      <a:bgFillStyleLst>
+        <a:solidFill>
+          <a:schemeClr val="phClr"/>
+        </a:solidFill>
+        <a:gradFill rotWithShape="1">
+          <a:gsLst>
+            <a:gs pos="0">
+              <a:schemeClr val="phClr">
+                <a:tint val="40000"/>
+                <a:satMod val="350000"/>
+              </a:schemeClr>
+            </a:gs>
+            <a:gs pos="40000">
+              <a:schemeClr val="phClr">
+                <a:tint val="45000"/>
+                <a:shade val="99000"/>
+                <a:satMod val="350000"/>
+              </a:schemeClr>
+            </a:gs>
+            <a:gs pos="100000">
+              <a:schemeClr val="phClr">
+                <a:shade val="20000"/>
+                <a:satMod val="255000"/>
+              </a:schemeClr>
+            </a:gs>
+          </a:gsLst>
+          <a:path path="circle">
+            <a:fillToRect l="50000" t="-80000" r="50000" b="180000"/>
+          </a:path>
+        </a:gradFill>
+        <a:gradFill rotWithShape="1">
+          <a:gsLst>
+            <a:gs pos="0">
+              <a:schemeClr val="phClr">
+                <a:tint val="80000"/>
+                <a:satMod val="300000"/>
+              </a:schemeClr>
+            </a:gs>
+            <a:gs pos="100000">
+              <a:schemeClr val="phClr">
+                <a:shade val="30000"/>
+                <a:satMod val="200000"/>
+              </a:schemeClr>
+            </a:gs>
+          </a:gsLst>
+          <a:path path="circle">
+            <a:fillToRect l="50000" t="50000" r="50000" b="50000"/>
+          </a:path>
+        </a:gradFill>
+      </a:bgFillStyleLst>
+    </a:fmtScheme>
+  </a:themeElements>
+  <a:objectDefaults>
+    <a:spDef>
+      <a:spPr/>
+      <a:bodyPr/>
+      <a:lstStyle/>
+      <a:style>
+        <a:lnRef idx="1">
+          <a:schemeClr val="accent1"/>
+        </a:lnRef>
+        <a:fillRef idx="3">
+          <a:schemeClr val="accent1"/>
+        </a:fillRef>
+        <a:effectRef idx="2">
+          <a:schemeClr val="accent1"/>
+        </a:effectRef>
+        <a:fontRef idx="minor">
+          <a:schemeClr val="lt1"/>
+        </a:fontRef>
+      </a:style>
+    </a:spDef>
+    <a:lnDef>
+      <a:spPr/>
+      <a:bodyPr/>
+      <a:lstStyle/>
+      <a:style>
+        <a:lnRef idx="2">
+          <a:schemeClr val="accent1"/>
+        </a:lnRef>
+        <a:fillRef idx="0">
+          <a:schemeClr val="accent1"/>
+        </a:fillRef>
+        <a:effectRef idx="1">
+          <a:schemeClr val="accent1"/>
+        </a:effectRef>
+        <a:fontRef idx="minor">
+          <a:schemeClr val="tx1"/>
+        </a:fontRef>
+      </a:style>
+    </a:lnDef>
+  </a:objectDefaults>
+  <a:extraClrSchemeLst/>
+</a:theme>
 </file>
--- a/Dokumentation/Back End.pptx
+++ b/Dokumentation/Back End.pptx
@@ -5,10 +5,10 @@
     <p:sldMasterId id="2147483648" r:id="rId1"/>
   </p:sldMasterIdLst>
   <p:notesMasterIdLst>
-    <p:notesMasterId r:id="rId14"/>
+    <p:notesMasterId r:id="rId16"/>
   </p:notesMasterIdLst>
   <p:handoutMasterIdLst>
-    <p:handoutMasterId r:id="rId15"/>
+    <p:handoutMasterId r:id="rId17"/>
   </p:handoutMasterIdLst>
   <p:sldIdLst>
     <p:sldId id="256" r:id="rId2"/>
@@ -19,10 +19,12 @@
     <p:sldId id="263" r:id="rId7"/>
     <p:sldId id="267" r:id="rId8"/>
     <p:sldId id="265" r:id="rId9"/>
-    <p:sldId id="268" r:id="rId10"/>
-    <p:sldId id="264" r:id="rId11"/>
-    <p:sldId id="266" r:id="rId12"/>
-    <p:sldId id="269" r:id="rId13"/>
+    <p:sldId id="264" r:id="rId10"/>
+    <p:sldId id="266" r:id="rId11"/>
+    <p:sldId id="269" r:id="rId12"/>
+    <p:sldId id="268" r:id="rId13"/>
+    <p:sldId id="270" r:id="rId14"/>
+    <p:sldId id="271" r:id="rId15"/>
   </p:sldIdLst>
   <p:sldSz cx="9144000" cy="6858000" type="screen4x3"/>
   <p:notesSz cx="6858000" cy="9144000"/>
@@ -206,7 +208,7 @@
           <a:p>
             <a:fld id="{33F124CA-B914-F340-A109-E5531EDBFE7B}" type="datetimeFigureOut">
               <a:rPr lang="de-DE" smtClean="0"/>
-              <a:t>22/10/13</a:t>
+              <a:t>28/10/13</a:t>
             </a:fld>
             <a:endParaRPr lang="de-DE"/>
           </a:p>
@@ -372,7 +374,7 @@
           <a:p>
             <a:fld id="{1F044181-0ADD-D848-826A-A7744A795D5C}" type="datetimeFigureOut">
               <a:rPr lang="de-DE" smtClean="0"/>
-              <a:t>22/10/13</a:t>
+              <a:t>28/10/13</a:t>
             </a:fld>
             <a:endParaRPr lang="de-DE"/>
           </a:p>
@@ -822,7 +824,7 @@
           <a:p>
             <a:fld id="{03705AC5-A19C-8F4A-8847-368AED4628EF}" type="datetime1">
               <a:rPr lang="en-US" smtClean="0"/>
-              <a:t>22/10/13</a:t>
+              <a:t>28/10/13</a:t>
             </a:fld>
             <a:endParaRPr lang="de-DE"/>
           </a:p>
@@ -996,7 +998,7 @@
           <a:p>
             <a:fld id="{8D69D4D6-CCA3-944B-B9B0-C5D2AE8842BE}" type="datetime1">
               <a:rPr lang="en-US" smtClean="0"/>
-              <a:t>22/10/13</a:t>
+              <a:t>28/10/13</a:t>
             </a:fld>
             <a:endParaRPr lang="de-DE"/>
           </a:p>
@@ -1180,7 +1182,7 @@
           <a:p>
             <a:fld id="{A9423939-50B2-2A47-9BDE-BA876C40CB93}" type="datetime1">
               <a:rPr lang="en-US" smtClean="0"/>
-              <a:t>22/10/13</a:t>
+              <a:t>28/10/13</a:t>
             </a:fld>
             <a:endParaRPr lang="de-DE"/>
           </a:p>
@@ -1354,7 +1356,7 @@
           <a:p>
             <a:fld id="{B54C1B48-3F9B-1C40-8516-F06ECAB12DA3}" type="datetime1">
               <a:rPr lang="en-US" smtClean="0"/>
-              <a:t>22/10/13</a:t>
+              <a:t>28/10/13</a:t>
             </a:fld>
             <a:endParaRPr lang="de-DE"/>
           </a:p>
@@ -1604,7 +1606,7 @@
           <a:p>
             <a:fld id="{36C3DBB7-E33A-814B-B85A-4792887613D1}" type="datetime1">
               <a:rPr lang="en-US" smtClean="0"/>
-              <a:t>22/10/13</a:t>
+              <a:t>28/10/13</a:t>
             </a:fld>
             <a:endParaRPr lang="de-DE"/>
           </a:p>
@@ -1896,7 +1898,7 @@
           <a:p>
             <a:fld id="{65CC0F5B-549C-2B4F-8CF7-E94518D3615E}" type="datetime1">
               <a:rPr lang="en-US" smtClean="0"/>
-              <a:t>22/10/13</a:t>
+              <a:t>28/10/13</a:t>
             </a:fld>
             <a:endParaRPr lang="de-DE"/>
           </a:p>
@@ -2322,7 +2324,7 @@
           <a:p>
             <a:fld id="{445C7767-5940-754C-9925-7413CC08C9F8}" type="datetime1">
               <a:rPr lang="en-US" smtClean="0"/>
-              <a:t>22/10/13</a:t>
+              <a:t>28/10/13</a:t>
             </a:fld>
             <a:endParaRPr lang="de-DE"/>
           </a:p>
@@ -2444,7 +2446,7 @@
           <a:p>
             <a:fld id="{3DB1C466-6B9C-634C-89EA-6BE2E70DFFC9}" type="datetime1">
               <a:rPr lang="en-US" smtClean="0"/>
-              <a:t>22/10/13</a:t>
+              <a:t>28/10/13</a:t>
             </a:fld>
             <a:endParaRPr lang="de-DE"/>
           </a:p>
@@ -2543,7 +2545,7 @@
           <a:p>
             <a:fld id="{A54D34DD-1964-B44A-86EF-0290DFB02D2A}" type="datetime1">
               <a:rPr lang="en-US" smtClean="0"/>
-              <a:t>22/10/13</a:t>
+              <a:t>28/10/13</a:t>
             </a:fld>
             <a:endParaRPr lang="de-DE"/>
           </a:p>
@@ -2824,7 +2826,7 @@
           <a:p>
             <a:fld id="{2D6F8105-FA6B-7741-BEA0-22A7A51280B8}" type="datetime1">
               <a:rPr lang="en-US" smtClean="0"/>
-              <a:t>22/10/13</a:t>
+              <a:t>28/10/13</a:t>
             </a:fld>
             <a:endParaRPr lang="de-DE"/>
           </a:p>
@@ -3081,7 +3083,7 @@
           <a:p>
             <a:fld id="{A03BE7BD-543F-0448-924F-CE9E00F7CCF1}" type="datetime1">
               <a:rPr lang="en-US" smtClean="0"/>
-              <a:t>22/10/13</a:t>
+              <a:t>28/10/13</a:t>
             </a:fld>
             <a:endParaRPr lang="de-DE"/>
           </a:p>
@@ -3298,7 +3300,7 @@
           <a:p>
             <a:fld id="{88545085-6269-0C4B-BCEC-96F885BD1360}" type="datetime1">
               <a:rPr lang="en-US" smtClean="0"/>
-              <a:t>22/10/13</a:t>
+              <a:t>28/10/13</a:t>
             </a:fld>
             <a:endParaRPr lang="de-DE"/>
           </a:p>
@@ -3858,7 +3860,7 @@
           <a:p>
             <a:r>
               <a:rPr lang="de-DE" dirty="0" err="1" smtClean="0"/>
-              <a:t>PhoneGap</a:t>
+              <a:t>Xamarin</a:t>
             </a:r>
             <a:endParaRPr lang="de-DE" dirty="0" smtClean="0"/>
           </a:p>
@@ -3893,6 +3895,25 @@
             </a:r>
           </a:p>
           <a:p>
+            <a:pPr lvl="2"/>
+            <a:r>
+              <a:rPr lang="de-DE" dirty="0" smtClean="0"/>
+              <a:t>Parse SDK für Push </a:t>
+            </a:r>
+            <a:r>
+              <a:rPr lang="de-DE" dirty="0" err="1" smtClean="0"/>
+              <a:t>Notifications</a:t>
+            </a:r>
+            <a:endParaRPr lang="de-DE" dirty="0" smtClean="0"/>
+          </a:p>
+          <a:p>
+            <a:pPr lvl="2"/>
+            <a:r>
+              <a:rPr lang="de-DE" dirty="0" smtClean="0"/>
+              <a:t>Kostenlose Version verwendbar</a:t>
+            </a:r>
+          </a:p>
+          <a:p>
             <a:pPr lvl="1"/>
             <a:r>
               <a:rPr lang="de-DE" dirty="0" smtClean="0"/>
@@ -3903,58 +3924,72 @@
             <a:pPr lvl="2"/>
             <a:r>
               <a:rPr lang="de-DE" dirty="0" smtClean="0"/>
-              <a:t>Push </a:t>
-            </a:r>
-            <a:r>
-              <a:rPr lang="de-DE" dirty="0" err="1" smtClean="0"/>
-              <a:t>Notifications</a:t>
-            </a:r>
-            <a:r>
-              <a:rPr lang="de-DE" dirty="0" smtClean="0"/>
-              <a:t> nur durch </a:t>
-            </a:r>
-            <a:r>
-              <a:rPr lang="de-DE" dirty="0" err="1" smtClean="0"/>
-              <a:t>Plugins</a:t>
-            </a:r>
-            <a:r>
-              <a:rPr lang="de-DE" dirty="0" smtClean="0"/>
-              <a:t> </a:t>
-            </a:r>
-            <a:r>
-              <a:rPr lang="de-DE" dirty="0" err="1" smtClean="0"/>
-              <a:t>einbindbar</a:t>
-            </a:r>
+              <a:t>Cross-</a:t>
+            </a:r>
+            <a:r>
+              <a:rPr lang="de-DE" dirty="0" err="1" smtClean="0"/>
+              <a:t>Platform</a:t>
+            </a:r>
+            <a:r>
+              <a:rPr lang="de-DE" dirty="0" smtClean="0"/>
+              <a:t> Projekt schwierig aufzusetzen</a:t>
+            </a:r>
+          </a:p>
+          <a:p>
+            <a:pPr lvl="2"/>
             <a:endParaRPr lang="de-DE" dirty="0" smtClean="0"/>
           </a:p>
-          <a:p>
-            <a:pPr lvl="2"/>
-            <a:r>
-              <a:rPr lang="de-DE" dirty="0" smtClean="0"/>
-              <a:t>Schönere Alternative: </a:t>
-            </a:r>
-            <a:r>
-              <a:rPr lang="de-DE" dirty="0" err="1" smtClean="0"/>
-              <a:t>Xamarin</a:t>
-            </a:r>
-            <a:r>
-              <a:rPr lang="de-DE" dirty="0" smtClean="0"/>
-              <a:t> + </a:t>
-            </a:r>
-            <a:r>
-              <a:rPr lang="de-DE" dirty="0" smtClean="0"/>
-              <a:t>Parse </a:t>
-            </a:r>
-            <a:r>
-              <a:rPr lang="de-DE" dirty="0" smtClean="0"/>
-              <a:t>SDK</a:t>
-            </a:r>
+        </p:txBody>
+      </p:sp>
+      <p:sp>
+        <p:nvSpPr>
+          <p:cNvPr id="6" name="Fußzeilenplatzhalter 5"/>
+          <p:cNvSpPr>
+            <a:spLocks noGrp="1"/>
+          </p:cNvSpPr>
+          <p:nvPr>
+            <p:ph type="ftr" sz="quarter" idx="11"/>
+          </p:nvPr>
+        </p:nvSpPr>
+        <p:spPr/>
+        <p:txBody>
+          <a:bodyPr/>
+          <a:lstStyle/>
+          <a:p>
+            <a:r>
+              <a:rPr lang="de-DE" smtClean="0"/>
+              <a:t>Aquatic Space - Back End</a:t>
+            </a:r>
+            <a:endParaRPr lang="de-DE"/>
+          </a:p>
+        </p:txBody>
+      </p:sp>
+      <p:sp>
+        <p:nvSpPr>
+          <p:cNvPr id="7" name="Foliennummernplatzhalter 6"/>
+          <p:cNvSpPr>
+            <a:spLocks noGrp="1"/>
+          </p:cNvSpPr>
+          <p:nvPr>
+            <p:ph type="sldNum" sz="quarter" idx="12"/>
+          </p:nvPr>
+        </p:nvSpPr>
+        <p:spPr/>
+        <p:txBody>
+          <a:bodyPr/>
+          <a:lstStyle/>
+          <a:p>
+            <a:fld id="{2E18F249-BDE3-A64A-9BF3-08DB2E7D85BD}" type="slidenum">
+              <a:rPr lang="de-DE" smtClean="0"/>
+              <a:t>10</a:t>
+            </a:fld>
+            <a:endParaRPr lang="de-DE"/>
           </a:p>
         </p:txBody>
       </p:sp>
       <p:pic>
         <p:nvPicPr>
-          <p:cNvPr id="5" name="Bild 4"/>
+          <p:cNvPr id="4" name="Bild 3"/>
           <p:cNvPicPr>
             <a:picLocks noChangeAspect="1"/>
           </p:cNvPicPr>
@@ -3968,8 +4003,8 @@
         </p:blipFill>
         <p:spPr>
           <a:xfrm>
-            <a:off x="3021453" y="1244135"/>
-            <a:ext cx="1344577" cy="1344577"/>
+            <a:off x="2704207" y="1417638"/>
+            <a:ext cx="1053098" cy="1053098"/>
           </a:xfrm>
           <a:prstGeom prst="rect">
             <a:avLst/>
@@ -3978,54 +4013,134 @@
       </p:pic>
       <p:sp>
         <p:nvSpPr>
-          <p:cNvPr id="6" name="Fußzeilenplatzhalter 5"/>
-          <p:cNvSpPr>
-            <a:spLocks noGrp="1"/>
-          </p:cNvSpPr>
-          <p:nvPr>
-            <p:ph type="ftr" sz="quarter" idx="11"/>
-          </p:nvPr>
-        </p:nvSpPr>
-        <p:spPr/>
-        <p:txBody>
-          <a:bodyPr/>
-          <a:lstStyle/>
-          <a:p>
-            <a:r>
-              <a:rPr lang="de-DE" smtClean="0"/>
-              <a:t>Aquatic Space - Back End</a:t>
-            </a:r>
-            <a:endParaRPr lang="de-DE"/>
-          </a:p>
-        </p:txBody>
-      </p:sp>
-      <p:sp>
-        <p:nvSpPr>
-          <p:cNvPr id="7" name="Foliennummernplatzhalter 6"/>
-          <p:cNvSpPr>
-            <a:spLocks noGrp="1"/>
-          </p:cNvSpPr>
-          <p:nvPr>
-            <p:ph type="sldNum" sz="quarter" idx="12"/>
-          </p:nvPr>
-        </p:nvSpPr>
-        <p:spPr/>
-        <p:txBody>
-          <a:bodyPr/>
-          <a:lstStyle/>
-          <a:p>
-            <a:fld id="{2E18F249-BDE3-A64A-9BF3-08DB2E7D85BD}" type="slidenum">
-              <a:rPr lang="de-DE" smtClean="0"/>
-              <a:t>10</a:t>
-            </a:fld>
-            <a:endParaRPr lang="de-DE"/>
+          <p:cNvPr id="8" name="Textfeld 7"/>
+          <p:cNvSpPr txBox="1"/>
+          <p:nvPr/>
+        </p:nvSpPr>
+        <p:spPr>
+          <a:xfrm>
+            <a:off x="457200" y="5164126"/>
+            <a:ext cx="8085946" cy="646331"/>
+          </a:xfrm>
+          <a:prstGeom prst="rect">
+            <a:avLst/>
+          </a:prstGeom>
+          <a:noFill/>
+        </p:spPr>
+        <p:txBody>
+          <a:bodyPr wrap="square" rtlCol="0">
+            <a:spAutoFit/>
+          </a:bodyPr>
+          <a:lstStyle/>
+          <a:p>
+            <a:r>
+              <a:rPr lang="de-DE" sz="3600" b="1" dirty="0" smtClean="0">
+                <a:ln w="12700">
+                  <a:solidFill>
+                    <a:schemeClr val="tx2">
+                      <a:satMod val="155000"/>
+                    </a:schemeClr>
+                  </a:solidFill>
+                  <a:prstDash val="solid"/>
+                </a:ln>
+                <a:solidFill>
+                  <a:schemeClr val="bg2">
+                    <a:tint val="85000"/>
+                    <a:satMod val="155000"/>
+                  </a:schemeClr>
+                </a:solidFill>
+                <a:effectLst>
+                  <a:outerShdw blurRad="41275" dist="20320" dir="1800000" algn="tl" rotWithShape="0">
+                    <a:srgbClr val="000000">
+                      <a:alpha val="40000"/>
+                    </a:srgbClr>
+                  </a:outerShdw>
+                </a:effectLst>
+              </a:rPr>
+              <a:t>1. Wahl für Entwicklung der </a:t>
+            </a:r>
+            <a:r>
+              <a:rPr lang="de-DE" sz="3600" b="1" dirty="0" err="1" smtClean="0">
+                <a:ln w="12700">
+                  <a:solidFill>
+                    <a:schemeClr val="tx2">
+                      <a:satMod val="155000"/>
+                    </a:schemeClr>
+                  </a:solidFill>
+                  <a:prstDash val="solid"/>
+                </a:ln>
+                <a:solidFill>
+                  <a:schemeClr val="bg2">
+                    <a:tint val="85000"/>
+                    <a:satMod val="155000"/>
+                  </a:schemeClr>
+                </a:solidFill>
+                <a:effectLst>
+                  <a:outerShdw blurRad="41275" dist="20320" dir="1800000" algn="tl" rotWithShape="0">
+                    <a:srgbClr val="000000">
+                      <a:alpha val="40000"/>
+                    </a:srgbClr>
+                  </a:outerShdw>
+                </a:effectLst>
+              </a:rPr>
+              <a:t>Parents</a:t>
+            </a:r>
+            <a:r>
+              <a:rPr lang="de-DE" sz="3600" b="1" dirty="0" smtClean="0">
+                <a:ln w="12700">
+                  <a:solidFill>
+                    <a:schemeClr val="tx2">
+                      <a:satMod val="155000"/>
+                    </a:schemeClr>
+                  </a:solidFill>
+                  <a:prstDash val="solid"/>
+                </a:ln>
+                <a:solidFill>
+                  <a:schemeClr val="bg2">
+                    <a:tint val="85000"/>
+                    <a:satMod val="155000"/>
+                  </a:schemeClr>
+                </a:solidFill>
+                <a:effectLst>
+                  <a:outerShdw blurRad="41275" dist="20320" dir="1800000" algn="tl" rotWithShape="0">
+                    <a:srgbClr val="000000">
+                      <a:alpha val="40000"/>
+                    </a:srgbClr>
+                  </a:outerShdw>
+                </a:effectLst>
+              </a:rPr>
+              <a:t>-App</a:t>
+            </a:r>
+            <a:endParaRPr lang="de-DE" sz="3600" b="1" dirty="0">
+              <a:ln w="12700">
+                <a:solidFill>
+                  <a:schemeClr val="tx2">
+                    <a:satMod val="155000"/>
+                  </a:schemeClr>
+                </a:solidFill>
+                <a:prstDash val="solid"/>
+              </a:ln>
+              <a:solidFill>
+                <a:schemeClr val="bg2">
+                  <a:tint val="85000"/>
+                  <a:satMod val="155000"/>
+                </a:schemeClr>
+              </a:solidFill>
+              <a:effectLst>
+                <a:outerShdw blurRad="41275" dist="20320" dir="1800000" algn="tl" rotWithShape="0">
+                  <a:srgbClr val="000000">
+                    <a:alpha val="40000"/>
+                  </a:srgbClr>
+                </a:outerShdw>
+              </a:effectLst>
+            </a:endParaRPr>
           </a:p>
         </p:txBody>
       </p:sp>
     </p:spTree>
     <p:extLst>
       <p:ext uri="{BB962C8B-B14F-4D97-AF65-F5344CB8AC3E}">
-        <p14:creationId xmlns:p14="http://schemas.microsoft.com/office/powerpoint/2010/main" val="857423768"/>
+        <p14:creationId xmlns:p14="http://schemas.microsoft.com/office/powerpoint/2010/main" val="3256619057"/>
       </p:ext>
     </p:extLst>
   </p:cSld>
@@ -4105,84 +4220,107 @@
           <a:lstStyle/>
           <a:p>
             <a:r>
-              <a:rPr lang="de-DE" dirty="0" err="1" smtClean="0"/>
-              <a:t>Xamarin</a:t>
+              <a:rPr lang="de-DE" dirty="0" smtClean="0"/>
+              <a:t>Hydra</a:t>
+            </a:r>
+          </a:p>
+          <a:p>
+            <a:pPr lvl="1"/>
+            <a:r>
+              <a:rPr lang="de-DE" dirty="0" smtClean="0"/>
+              <a:t>Pro:</a:t>
+            </a:r>
+          </a:p>
+          <a:p>
+            <a:pPr lvl="2"/>
+            <a:r>
+              <a:rPr lang="de-DE" dirty="0" err="1" smtClean="0"/>
+              <a:t>Unity</a:t>
+            </a:r>
+            <a:r>
+              <a:rPr lang="de-DE" dirty="0" smtClean="0"/>
+              <a:t> SDK für </a:t>
+            </a:r>
+            <a:r>
+              <a:rPr lang="de-DE" dirty="0" err="1" smtClean="0"/>
+              <a:t>iOS</a:t>
+            </a:r>
+            <a:r>
+              <a:rPr lang="de-DE" dirty="0" smtClean="0"/>
+              <a:t> &amp; </a:t>
+            </a:r>
+            <a:r>
+              <a:rPr lang="de-DE" dirty="0" err="1" smtClean="0"/>
+              <a:t>Android</a:t>
             </a:r>
             <a:endParaRPr lang="de-DE" dirty="0" smtClean="0"/>
           </a:p>
           <a:p>
+            <a:pPr lvl="2"/>
+            <a:r>
+              <a:rPr lang="de-DE" dirty="0" smtClean="0"/>
+              <a:t>Push-</a:t>
+            </a:r>
+            <a:r>
+              <a:rPr lang="de-DE" dirty="0" err="1" smtClean="0"/>
+              <a:t>Notifications</a:t>
+            </a:r>
+            <a:r>
+              <a:rPr lang="de-DE" dirty="0" smtClean="0"/>
+              <a:t>, Broadcasts,</a:t>
+            </a:r>
+          </a:p>
+          <a:p>
+            <a:pPr lvl="2"/>
+            <a:r>
+              <a:rPr lang="de-DE" dirty="0" smtClean="0"/>
+              <a:t>Match-Making</a:t>
+            </a:r>
+          </a:p>
+          <a:p>
+            <a:pPr lvl="2"/>
+            <a:r>
+              <a:rPr lang="de-DE" dirty="0" err="1" smtClean="0"/>
+              <a:t>Stats</a:t>
+            </a:r>
+            <a:r>
+              <a:rPr lang="de-DE" dirty="0" smtClean="0"/>
+              <a:t>, </a:t>
+            </a:r>
+            <a:r>
+              <a:rPr lang="de-DE" dirty="0" err="1" smtClean="0"/>
+              <a:t>Leaderboard</a:t>
+            </a:r>
+            <a:r>
+              <a:rPr lang="de-DE" dirty="0" smtClean="0"/>
+              <a:t>, </a:t>
+            </a:r>
+            <a:r>
+              <a:rPr lang="de-DE" dirty="0" err="1" smtClean="0"/>
+              <a:t>Achievements</a:t>
+            </a:r>
+            <a:endParaRPr lang="de-DE" dirty="0" smtClean="0"/>
+          </a:p>
+          <a:p>
             <a:pPr lvl="1"/>
             <a:r>
               <a:rPr lang="de-DE" dirty="0" smtClean="0"/>
-              <a:t>Pro:</a:t>
+              <a:t>Con:</a:t>
             </a:r>
           </a:p>
           <a:p>
             <a:pPr lvl="2"/>
             <a:r>
               <a:rPr lang="de-DE" dirty="0" smtClean="0"/>
-              <a:t>Hilfreich für Cross-</a:t>
-            </a:r>
-            <a:r>
-              <a:rPr lang="de-DE" dirty="0" err="1" smtClean="0"/>
-              <a:t>Platform</a:t>
-            </a:r>
-            <a:r>
-              <a:rPr lang="de-DE" dirty="0" smtClean="0"/>
-              <a:t> </a:t>
-            </a:r>
-            <a:r>
-              <a:rPr lang="de-DE" dirty="0" err="1" smtClean="0"/>
-              <a:t>Parents</a:t>
-            </a:r>
-            <a:r>
-              <a:rPr lang="de-DE" dirty="0" smtClean="0"/>
-              <a:t>-App</a:t>
-            </a:r>
-          </a:p>
-          <a:p>
-            <a:pPr lvl="2"/>
-            <a:r>
-              <a:rPr lang="de-DE" dirty="0" smtClean="0"/>
-              <a:t>Parse </a:t>
-            </a:r>
-            <a:r>
-              <a:rPr lang="de-DE" dirty="0" smtClean="0"/>
-              <a:t>SDK für Push </a:t>
+              <a:t>Push-</a:t>
             </a:r>
             <a:r>
               <a:rPr lang="de-DE" dirty="0" err="1" smtClean="0"/>
               <a:t>Notifications</a:t>
             </a:r>
-            <a:endParaRPr lang="de-DE" dirty="0" smtClean="0"/>
-          </a:p>
-          <a:p>
-            <a:pPr lvl="2"/>
-            <a:r>
-              <a:rPr lang="de-DE" dirty="0" smtClean="0"/>
-              <a:t>Kostenlose Version verwendbar</a:t>
-            </a:r>
-          </a:p>
-          <a:p>
-            <a:pPr lvl="1"/>
-            <a:r>
-              <a:rPr lang="de-DE" dirty="0" smtClean="0"/>
-              <a:t>Con:</a:t>
-            </a:r>
-          </a:p>
-          <a:p>
-            <a:pPr lvl="2"/>
-            <a:r>
-              <a:rPr lang="de-DE" dirty="0" smtClean="0"/>
-              <a:t>Cross-</a:t>
-            </a:r>
-            <a:r>
-              <a:rPr lang="de-DE" dirty="0" err="1" smtClean="0"/>
-              <a:t>Platform</a:t>
-            </a:r>
-            <a:r>
-              <a:rPr lang="de-DE" dirty="0" smtClean="0"/>
-              <a:t> Projekt schwierig aufzusetzen</a:t>
+            <a:r>
+              <a:rPr lang="de-DE" dirty="0" smtClean="0"/>
+              <a:t> in API noch nicht gefunden</a:t>
             </a:r>
           </a:p>
           <a:p>
@@ -4232,400 +4370,6 @@
             <a:fld id="{2E18F249-BDE3-A64A-9BF3-08DB2E7D85BD}" type="slidenum">
               <a:rPr lang="de-DE" smtClean="0"/>
               <a:t>11</a:t>
-            </a:fld>
-            <a:endParaRPr lang="de-DE"/>
-          </a:p>
-        </p:txBody>
-      </p:sp>
-      <p:pic>
-        <p:nvPicPr>
-          <p:cNvPr id="4" name="Bild 3"/>
-          <p:cNvPicPr>
-            <a:picLocks noChangeAspect="1"/>
-          </p:cNvPicPr>
-          <p:nvPr/>
-        </p:nvPicPr>
-        <p:blipFill>
-          <a:blip r:embed="rId2"/>
-          <a:stretch>
-            <a:fillRect/>
-          </a:stretch>
-        </p:blipFill>
-        <p:spPr>
-          <a:xfrm>
-            <a:off x="2704207" y="1417638"/>
-            <a:ext cx="1053098" cy="1053098"/>
-          </a:xfrm>
-          <a:prstGeom prst="rect">
-            <a:avLst/>
-          </a:prstGeom>
-        </p:spPr>
-      </p:pic>
-      <p:sp>
-        <p:nvSpPr>
-          <p:cNvPr id="8" name="Textfeld 7"/>
-          <p:cNvSpPr txBox="1"/>
-          <p:nvPr/>
-        </p:nvSpPr>
-        <p:spPr>
-          <a:xfrm>
-            <a:off x="457200" y="5164126"/>
-            <a:ext cx="8085946" cy="646331"/>
-          </a:xfrm>
-          <a:prstGeom prst="rect">
-            <a:avLst/>
-          </a:prstGeom>
-          <a:noFill/>
-        </p:spPr>
-        <p:txBody>
-          <a:bodyPr wrap="square" rtlCol="0">
-            <a:spAutoFit/>
-          </a:bodyPr>
-          <a:lstStyle/>
-          <a:p>
-            <a:r>
-              <a:rPr lang="de-DE" sz="3600" b="1" dirty="0" smtClean="0">
-                <a:ln w="12700">
-                  <a:solidFill>
-                    <a:schemeClr val="tx2">
-                      <a:satMod val="155000"/>
-                    </a:schemeClr>
-                  </a:solidFill>
-                  <a:prstDash val="solid"/>
-                </a:ln>
-                <a:solidFill>
-                  <a:schemeClr val="bg2">
-                    <a:tint val="85000"/>
-                    <a:satMod val="155000"/>
-                  </a:schemeClr>
-                </a:solidFill>
-                <a:effectLst>
-                  <a:outerShdw blurRad="41275" dist="20320" dir="1800000" algn="tl" rotWithShape="0">
-                    <a:srgbClr val="000000">
-                      <a:alpha val="40000"/>
-                    </a:srgbClr>
-                  </a:outerShdw>
-                </a:effectLst>
-              </a:rPr>
-              <a:t>1. Wahl für Entwicklung der </a:t>
-            </a:r>
-            <a:r>
-              <a:rPr lang="de-DE" sz="3600" b="1" dirty="0" err="1" smtClean="0">
-                <a:ln w="12700">
-                  <a:solidFill>
-                    <a:schemeClr val="tx2">
-                      <a:satMod val="155000"/>
-                    </a:schemeClr>
-                  </a:solidFill>
-                  <a:prstDash val="solid"/>
-                </a:ln>
-                <a:solidFill>
-                  <a:schemeClr val="bg2">
-                    <a:tint val="85000"/>
-                    <a:satMod val="155000"/>
-                  </a:schemeClr>
-                </a:solidFill>
-                <a:effectLst>
-                  <a:outerShdw blurRad="41275" dist="20320" dir="1800000" algn="tl" rotWithShape="0">
-                    <a:srgbClr val="000000">
-                      <a:alpha val="40000"/>
-                    </a:srgbClr>
-                  </a:outerShdw>
-                </a:effectLst>
-              </a:rPr>
-              <a:t>Parents</a:t>
-            </a:r>
-            <a:r>
-              <a:rPr lang="de-DE" sz="3600" b="1" dirty="0" smtClean="0">
-                <a:ln w="12700">
-                  <a:solidFill>
-                    <a:schemeClr val="tx2">
-                      <a:satMod val="155000"/>
-                    </a:schemeClr>
-                  </a:solidFill>
-                  <a:prstDash val="solid"/>
-                </a:ln>
-                <a:solidFill>
-                  <a:schemeClr val="bg2">
-                    <a:tint val="85000"/>
-                    <a:satMod val="155000"/>
-                  </a:schemeClr>
-                </a:solidFill>
-                <a:effectLst>
-                  <a:outerShdw blurRad="41275" dist="20320" dir="1800000" algn="tl" rotWithShape="0">
-                    <a:srgbClr val="000000">
-                      <a:alpha val="40000"/>
-                    </a:srgbClr>
-                  </a:outerShdw>
-                </a:effectLst>
-              </a:rPr>
-              <a:t>-App</a:t>
-            </a:r>
-            <a:endParaRPr lang="de-DE" sz="3600" b="1" dirty="0">
-              <a:ln w="12700">
-                <a:solidFill>
-                  <a:schemeClr val="tx2">
-                    <a:satMod val="155000"/>
-                  </a:schemeClr>
-                </a:solidFill>
-                <a:prstDash val="solid"/>
-              </a:ln>
-              <a:solidFill>
-                <a:schemeClr val="bg2">
-                  <a:tint val="85000"/>
-                  <a:satMod val="155000"/>
-                </a:schemeClr>
-              </a:solidFill>
-              <a:effectLst>
-                <a:outerShdw blurRad="41275" dist="20320" dir="1800000" algn="tl" rotWithShape="0">
-                  <a:srgbClr val="000000">
-                    <a:alpha val="40000"/>
-                  </a:srgbClr>
-                </a:outerShdw>
-              </a:effectLst>
-            </a:endParaRPr>
-          </a:p>
-        </p:txBody>
-      </p:sp>
-    </p:spTree>
-    <p:extLst>
-      <p:ext uri="{BB962C8B-B14F-4D97-AF65-F5344CB8AC3E}">
-        <p14:creationId xmlns:p14="http://schemas.microsoft.com/office/powerpoint/2010/main" val="3256619057"/>
-      </p:ext>
-    </p:extLst>
-  </p:cSld>
-  <p:clrMapOvr>
-    <a:masterClrMapping/>
-  </p:clrMapOvr>
-</p:sld>
-</file>
-
-<file path=ppt/slides/slide12.xml><?xml version="1.0" encoding="utf-8"?>
-<p:sld xmlns:a="http://schemas.openxmlformats.org/drawingml/2006/main" xmlns:r="http://schemas.openxmlformats.org/officeDocument/2006/relationships" xmlns:p="http://schemas.openxmlformats.org/presentationml/2006/main">
-  <p:cSld>
-    <p:spTree>
-      <p:nvGrpSpPr>
-        <p:cNvPr id="1" name=""/>
-        <p:cNvGrpSpPr/>
-        <p:nvPr/>
-      </p:nvGrpSpPr>
-      <p:grpSpPr>
-        <a:xfrm>
-          <a:off x="0" y="0"/>
-          <a:ext cx="0" cy="0"/>
-          <a:chOff x="0" y="0"/>
-          <a:chExt cx="0" cy="0"/>
-        </a:xfrm>
-      </p:grpSpPr>
-      <p:sp>
-        <p:nvSpPr>
-          <p:cNvPr id="2" name="Titel 1"/>
-          <p:cNvSpPr>
-            <a:spLocks noGrp="1"/>
-          </p:cNvSpPr>
-          <p:nvPr>
-            <p:ph type="title"/>
-          </p:nvPr>
-        </p:nvSpPr>
-        <p:spPr/>
-        <p:txBody>
-          <a:bodyPr/>
-          <a:lstStyle/>
-          <a:p>
-            <a:r>
-              <a:rPr lang="de-DE" dirty="0" smtClean="0"/>
-              <a:t>Cross </a:t>
-            </a:r>
-            <a:r>
-              <a:rPr lang="de-DE" dirty="0" err="1" smtClean="0"/>
-              <a:t>Notifications</a:t>
-            </a:r>
-            <a:r>
-              <a:rPr lang="de-DE" dirty="0" smtClean="0"/>
-              <a:t> in </a:t>
-            </a:r>
-            <a:r>
-              <a:rPr lang="de-DE" dirty="0" err="1" smtClean="0"/>
-              <a:t>Unity</a:t>
-            </a:r>
-            <a:endParaRPr lang="de-DE" dirty="0"/>
-          </a:p>
-        </p:txBody>
-      </p:sp>
-      <p:sp>
-        <p:nvSpPr>
-          <p:cNvPr id="3" name="Inhaltsplatzhalter 2"/>
-          <p:cNvSpPr>
-            <a:spLocks noGrp="1"/>
-          </p:cNvSpPr>
-          <p:nvPr>
-            <p:ph idx="1"/>
-          </p:nvPr>
-        </p:nvSpPr>
-        <p:spPr/>
-        <p:txBody>
-          <a:bodyPr>
-            <a:normAutofit/>
-          </a:bodyPr>
-          <a:lstStyle/>
-          <a:p>
-            <a:r>
-              <a:rPr lang="de-DE" dirty="0" smtClean="0"/>
-              <a:t>Hydra</a:t>
-            </a:r>
-            <a:endParaRPr lang="de-DE" dirty="0" smtClean="0"/>
-          </a:p>
-          <a:p>
-            <a:pPr lvl="1"/>
-            <a:r>
-              <a:rPr lang="de-DE" dirty="0" smtClean="0"/>
-              <a:t>Pro:</a:t>
-            </a:r>
-          </a:p>
-          <a:p>
-            <a:pPr lvl="2"/>
-            <a:r>
-              <a:rPr lang="de-DE" dirty="0" err="1" smtClean="0"/>
-              <a:t>Unity</a:t>
-            </a:r>
-            <a:r>
-              <a:rPr lang="de-DE" dirty="0" smtClean="0"/>
-              <a:t> SDK für </a:t>
-            </a:r>
-            <a:r>
-              <a:rPr lang="de-DE" dirty="0" err="1" smtClean="0"/>
-              <a:t>iOS</a:t>
-            </a:r>
-            <a:r>
-              <a:rPr lang="de-DE" dirty="0" smtClean="0"/>
-              <a:t> &amp; </a:t>
-            </a:r>
-            <a:r>
-              <a:rPr lang="de-DE" dirty="0" err="1" smtClean="0"/>
-              <a:t>Android</a:t>
-            </a:r>
-            <a:endParaRPr lang="de-DE" dirty="0" smtClean="0"/>
-          </a:p>
-          <a:p>
-            <a:pPr lvl="2"/>
-            <a:r>
-              <a:rPr lang="de-DE" dirty="0" smtClean="0"/>
-              <a:t>Push-</a:t>
-            </a:r>
-            <a:r>
-              <a:rPr lang="de-DE" dirty="0" err="1" smtClean="0"/>
-              <a:t>Notifications</a:t>
-            </a:r>
-            <a:r>
-              <a:rPr lang="de-DE" dirty="0" smtClean="0"/>
-              <a:t>, Broadcasts,</a:t>
-            </a:r>
-          </a:p>
-          <a:p>
-            <a:pPr lvl="2"/>
-            <a:r>
-              <a:rPr lang="de-DE" dirty="0" smtClean="0"/>
-              <a:t>Match-Making</a:t>
-            </a:r>
-          </a:p>
-          <a:p>
-            <a:pPr lvl="2"/>
-            <a:r>
-              <a:rPr lang="de-DE" dirty="0" err="1" smtClean="0"/>
-              <a:t>Stats</a:t>
-            </a:r>
-            <a:r>
-              <a:rPr lang="de-DE" dirty="0" smtClean="0"/>
-              <a:t>, </a:t>
-            </a:r>
-            <a:r>
-              <a:rPr lang="de-DE" dirty="0" err="1" smtClean="0"/>
-              <a:t>Leaderboard</a:t>
-            </a:r>
-            <a:r>
-              <a:rPr lang="de-DE" dirty="0" smtClean="0"/>
-              <a:t>, </a:t>
-            </a:r>
-            <a:r>
-              <a:rPr lang="de-DE" dirty="0" err="1" smtClean="0"/>
-              <a:t>Achievements</a:t>
-            </a:r>
-            <a:endParaRPr lang="de-DE" dirty="0" smtClean="0"/>
-          </a:p>
-          <a:p>
-            <a:pPr lvl="1"/>
-            <a:r>
-              <a:rPr lang="de-DE" dirty="0" smtClean="0"/>
-              <a:t>Con</a:t>
-            </a:r>
-            <a:r>
-              <a:rPr lang="de-DE" dirty="0" smtClean="0"/>
-              <a:t>:</a:t>
-            </a:r>
-          </a:p>
-          <a:p>
-            <a:pPr lvl="2"/>
-            <a:r>
-              <a:rPr lang="de-DE" dirty="0" smtClean="0"/>
-              <a:t>Push-</a:t>
-            </a:r>
-            <a:r>
-              <a:rPr lang="de-DE" dirty="0" err="1" smtClean="0"/>
-              <a:t>Notifications</a:t>
-            </a:r>
-            <a:r>
-              <a:rPr lang="de-DE" dirty="0" smtClean="0"/>
-              <a:t> in API noch nicht gefunden</a:t>
-            </a:r>
-            <a:endParaRPr lang="de-DE" dirty="0" smtClean="0"/>
-          </a:p>
-          <a:p>
-            <a:pPr lvl="2"/>
-            <a:endParaRPr lang="de-DE" dirty="0" smtClean="0"/>
-          </a:p>
-        </p:txBody>
-      </p:sp>
-      <p:sp>
-        <p:nvSpPr>
-          <p:cNvPr id="6" name="Fußzeilenplatzhalter 5"/>
-          <p:cNvSpPr>
-            <a:spLocks noGrp="1"/>
-          </p:cNvSpPr>
-          <p:nvPr>
-            <p:ph type="ftr" sz="quarter" idx="11"/>
-          </p:nvPr>
-        </p:nvSpPr>
-        <p:spPr/>
-        <p:txBody>
-          <a:bodyPr/>
-          <a:lstStyle/>
-          <a:p>
-            <a:r>
-              <a:rPr lang="de-DE" smtClean="0"/>
-              <a:t>Aquatic Space - Back End</a:t>
-            </a:r>
-            <a:endParaRPr lang="de-DE"/>
-          </a:p>
-        </p:txBody>
-      </p:sp>
-      <p:sp>
-        <p:nvSpPr>
-          <p:cNvPr id="7" name="Foliennummernplatzhalter 6"/>
-          <p:cNvSpPr>
-            <a:spLocks noGrp="1"/>
-          </p:cNvSpPr>
-          <p:nvPr>
-            <p:ph type="sldNum" sz="quarter" idx="12"/>
-          </p:nvPr>
-        </p:nvSpPr>
-        <p:spPr/>
-        <p:txBody>
-          <a:bodyPr/>
-          <a:lstStyle/>
-          <a:p>
-            <a:fld id="{2E18F249-BDE3-A64A-9BF3-08DB2E7D85BD}" type="slidenum">
-              <a:rPr lang="de-DE" smtClean="0"/>
-              <a:t>12</a:t>
             </a:fld>
             <a:endParaRPr lang="de-DE"/>
           </a:p>
@@ -4677,33 +4421,7 @@
                   </a:outerShdw>
                 </a:effectLst>
               </a:rPr>
-              <a:t>1. Wahl für </a:t>
-            </a:r>
-            <a:r>
-              <a:rPr lang="de-DE" sz="2800" b="1" dirty="0" smtClean="0">
-                <a:ln w="12700">
-                  <a:solidFill>
-                    <a:schemeClr val="tx2">
-                      <a:satMod val="155000"/>
-                    </a:schemeClr>
-                  </a:solidFill>
-                  <a:prstDash val="solid"/>
-                </a:ln>
-                <a:solidFill>
-                  <a:schemeClr val="bg2">
-                    <a:tint val="85000"/>
-                    <a:satMod val="155000"/>
-                  </a:schemeClr>
-                </a:solidFill>
-                <a:effectLst>
-                  <a:outerShdw blurRad="41275" dist="20320" dir="1800000" algn="tl" rotWithShape="0">
-                    <a:srgbClr val="000000">
-                      <a:alpha val="40000"/>
-                    </a:srgbClr>
-                  </a:outerShdw>
-                </a:effectLst>
-              </a:rPr>
-              <a:t>Client-Back-End Handling im Spiel, mit </a:t>
+              <a:t>1. Wahl für Client-Back-End Handling im Spiel, mit </a:t>
             </a:r>
             <a:r>
               <a:rPr lang="de-DE" sz="2800" b="1" dirty="0" err="1" smtClean="0">
@@ -4820,6 +4538,763 @@
 </p:sld>
 </file>
 
+<file path=ppt/slides/slide12.xml><?xml version="1.0" encoding="utf-8"?>
+<p:sld xmlns:a="http://schemas.openxmlformats.org/drawingml/2006/main" xmlns:r="http://schemas.openxmlformats.org/officeDocument/2006/relationships" xmlns:p="http://schemas.openxmlformats.org/presentationml/2006/main">
+  <p:cSld>
+    <p:spTree>
+      <p:nvGrpSpPr>
+        <p:cNvPr id="1" name=""/>
+        <p:cNvGrpSpPr/>
+        <p:nvPr/>
+      </p:nvGrpSpPr>
+      <p:grpSpPr>
+        <a:xfrm>
+          <a:off x="0" y="0"/>
+          <a:ext cx="0" cy="0"/>
+          <a:chOff x="0" y="0"/>
+          <a:chExt cx="0" cy="0"/>
+        </a:xfrm>
+      </p:grpSpPr>
+      <p:sp>
+        <p:nvSpPr>
+          <p:cNvPr id="2" name="Titel 1"/>
+          <p:cNvSpPr>
+            <a:spLocks noGrp="1"/>
+          </p:cNvSpPr>
+          <p:nvPr>
+            <p:ph type="title"/>
+          </p:nvPr>
+        </p:nvSpPr>
+        <p:spPr/>
+        <p:txBody>
+          <a:bodyPr/>
+          <a:lstStyle/>
+          <a:p>
+            <a:r>
+              <a:rPr lang="de-DE" dirty="0" smtClean="0"/>
+              <a:t>Cross </a:t>
+            </a:r>
+            <a:r>
+              <a:rPr lang="de-DE" dirty="0" err="1" smtClean="0"/>
+              <a:t>Notifications</a:t>
+            </a:r>
+            <a:r>
+              <a:rPr lang="de-DE" dirty="0" smtClean="0"/>
+              <a:t> in </a:t>
+            </a:r>
+            <a:r>
+              <a:rPr lang="de-DE" dirty="0" err="1" smtClean="0"/>
+              <a:t>Unity</a:t>
+            </a:r>
+            <a:endParaRPr lang="de-DE" dirty="0"/>
+          </a:p>
+        </p:txBody>
+      </p:sp>
+      <p:sp>
+        <p:nvSpPr>
+          <p:cNvPr id="3" name="Inhaltsplatzhalter 2"/>
+          <p:cNvSpPr>
+            <a:spLocks noGrp="1"/>
+          </p:cNvSpPr>
+          <p:nvPr>
+            <p:ph idx="1"/>
+          </p:nvPr>
+        </p:nvSpPr>
+        <p:spPr/>
+        <p:txBody>
+          <a:bodyPr>
+            <a:normAutofit lnSpcReduction="10000"/>
+          </a:bodyPr>
+          <a:lstStyle/>
+          <a:p>
+            <a:pPr marL="514350" indent="-457200"/>
+            <a:r>
+              <a:rPr lang="de-DE" dirty="0"/>
+              <a:t>Easy Cross-</a:t>
+            </a:r>
+            <a:r>
+              <a:rPr lang="de-DE" dirty="0" err="1"/>
+              <a:t>Platform</a:t>
+            </a:r>
+            <a:r>
+              <a:rPr lang="de-DE" dirty="0"/>
+              <a:t> </a:t>
+            </a:r>
+            <a:r>
+              <a:rPr lang="de-DE" dirty="0" err="1"/>
+              <a:t>Notifications</a:t>
+            </a:r>
+            <a:r>
+              <a:rPr lang="de-DE" dirty="0"/>
+              <a:t> </a:t>
+            </a:r>
+            <a:r>
+              <a:rPr lang="de-DE" dirty="0" err="1" smtClean="0"/>
+              <a:t>Plugin</a:t>
+            </a:r>
+            <a:endParaRPr lang="de-DE" dirty="0"/>
+          </a:p>
+          <a:p>
+            <a:pPr lvl="1"/>
+            <a:r>
+              <a:rPr lang="de-DE" dirty="0" smtClean="0"/>
+              <a:t>Pro:</a:t>
+            </a:r>
+          </a:p>
+          <a:p>
+            <a:pPr lvl="2"/>
+            <a:r>
+              <a:rPr lang="de-DE" dirty="0" smtClean="0"/>
+              <a:t>SDK für </a:t>
+            </a:r>
+            <a:r>
+              <a:rPr lang="de-DE" dirty="0" err="1" smtClean="0"/>
+              <a:t>iOS</a:t>
+            </a:r>
+            <a:r>
+              <a:rPr lang="de-DE" dirty="0" smtClean="0"/>
+              <a:t> &amp; </a:t>
+            </a:r>
+            <a:r>
+              <a:rPr lang="de-DE" dirty="0" err="1" smtClean="0"/>
+              <a:t>Android</a:t>
+            </a:r>
+            <a:r>
+              <a:rPr lang="de-DE" dirty="0" smtClean="0"/>
+              <a:t> Push </a:t>
+            </a:r>
+            <a:r>
+              <a:rPr lang="de-DE" dirty="0" err="1" smtClean="0"/>
+              <a:t>Notification</a:t>
+            </a:r>
+            <a:r>
+              <a:rPr lang="de-DE" dirty="0" smtClean="0"/>
+              <a:t> </a:t>
+            </a:r>
+            <a:r>
+              <a:rPr lang="de-DE" dirty="0" smtClean="0"/>
+              <a:t>Empfang</a:t>
+            </a:r>
+          </a:p>
+          <a:p>
+            <a:pPr lvl="2"/>
+            <a:r>
+              <a:rPr lang="de-DE" dirty="0" smtClean="0"/>
+              <a:t>Server-seitige anpassbar</a:t>
+            </a:r>
+            <a:endParaRPr lang="de-DE" dirty="0" smtClean="0"/>
+          </a:p>
+          <a:p>
+            <a:pPr lvl="2"/>
+            <a:r>
+              <a:rPr lang="de-DE" dirty="0" smtClean="0"/>
+              <a:t>Inklusive allem Source-Code</a:t>
+            </a:r>
+            <a:endParaRPr lang="de-DE" dirty="0" smtClean="0"/>
+          </a:p>
+          <a:p>
+            <a:pPr lvl="2"/>
+            <a:r>
+              <a:rPr lang="de-DE" dirty="0" smtClean="0"/>
+              <a:t>Einmalig 40€</a:t>
+            </a:r>
+          </a:p>
+          <a:p>
+            <a:pPr lvl="1"/>
+            <a:r>
+              <a:rPr lang="de-DE" dirty="0" smtClean="0"/>
+              <a:t>Con:</a:t>
+            </a:r>
+          </a:p>
+          <a:p>
+            <a:pPr lvl="2"/>
+            <a:r>
+              <a:rPr lang="de-DE" dirty="0"/>
+              <a:t>Keine kostenlose Testversion</a:t>
+            </a:r>
+          </a:p>
+          <a:p>
+            <a:pPr lvl="2"/>
+            <a:r>
+              <a:rPr lang="de-DE" dirty="0" smtClean="0"/>
+              <a:t>Eigener Server notwendig</a:t>
+            </a:r>
+          </a:p>
+          <a:p>
+            <a:pPr lvl="2"/>
+            <a:r>
+              <a:rPr lang="de-DE" dirty="0" smtClean="0"/>
+              <a:t>Aufwand für Set-</a:t>
+            </a:r>
+            <a:r>
+              <a:rPr lang="de-DE" dirty="0" err="1" smtClean="0"/>
+              <a:t>Up</a:t>
+            </a:r>
+            <a:r>
+              <a:rPr lang="de-DE" dirty="0" smtClean="0"/>
+              <a:t> und Anpassungen</a:t>
+            </a:r>
+            <a:endParaRPr lang="de-DE" dirty="0" smtClean="0"/>
+          </a:p>
+        </p:txBody>
+      </p:sp>
+      <p:sp>
+        <p:nvSpPr>
+          <p:cNvPr id="6" name="Fußzeilenplatzhalter 5"/>
+          <p:cNvSpPr>
+            <a:spLocks noGrp="1"/>
+          </p:cNvSpPr>
+          <p:nvPr>
+            <p:ph type="ftr" sz="quarter" idx="11"/>
+          </p:nvPr>
+        </p:nvSpPr>
+        <p:spPr/>
+        <p:txBody>
+          <a:bodyPr/>
+          <a:lstStyle/>
+          <a:p>
+            <a:r>
+              <a:rPr lang="de-DE" smtClean="0"/>
+              <a:t>Aquatic Space - Back End</a:t>
+            </a:r>
+            <a:endParaRPr lang="de-DE"/>
+          </a:p>
+        </p:txBody>
+      </p:sp>
+      <p:sp>
+        <p:nvSpPr>
+          <p:cNvPr id="7" name="Foliennummernplatzhalter 6"/>
+          <p:cNvSpPr>
+            <a:spLocks noGrp="1"/>
+          </p:cNvSpPr>
+          <p:nvPr>
+            <p:ph type="sldNum" sz="quarter" idx="12"/>
+          </p:nvPr>
+        </p:nvSpPr>
+        <p:spPr/>
+        <p:txBody>
+          <a:bodyPr/>
+          <a:lstStyle/>
+          <a:p>
+            <a:fld id="{2E18F249-BDE3-A64A-9BF3-08DB2E7D85BD}" type="slidenum">
+              <a:rPr lang="de-DE" smtClean="0"/>
+              <a:t>12</a:t>
+            </a:fld>
+            <a:endParaRPr lang="de-DE"/>
+          </a:p>
+        </p:txBody>
+      </p:sp>
+      <p:sp>
+        <p:nvSpPr>
+          <p:cNvPr id="8" name="Textfeld 7"/>
+          <p:cNvSpPr txBox="1"/>
+          <p:nvPr/>
+        </p:nvSpPr>
+        <p:spPr>
+          <a:xfrm>
+            <a:off x="600854" y="5864553"/>
+            <a:ext cx="8085946" cy="523220"/>
+          </a:xfrm>
+          <a:prstGeom prst="rect">
+            <a:avLst/>
+          </a:prstGeom>
+          <a:noFill/>
+        </p:spPr>
+        <p:txBody>
+          <a:bodyPr wrap="square" rtlCol="0">
+            <a:spAutoFit/>
+          </a:bodyPr>
+          <a:lstStyle/>
+          <a:p>
+            <a:r>
+              <a:rPr lang="de-DE" sz="2800" b="1" dirty="0" smtClean="0">
+                <a:ln w="12700">
+                  <a:solidFill>
+                    <a:schemeClr val="tx2">
+                      <a:satMod val="155000"/>
+                    </a:schemeClr>
+                  </a:solidFill>
+                  <a:prstDash val="solid"/>
+                </a:ln>
+                <a:solidFill>
+                  <a:schemeClr val="bg2">
+                    <a:tint val="85000"/>
+                    <a:satMod val="155000"/>
+                  </a:schemeClr>
+                </a:solidFill>
+                <a:effectLst>
+                  <a:outerShdw blurRad="41275" dist="20320" dir="1800000" algn="tl" rotWithShape="0">
+                    <a:srgbClr val="000000">
+                      <a:alpha val="40000"/>
+                    </a:srgbClr>
+                  </a:outerShdw>
+                </a:effectLst>
+              </a:rPr>
+              <a:t>1. Wahl für </a:t>
+            </a:r>
+            <a:r>
+              <a:rPr lang="de-DE" sz="2800" b="1" dirty="0" smtClean="0">
+                <a:ln w="12700">
+                  <a:solidFill>
+                    <a:schemeClr val="tx2">
+                      <a:satMod val="155000"/>
+                    </a:schemeClr>
+                  </a:solidFill>
+                  <a:prstDash val="solid"/>
+                </a:ln>
+                <a:solidFill>
+                  <a:schemeClr val="bg2">
+                    <a:tint val="85000"/>
+                    <a:satMod val="155000"/>
+                  </a:schemeClr>
+                </a:solidFill>
+                <a:effectLst>
+                  <a:outerShdw blurRad="41275" dist="20320" dir="1800000" algn="tl" rotWithShape="0">
+                    <a:srgbClr val="000000">
+                      <a:alpha val="40000"/>
+                    </a:srgbClr>
+                  </a:outerShdw>
+                </a:effectLst>
+              </a:rPr>
+              <a:t>kostengünstige Allround-Lösung</a:t>
+            </a:r>
+            <a:endParaRPr lang="de-DE" sz="2800" b="1" dirty="0">
+              <a:ln w="12700">
+                <a:solidFill>
+                  <a:schemeClr val="tx2">
+                    <a:satMod val="155000"/>
+                  </a:schemeClr>
+                </a:solidFill>
+                <a:prstDash val="solid"/>
+              </a:ln>
+              <a:solidFill>
+                <a:schemeClr val="bg2">
+                  <a:tint val="85000"/>
+                  <a:satMod val="155000"/>
+                </a:schemeClr>
+              </a:solidFill>
+              <a:effectLst>
+                <a:outerShdw blurRad="41275" dist="20320" dir="1800000" algn="tl" rotWithShape="0">
+                  <a:srgbClr val="000000">
+                    <a:alpha val="40000"/>
+                  </a:srgbClr>
+                </a:outerShdw>
+              </a:effectLst>
+            </a:endParaRPr>
+          </a:p>
+        </p:txBody>
+      </p:sp>
+    </p:spTree>
+    <p:extLst>
+      <p:ext uri="{BB962C8B-B14F-4D97-AF65-F5344CB8AC3E}">
+        <p14:creationId xmlns:p14="http://schemas.microsoft.com/office/powerpoint/2010/main" val="1177865438"/>
+      </p:ext>
+    </p:extLst>
+  </p:cSld>
+  <p:clrMapOvr>
+    <a:masterClrMapping/>
+  </p:clrMapOvr>
+</p:sld>
+</file>
+
+<file path=ppt/slides/slide13.xml><?xml version="1.0" encoding="utf-8"?>
+<p:sld xmlns:a="http://schemas.openxmlformats.org/drawingml/2006/main" xmlns:r="http://schemas.openxmlformats.org/officeDocument/2006/relationships" xmlns:p="http://schemas.openxmlformats.org/presentationml/2006/main">
+  <p:cSld>
+    <p:spTree>
+      <p:nvGrpSpPr>
+        <p:cNvPr id="1" name=""/>
+        <p:cNvGrpSpPr/>
+        <p:nvPr/>
+      </p:nvGrpSpPr>
+      <p:grpSpPr>
+        <a:xfrm>
+          <a:off x="0" y="0"/>
+          <a:ext cx="0" cy="0"/>
+          <a:chOff x="0" y="0"/>
+          <a:chExt cx="0" cy="0"/>
+        </a:xfrm>
+      </p:grpSpPr>
+      <p:sp>
+        <p:nvSpPr>
+          <p:cNvPr id="2" name="Titel 1"/>
+          <p:cNvSpPr>
+            <a:spLocks noGrp="1"/>
+          </p:cNvSpPr>
+          <p:nvPr>
+            <p:ph type="title"/>
+          </p:nvPr>
+        </p:nvSpPr>
+        <p:spPr/>
+        <p:txBody>
+          <a:bodyPr/>
+          <a:lstStyle/>
+          <a:p>
+            <a:r>
+              <a:rPr lang="de-DE" dirty="0" smtClean="0"/>
+              <a:t>Cross </a:t>
+            </a:r>
+            <a:r>
+              <a:rPr lang="de-DE" dirty="0" err="1" smtClean="0"/>
+              <a:t>Notifications</a:t>
+            </a:r>
+            <a:r>
+              <a:rPr lang="de-DE" dirty="0" smtClean="0"/>
+              <a:t> in </a:t>
+            </a:r>
+            <a:r>
+              <a:rPr lang="de-DE" dirty="0" err="1" smtClean="0"/>
+              <a:t>Unity</a:t>
+            </a:r>
+            <a:endParaRPr lang="de-DE" dirty="0"/>
+          </a:p>
+        </p:txBody>
+      </p:sp>
+      <p:sp>
+        <p:nvSpPr>
+          <p:cNvPr id="3" name="Inhaltsplatzhalter 2"/>
+          <p:cNvSpPr>
+            <a:spLocks noGrp="1"/>
+          </p:cNvSpPr>
+          <p:nvPr>
+            <p:ph idx="1"/>
+          </p:nvPr>
+        </p:nvSpPr>
+        <p:spPr/>
+        <p:txBody>
+          <a:bodyPr>
+            <a:normAutofit/>
+          </a:bodyPr>
+          <a:lstStyle/>
+          <a:p>
+            <a:pPr marL="514350" indent="-457200"/>
+            <a:r>
+              <a:rPr lang="de-DE" dirty="0"/>
+              <a:t>Easy Cross-</a:t>
+            </a:r>
+            <a:r>
+              <a:rPr lang="de-DE" dirty="0" err="1"/>
+              <a:t>Platform</a:t>
+            </a:r>
+            <a:r>
+              <a:rPr lang="de-DE" dirty="0"/>
+              <a:t> </a:t>
+            </a:r>
+            <a:r>
+              <a:rPr lang="de-DE" dirty="0" err="1"/>
+              <a:t>Notifications</a:t>
+            </a:r>
+            <a:r>
+              <a:rPr lang="de-DE" dirty="0"/>
+              <a:t> </a:t>
+            </a:r>
+            <a:r>
+              <a:rPr lang="de-DE" dirty="0" err="1" smtClean="0"/>
+              <a:t>Plugin</a:t>
+            </a:r>
+            <a:endParaRPr lang="de-DE" dirty="0" smtClean="0"/>
+          </a:p>
+          <a:p>
+            <a:pPr marL="914400" lvl="1" indent="-457200"/>
+            <a:r>
+              <a:rPr lang="de-DE" dirty="0" smtClean="0"/>
+              <a:t>Frage mit </a:t>
+            </a:r>
+            <a:r>
+              <a:rPr lang="de-DE" dirty="0" err="1" smtClean="0"/>
+              <a:t>Use</a:t>
+            </a:r>
+            <a:r>
+              <a:rPr lang="de-DE" dirty="0" smtClean="0"/>
+              <a:t>-Cases an Entwickler:</a:t>
+            </a:r>
+            <a:endParaRPr lang="de-DE" dirty="0"/>
+          </a:p>
+        </p:txBody>
+      </p:sp>
+      <p:sp>
+        <p:nvSpPr>
+          <p:cNvPr id="6" name="Fußzeilenplatzhalter 5"/>
+          <p:cNvSpPr>
+            <a:spLocks noGrp="1"/>
+          </p:cNvSpPr>
+          <p:nvPr>
+            <p:ph type="ftr" sz="quarter" idx="11"/>
+          </p:nvPr>
+        </p:nvSpPr>
+        <p:spPr/>
+        <p:txBody>
+          <a:bodyPr/>
+          <a:lstStyle/>
+          <a:p>
+            <a:r>
+              <a:rPr lang="de-DE" smtClean="0"/>
+              <a:t>Aquatic Space - Back End</a:t>
+            </a:r>
+            <a:endParaRPr lang="de-DE"/>
+          </a:p>
+        </p:txBody>
+      </p:sp>
+      <p:sp>
+        <p:nvSpPr>
+          <p:cNvPr id="7" name="Foliennummernplatzhalter 6"/>
+          <p:cNvSpPr>
+            <a:spLocks noGrp="1"/>
+          </p:cNvSpPr>
+          <p:nvPr>
+            <p:ph type="sldNum" sz="quarter" idx="12"/>
+          </p:nvPr>
+        </p:nvSpPr>
+        <p:spPr/>
+        <p:txBody>
+          <a:bodyPr/>
+          <a:lstStyle/>
+          <a:p>
+            <a:fld id="{2E18F249-BDE3-A64A-9BF3-08DB2E7D85BD}" type="slidenum">
+              <a:rPr lang="de-DE" smtClean="0"/>
+              <a:t>13</a:t>
+            </a:fld>
+            <a:endParaRPr lang="de-DE"/>
+          </a:p>
+        </p:txBody>
+      </p:sp>
+      <p:pic>
+        <p:nvPicPr>
+          <p:cNvPr id="4" name="Bild 3" descr="Screenshot 2013-10-28 19.57.40.png"/>
+          <p:cNvPicPr>
+            <a:picLocks noChangeAspect="1"/>
+          </p:cNvPicPr>
+          <p:nvPr/>
+        </p:nvPicPr>
+        <p:blipFill>
+          <a:blip r:embed="rId2">
+            <a:extLst>
+              <a:ext uri="{28A0092B-C50C-407E-A947-70E740481C1C}">
+                <a14:useLocalDpi xmlns:a14="http://schemas.microsoft.com/office/drawing/2010/main" val="0"/>
+              </a:ext>
+            </a:extLst>
+          </a:blip>
+          <a:stretch>
+            <a:fillRect/>
+          </a:stretch>
+        </p:blipFill>
+        <p:spPr>
+          <a:xfrm>
+            <a:off x="0" y="3114159"/>
+            <a:ext cx="9144000" cy="2149272"/>
+          </a:xfrm>
+          <a:prstGeom prst="rect">
+            <a:avLst/>
+          </a:prstGeom>
+        </p:spPr>
+      </p:pic>
+    </p:spTree>
+    <p:extLst>
+      <p:ext uri="{BB962C8B-B14F-4D97-AF65-F5344CB8AC3E}">
+        <p14:creationId xmlns:p14="http://schemas.microsoft.com/office/powerpoint/2010/main" val="4103525835"/>
+      </p:ext>
+    </p:extLst>
+  </p:cSld>
+  <p:clrMapOvr>
+    <a:masterClrMapping/>
+  </p:clrMapOvr>
+</p:sld>
+</file>
+
+<file path=ppt/slides/slide14.xml><?xml version="1.0" encoding="utf-8"?>
+<p:sld xmlns:a="http://schemas.openxmlformats.org/drawingml/2006/main" xmlns:r="http://schemas.openxmlformats.org/officeDocument/2006/relationships" xmlns:p="http://schemas.openxmlformats.org/presentationml/2006/main">
+  <p:cSld>
+    <p:spTree>
+      <p:nvGrpSpPr>
+        <p:cNvPr id="1" name=""/>
+        <p:cNvGrpSpPr/>
+        <p:nvPr/>
+      </p:nvGrpSpPr>
+      <p:grpSpPr>
+        <a:xfrm>
+          <a:off x="0" y="0"/>
+          <a:ext cx="0" cy="0"/>
+          <a:chOff x="0" y="0"/>
+          <a:chExt cx="0" cy="0"/>
+        </a:xfrm>
+      </p:grpSpPr>
+      <p:sp>
+        <p:nvSpPr>
+          <p:cNvPr id="2" name="Titel 1"/>
+          <p:cNvSpPr>
+            <a:spLocks noGrp="1"/>
+          </p:cNvSpPr>
+          <p:nvPr>
+            <p:ph type="title"/>
+          </p:nvPr>
+        </p:nvSpPr>
+        <p:spPr/>
+        <p:txBody>
+          <a:bodyPr/>
+          <a:lstStyle/>
+          <a:p>
+            <a:r>
+              <a:rPr lang="de-DE" dirty="0" smtClean="0"/>
+              <a:t>Cross </a:t>
+            </a:r>
+            <a:r>
+              <a:rPr lang="de-DE" dirty="0" err="1" smtClean="0"/>
+              <a:t>Notifications</a:t>
+            </a:r>
+            <a:r>
+              <a:rPr lang="de-DE" dirty="0" smtClean="0"/>
+              <a:t> in </a:t>
+            </a:r>
+            <a:r>
+              <a:rPr lang="de-DE" dirty="0" err="1" smtClean="0"/>
+              <a:t>Unity</a:t>
+            </a:r>
+            <a:endParaRPr lang="de-DE" dirty="0"/>
+          </a:p>
+        </p:txBody>
+      </p:sp>
+      <p:sp>
+        <p:nvSpPr>
+          <p:cNvPr id="3" name="Inhaltsplatzhalter 2"/>
+          <p:cNvSpPr>
+            <a:spLocks noGrp="1"/>
+          </p:cNvSpPr>
+          <p:nvPr>
+            <p:ph idx="1"/>
+          </p:nvPr>
+        </p:nvSpPr>
+        <p:spPr/>
+        <p:txBody>
+          <a:bodyPr>
+            <a:normAutofit/>
+          </a:bodyPr>
+          <a:lstStyle/>
+          <a:p>
+            <a:pPr marL="514350" indent="-457200"/>
+            <a:r>
+              <a:rPr lang="de-DE" dirty="0"/>
+              <a:t>Easy Cross-</a:t>
+            </a:r>
+            <a:r>
+              <a:rPr lang="de-DE" dirty="0" err="1"/>
+              <a:t>Platform</a:t>
+            </a:r>
+            <a:r>
+              <a:rPr lang="de-DE" dirty="0"/>
+              <a:t> </a:t>
+            </a:r>
+            <a:r>
+              <a:rPr lang="de-DE" dirty="0" err="1"/>
+              <a:t>Notifications</a:t>
+            </a:r>
+            <a:r>
+              <a:rPr lang="de-DE" dirty="0"/>
+              <a:t> </a:t>
+            </a:r>
+            <a:r>
+              <a:rPr lang="de-DE" dirty="0" err="1" smtClean="0"/>
+              <a:t>Plugin</a:t>
+            </a:r>
+            <a:endParaRPr lang="de-DE" dirty="0" smtClean="0"/>
+          </a:p>
+          <a:p>
+            <a:pPr marL="914400" lvl="1" indent="-457200"/>
+            <a:r>
+              <a:rPr lang="de-DE" dirty="0" smtClean="0"/>
+              <a:t>Antwort vom Entwickler:</a:t>
+            </a:r>
+            <a:endParaRPr lang="de-DE" dirty="0"/>
+          </a:p>
+        </p:txBody>
+      </p:sp>
+      <p:sp>
+        <p:nvSpPr>
+          <p:cNvPr id="6" name="Fußzeilenplatzhalter 5"/>
+          <p:cNvSpPr>
+            <a:spLocks noGrp="1"/>
+          </p:cNvSpPr>
+          <p:nvPr>
+            <p:ph type="ftr" sz="quarter" idx="11"/>
+          </p:nvPr>
+        </p:nvSpPr>
+        <p:spPr/>
+        <p:txBody>
+          <a:bodyPr/>
+          <a:lstStyle/>
+          <a:p>
+            <a:r>
+              <a:rPr lang="de-DE" smtClean="0"/>
+              <a:t>Aquatic Space - Back End</a:t>
+            </a:r>
+            <a:endParaRPr lang="de-DE"/>
+          </a:p>
+        </p:txBody>
+      </p:sp>
+      <p:sp>
+        <p:nvSpPr>
+          <p:cNvPr id="7" name="Foliennummernplatzhalter 6"/>
+          <p:cNvSpPr>
+            <a:spLocks noGrp="1"/>
+          </p:cNvSpPr>
+          <p:nvPr>
+            <p:ph type="sldNum" sz="quarter" idx="12"/>
+          </p:nvPr>
+        </p:nvSpPr>
+        <p:spPr/>
+        <p:txBody>
+          <a:bodyPr/>
+          <a:lstStyle/>
+          <a:p>
+            <a:fld id="{2E18F249-BDE3-A64A-9BF3-08DB2E7D85BD}" type="slidenum">
+              <a:rPr lang="de-DE" smtClean="0"/>
+              <a:t>14</a:t>
+            </a:fld>
+            <a:endParaRPr lang="de-DE"/>
+          </a:p>
+        </p:txBody>
+      </p:sp>
+      <p:pic>
+        <p:nvPicPr>
+          <p:cNvPr id="5" name="Bild 4" descr="Screenshot 2013-10-28 19.57.57.png"/>
+          <p:cNvPicPr>
+            <a:picLocks noChangeAspect="1"/>
+          </p:cNvPicPr>
+          <p:nvPr/>
+        </p:nvPicPr>
+        <p:blipFill>
+          <a:blip r:embed="rId2">
+            <a:extLst>
+              <a:ext uri="{28A0092B-C50C-407E-A947-70E740481C1C}">
+                <a14:useLocalDpi xmlns:a14="http://schemas.microsoft.com/office/drawing/2010/main" val="0"/>
+              </a:ext>
+            </a:extLst>
+          </a:blip>
+          <a:stretch>
+            <a:fillRect/>
+          </a:stretch>
+        </p:blipFill>
+        <p:spPr>
+          <a:xfrm>
+            <a:off x="92183" y="2697163"/>
+            <a:ext cx="8064736" cy="6858000"/>
+          </a:xfrm>
+          <a:prstGeom prst="rect">
+            <a:avLst/>
+          </a:prstGeom>
+        </p:spPr>
+      </p:pic>
+    </p:spTree>
+    <p:extLst>
+      <p:ext uri="{BB962C8B-B14F-4D97-AF65-F5344CB8AC3E}">
+        <p14:creationId xmlns:p14="http://schemas.microsoft.com/office/powerpoint/2010/main" val="511671377"/>
+      </p:ext>
+    </p:extLst>
+  </p:cSld>
+  <p:clrMapOvr>
+    <a:masterClrMapping/>
+  </p:clrMapOvr>
+</p:sld>
+</file>
+
 <file path=ppt/slides/slide2.xml><?xml version="1.0" encoding="utf-8"?>
 <p:sld xmlns:a="http://schemas.openxmlformats.org/drawingml/2006/main" xmlns:r="http://schemas.openxmlformats.org/officeDocument/2006/relationships" xmlns:p="http://schemas.openxmlformats.org/presentationml/2006/main">
   <p:cSld>
@@ -4970,7 +5445,6 @@
               <a:rPr lang="de-DE" dirty="0" smtClean="0"/>
               <a:t>wegen Parent + Child App</a:t>
             </a:r>
-            <a:endParaRPr lang="de-DE" dirty="0" smtClean="0"/>
           </a:p>
         </p:txBody>
       </p:sp>
@@ -5956,7 +6430,6 @@
               <a:rPr lang="de-DE" dirty="0" smtClean="0"/>
               <a:t> Pattern</a:t>
             </a:r>
-            <a:endParaRPr lang="de-DE" dirty="0" smtClean="0"/>
           </a:p>
           <a:p>
             <a:pPr lvl="1"/>
@@ -6840,101 +7313,118 @@
           </a:bodyPr>
           <a:lstStyle/>
           <a:p>
-            <a:pPr marL="514350" indent="-457200"/>
-            <a:r>
-              <a:rPr lang="de-DE" dirty="0"/>
-              <a:t>Easy Cross-</a:t>
-            </a:r>
-            <a:r>
-              <a:rPr lang="de-DE" dirty="0" err="1"/>
+            <a:r>
+              <a:rPr lang="de-DE" dirty="0" err="1" smtClean="0"/>
+              <a:t>PhoneGap</a:t>
+            </a:r>
+            <a:endParaRPr lang="de-DE" dirty="0" smtClean="0"/>
+          </a:p>
+          <a:p>
+            <a:pPr lvl="1"/>
+            <a:r>
+              <a:rPr lang="de-DE" dirty="0" smtClean="0"/>
+              <a:t>Pro:</a:t>
+            </a:r>
+          </a:p>
+          <a:p>
+            <a:pPr lvl="2"/>
+            <a:r>
+              <a:rPr lang="de-DE" dirty="0" smtClean="0"/>
+              <a:t>Hilfreich für Cross-</a:t>
+            </a:r>
+            <a:r>
+              <a:rPr lang="de-DE" dirty="0" err="1" smtClean="0"/>
               <a:t>Platform</a:t>
             </a:r>
             <a:r>
-              <a:rPr lang="de-DE" dirty="0"/>
+              <a:rPr lang="de-DE" dirty="0" smtClean="0"/>
               <a:t> </a:t>
             </a:r>
             <a:r>
-              <a:rPr lang="de-DE" dirty="0" err="1"/>
+              <a:rPr lang="de-DE" dirty="0" err="1" smtClean="0"/>
+              <a:t>Parents</a:t>
+            </a:r>
+            <a:r>
+              <a:rPr lang="de-DE" dirty="0" smtClean="0"/>
+              <a:t>-App</a:t>
+            </a:r>
+          </a:p>
+          <a:p>
+            <a:pPr lvl="1"/>
+            <a:r>
+              <a:rPr lang="de-DE" dirty="0" smtClean="0"/>
+              <a:t>Con:</a:t>
+            </a:r>
+          </a:p>
+          <a:p>
+            <a:pPr lvl="2"/>
+            <a:r>
+              <a:rPr lang="de-DE" dirty="0" smtClean="0"/>
+              <a:t>Push </a:t>
+            </a:r>
+            <a:r>
+              <a:rPr lang="de-DE" dirty="0" err="1" smtClean="0"/>
               <a:t>Notifications</a:t>
             </a:r>
             <a:r>
-              <a:rPr lang="de-DE" dirty="0"/>
+              <a:rPr lang="de-DE" dirty="0" smtClean="0"/>
+              <a:t> nur durch </a:t>
+            </a:r>
+            <a:r>
+              <a:rPr lang="de-DE" dirty="0" err="1" smtClean="0"/>
+              <a:t>Plugins</a:t>
+            </a:r>
+            <a:r>
+              <a:rPr lang="de-DE" dirty="0" smtClean="0"/>
               <a:t> </a:t>
             </a:r>
             <a:r>
               <a:rPr lang="de-DE" dirty="0" err="1" smtClean="0"/>
-              <a:t>Plugin</a:t>
-            </a:r>
-            <a:endParaRPr lang="de-DE" dirty="0"/>
-          </a:p>
-          <a:p>
-            <a:pPr lvl="1"/>
-            <a:r>
-              <a:rPr lang="de-DE" dirty="0" smtClean="0"/>
-              <a:t>Pro:</a:t>
-            </a:r>
+              <a:t>einbindbar</a:t>
+            </a:r>
+            <a:endParaRPr lang="de-DE" dirty="0" smtClean="0"/>
           </a:p>
           <a:p>
             <a:pPr lvl="2"/>
             <a:r>
               <a:rPr lang="de-DE" dirty="0" smtClean="0"/>
-              <a:t>SDK für </a:t>
-            </a:r>
-            <a:r>
-              <a:rPr lang="de-DE" dirty="0" err="1" smtClean="0"/>
-              <a:t>iOS</a:t>
-            </a:r>
-            <a:r>
-              <a:rPr lang="de-DE" dirty="0" smtClean="0"/>
-              <a:t> &amp; </a:t>
-            </a:r>
-            <a:r>
-              <a:rPr lang="de-DE" dirty="0" err="1" smtClean="0"/>
-              <a:t>Android</a:t>
-            </a:r>
-            <a:r>
-              <a:rPr lang="de-DE" dirty="0" smtClean="0"/>
-              <a:t> Push </a:t>
-            </a:r>
-            <a:r>
-              <a:rPr lang="de-DE" dirty="0" err="1" smtClean="0"/>
-              <a:t>Notification</a:t>
-            </a:r>
-            <a:r>
-              <a:rPr lang="de-DE" dirty="0" smtClean="0"/>
-              <a:t> Empfang</a:t>
-            </a:r>
-          </a:p>
-          <a:p>
-            <a:pPr lvl="2"/>
-            <a:r>
-              <a:rPr lang="de-DE" dirty="0" smtClean="0"/>
-              <a:t>Einmalig 40€</a:t>
-            </a:r>
-          </a:p>
-          <a:p>
-            <a:pPr lvl="1"/>
-            <a:r>
-              <a:rPr lang="de-DE" dirty="0" smtClean="0"/>
-              <a:t>Con:</a:t>
-            </a:r>
-          </a:p>
-          <a:p>
-            <a:pPr lvl="2"/>
-            <a:r>
-              <a:rPr lang="de-DE" dirty="0"/>
-              <a:t>Keine kostenlose Testversion</a:t>
-            </a:r>
-          </a:p>
-          <a:p>
-            <a:pPr lvl="2"/>
-            <a:r>
-              <a:rPr lang="de-DE" dirty="0" smtClean="0"/>
-              <a:t>Nur client-seitige Lösung</a:t>
-            </a:r>
-          </a:p>
-        </p:txBody>
-      </p:sp>
+              <a:t>Schönere Alternative: </a:t>
+            </a:r>
+            <a:r>
+              <a:rPr lang="de-DE" dirty="0" err="1" smtClean="0"/>
+              <a:t>Xamarin</a:t>
+            </a:r>
+            <a:r>
+              <a:rPr lang="de-DE" dirty="0" smtClean="0"/>
+              <a:t> + Parse SDK</a:t>
+            </a:r>
+          </a:p>
+        </p:txBody>
+      </p:sp>
+      <p:pic>
+        <p:nvPicPr>
+          <p:cNvPr id="5" name="Bild 4"/>
+          <p:cNvPicPr>
+            <a:picLocks noChangeAspect="1"/>
+          </p:cNvPicPr>
+          <p:nvPr/>
+        </p:nvPicPr>
+        <p:blipFill>
+          <a:blip r:embed="rId2"/>
+          <a:stretch>
+            <a:fillRect/>
+          </a:stretch>
+        </p:blipFill>
+        <p:spPr>
+          <a:xfrm>
+            <a:off x="3021453" y="1244135"/>
+            <a:ext cx="1344577" cy="1344577"/>
+          </a:xfrm>
+          <a:prstGeom prst="rect">
+            <a:avLst/>
+          </a:prstGeom>
+        </p:spPr>
+      </p:pic>
       <p:sp>
         <p:nvSpPr>
           <p:cNvPr id="6" name="Fußzeilenplatzhalter 5"/>
@@ -6984,7 +7474,7 @@
     </p:spTree>
     <p:extLst>
       <p:ext uri="{BB962C8B-B14F-4D97-AF65-F5344CB8AC3E}">
-        <p14:creationId xmlns:p14="http://schemas.microsoft.com/office/powerpoint/2010/main" val="1177865438"/>
+        <p14:creationId xmlns:p14="http://schemas.microsoft.com/office/powerpoint/2010/main" val="857423768"/>
       </p:ext>
     </p:extLst>
   </p:cSld>
